--- a/ALGORITMOS GENÉTICOS.pptx
+++ b/ALGORITMOS GENÉTICOS.pptx
@@ -2,12 +2,12 @@
 <file path=ppt/presentation.xml><?xml version="1.0" encoding="utf-8"?>
 <p:presentation xmlns:a="http://schemas.openxmlformats.org/drawingml/2006/main" xmlns:r="http://schemas.openxmlformats.org/officeDocument/2006/relationships" xmlns:p="http://schemas.openxmlformats.org/presentationml/2006/main" saveSubsetFonts="1">
   <p:sldMasterIdLst>
-    <p:sldMasterId id="2147483660" r:id="rId1"/>
+    <p:sldMasterId id="2147483761" r:id="rId1"/>
   </p:sldMasterIdLst>
   <p:sldIdLst>
     <p:sldId id="256" r:id="rId2"/>
     <p:sldId id="257" r:id="rId3"/>
-    <p:sldId id="260" r:id="rId4"/>
+    <p:sldId id="267" r:id="rId4"/>
     <p:sldId id="258" r:id="rId5"/>
     <p:sldId id="259" r:id="rId6"/>
     <p:sldId id="261" r:id="rId7"/>
@@ -118,7 +118,7 @@
 </file>
 
 <file path=ppt/slideLayouts/slideLayout1.xml><?xml version="1.0" encoding="utf-8"?>
-<p:sldLayout xmlns:a="http://schemas.openxmlformats.org/drawingml/2006/main" xmlns:r="http://schemas.openxmlformats.org/officeDocument/2006/relationships" xmlns:p="http://schemas.openxmlformats.org/presentationml/2006/main" showMasterSp="0" type="title" preserve="1">
+<p:sldLayout xmlns:a="http://schemas.openxmlformats.org/drawingml/2006/main" xmlns:r="http://schemas.openxmlformats.org/officeDocument/2006/relationships" xmlns:p="http://schemas.openxmlformats.org/presentationml/2006/main" type="title" preserve="1">
   <p:cSld name="Slide de Título">
     <p:spTree>
       <p:nvGrpSpPr>
@@ -136,6 +136,110 @@
       </p:grpSpPr>
       <p:sp>
         <p:nvSpPr>
+          <p:cNvPr id="11" name="Freeform 6"/>
+          <p:cNvSpPr/>
+          <p:nvPr/>
+        </p:nvSpPr>
+        <p:spPr bwMode="auto">
+          <a:xfrm>
+            <a:off x="0" y="-3175"/>
+            <a:ext cx="12192000" cy="5203825"/>
+          </a:xfrm>
+          <a:custGeom>
+            <a:avLst/>
+            <a:gdLst/>
+            <a:ahLst/>
+            <a:cxnLst/>
+            <a:rect l="0" t="0" r="r" b="b"/>
+            <a:pathLst>
+              <a:path w="5760" h="3278">
+                <a:moveTo>
+                  <a:pt x="5760" y="0"/>
+                </a:moveTo>
+                <a:lnTo>
+                  <a:pt x="0" y="0"/>
+                </a:lnTo>
+                <a:lnTo>
+                  <a:pt x="0" y="3090"/>
+                </a:lnTo>
+                <a:lnTo>
+                  <a:pt x="943" y="3090"/>
+                </a:lnTo>
+                <a:lnTo>
+                  <a:pt x="1123" y="3270"/>
+                </a:lnTo>
+                <a:lnTo>
+                  <a:pt x="1123" y="3270"/>
+                </a:lnTo>
+                <a:lnTo>
+                  <a:pt x="1127" y="3272"/>
+                </a:lnTo>
+                <a:lnTo>
+                  <a:pt x="1133" y="3275"/>
+                </a:lnTo>
+                <a:lnTo>
+                  <a:pt x="1139" y="3278"/>
+                </a:lnTo>
+                <a:lnTo>
+                  <a:pt x="1144" y="3278"/>
+                </a:lnTo>
+                <a:lnTo>
+                  <a:pt x="1150" y="3278"/>
+                </a:lnTo>
+                <a:lnTo>
+                  <a:pt x="1155" y="3275"/>
+                </a:lnTo>
+                <a:lnTo>
+                  <a:pt x="1161" y="3272"/>
+                </a:lnTo>
+                <a:lnTo>
+                  <a:pt x="1165" y="3270"/>
+                </a:lnTo>
+                <a:lnTo>
+                  <a:pt x="1345" y="3090"/>
+                </a:lnTo>
+                <a:lnTo>
+                  <a:pt x="5760" y="3090"/>
+                </a:lnTo>
+                <a:lnTo>
+                  <a:pt x="5760" y="0"/>
+                </a:lnTo>
+                <a:close/>
+              </a:path>
+            </a:pathLst>
+          </a:custGeom>
+          <a:ln/>
+          <a:effectLst/>
+          <a:extLst>
+            <a:ext uri="{91240B29-F687-4f45-9708-019B960494DF}">
+              <a14:hiddenLine xmlns:a14="http://schemas.microsoft.com/office/drawing/2010/main" xmlns="" w="9525">
+                <a:solidFill>
+                  <a:srgbClr val="000000"/>
+                </a:solidFill>
+                <a:round/>
+                <a:headEnd/>
+                <a:tailEnd/>
+              </a14:hiddenLine>
+            </a:ext>
+          </a:extLst>
+        </p:spPr>
+        <p:style>
+          <a:lnRef idx="1">
+            <a:schemeClr val="accent1"/>
+          </a:lnRef>
+          <a:fillRef idx="3">
+            <a:schemeClr val="accent1"/>
+          </a:fillRef>
+          <a:effectRef idx="2">
+            <a:schemeClr val="accent1"/>
+          </a:effectRef>
+          <a:fontRef idx="minor">
+            <a:schemeClr val="lt1"/>
+          </a:fontRef>
+        </p:style>
+      </p:sp>
+      <p:sp>
+        <p:nvSpPr>
           <p:cNvPr id="2" name="Title 1"/>
           <p:cNvSpPr>
             <a:spLocks noGrp="1"/>
@@ -146,19 +250,15 @@
         </p:nvSpPr>
         <p:spPr>
           <a:xfrm>
-            <a:off x="684212" y="685799"/>
-            <a:ext cx="8001000" cy="2971801"/>
+            <a:off x="810001" y="1449147"/>
+            <a:ext cx="10572000" cy="2971051"/>
           </a:xfrm>
         </p:spPr>
         <p:txBody>
-          <a:bodyPr anchor="b">
-            <a:normAutofit/>
-          </a:bodyPr>
+          <a:bodyPr/>
           <a:lstStyle>
-            <a:lvl1pPr algn="l">
-              <a:defRPr sz="4800">
-                <a:effectLst/>
-              </a:defRPr>
+            <a:lvl1pPr>
+              <a:defRPr sz="5400"/>
             </a:lvl1pPr>
           </a:lstStyle>
           <a:p>
@@ -182,22 +282,18 @@
         </p:nvSpPr>
         <p:spPr>
           <a:xfrm>
-            <a:off x="684212" y="3843867"/>
-            <a:ext cx="6400800" cy="1947333"/>
+            <a:off x="810001" y="5280847"/>
+            <a:ext cx="10572000" cy="434974"/>
           </a:xfrm>
         </p:spPr>
         <p:txBody>
-          <a:bodyPr anchor="t">
-            <a:normAutofit/>
-          </a:bodyPr>
+          <a:bodyPr anchor="t"/>
           <a:lstStyle>
             <a:lvl1pPr marL="0" indent="0" algn="l">
               <a:buNone/>
-              <a:defRPr sz="2100">
-                <a:solidFill>
-                  <a:schemeClr val="bg2">
-                    <a:lumMod val="75000"/>
-                  </a:schemeClr>
+              <a:defRPr>
+                <a:solidFill>
+                  <a:schemeClr val="tx1"/>
                 </a:solidFill>
               </a:defRPr>
             </a:lvl1pPr>
@@ -356,185 +452,10 @@
           </a:p>
         </p:txBody>
       </p:sp>
-      <p:cxnSp>
-        <p:nvCxnSpPr>
-          <p:cNvPr id="16" name="Straight Connector 15"/>
-          <p:cNvCxnSpPr/>
-          <p:nvPr/>
-        </p:nvCxnSpPr>
-        <p:spPr>
-          <a:xfrm flipH="1">
-            <a:off x="8228012" y="8467"/>
-            <a:ext cx="3810000" cy="3810000"/>
-          </a:xfrm>
-          <a:prstGeom prst="line">
-            <a:avLst/>
-          </a:prstGeom>
-          <a:ln w="12700">
-            <a:solidFill>
-              <a:schemeClr val="tx1"/>
-            </a:solidFill>
-          </a:ln>
-        </p:spPr>
-        <p:style>
-          <a:lnRef idx="2">
-            <a:schemeClr val="accent1"/>
-          </a:lnRef>
-          <a:fillRef idx="0">
-            <a:schemeClr val="accent1"/>
-          </a:fillRef>
-          <a:effectRef idx="1">
-            <a:schemeClr val="accent1"/>
-          </a:effectRef>
-          <a:fontRef idx="minor">
-            <a:schemeClr val="tx1"/>
-          </a:fontRef>
-        </p:style>
-      </p:cxnSp>
-      <p:cxnSp>
-        <p:nvCxnSpPr>
-          <p:cNvPr id="17" name="Straight Connector 16"/>
-          <p:cNvCxnSpPr/>
-          <p:nvPr/>
-        </p:nvCxnSpPr>
-        <p:spPr>
-          <a:xfrm flipH="1">
-            <a:off x="6108170" y="91545"/>
-            <a:ext cx="6080655" cy="6080655"/>
-          </a:xfrm>
-          <a:prstGeom prst="line">
-            <a:avLst/>
-          </a:prstGeom>
-          <a:ln w="12700">
-            <a:solidFill>
-              <a:schemeClr val="tx1"/>
-            </a:solidFill>
-          </a:ln>
-        </p:spPr>
-        <p:style>
-          <a:lnRef idx="2">
-            <a:schemeClr val="accent1"/>
-          </a:lnRef>
-          <a:fillRef idx="0">
-            <a:schemeClr val="accent1"/>
-          </a:fillRef>
-          <a:effectRef idx="1">
-            <a:schemeClr val="accent1"/>
-          </a:effectRef>
-          <a:fontRef idx="minor">
-            <a:schemeClr val="tx1"/>
-          </a:fontRef>
-        </p:style>
-      </p:cxnSp>
-      <p:cxnSp>
-        <p:nvCxnSpPr>
-          <p:cNvPr id="19" name="Straight Connector 18"/>
-          <p:cNvCxnSpPr/>
-          <p:nvPr/>
-        </p:nvCxnSpPr>
-        <p:spPr>
-          <a:xfrm flipH="1">
-            <a:off x="7235825" y="228600"/>
-            <a:ext cx="4953000" cy="4953000"/>
-          </a:xfrm>
-          <a:prstGeom prst="line">
-            <a:avLst/>
-          </a:prstGeom>
-          <a:ln w="12700">
-            <a:solidFill>
-              <a:schemeClr val="tx1"/>
-            </a:solidFill>
-          </a:ln>
-        </p:spPr>
-        <p:style>
-          <a:lnRef idx="2">
-            <a:schemeClr val="accent1"/>
-          </a:lnRef>
-          <a:fillRef idx="0">
-            <a:schemeClr val="accent1"/>
-          </a:fillRef>
-          <a:effectRef idx="1">
-            <a:schemeClr val="accent1"/>
-          </a:effectRef>
-          <a:fontRef idx="minor">
-            <a:schemeClr val="tx1"/>
-          </a:fontRef>
-        </p:style>
-      </p:cxnSp>
-      <p:cxnSp>
-        <p:nvCxnSpPr>
-          <p:cNvPr id="21" name="Straight Connector 20"/>
-          <p:cNvCxnSpPr/>
-          <p:nvPr/>
-        </p:nvCxnSpPr>
-        <p:spPr>
-          <a:xfrm flipH="1">
-            <a:off x="7335837" y="32278"/>
-            <a:ext cx="4852989" cy="4852989"/>
-          </a:xfrm>
-          <a:prstGeom prst="line">
-            <a:avLst/>
-          </a:prstGeom>
-          <a:ln w="31750">
-            <a:solidFill>
-              <a:schemeClr val="tx1"/>
-            </a:solidFill>
-          </a:ln>
-        </p:spPr>
-        <p:style>
-          <a:lnRef idx="2">
-            <a:schemeClr val="accent1"/>
-          </a:lnRef>
-          <a:fillRef idx="0">
-            <a:schemeClr val="accent1"/>
-          </a:fillRef>
-          <a:effectRef idx="1">
-            <a:schemeClr val="accent1"/>
-          </a:effectRef>
-          <a:fontRef idx="minor">
-            <a:schemeClr val="tx1"/>
-          </a:fontRef>
-        </p:style>
-      </p:cxnSp>
-      <p:cxnSp>
-        <p:nvCxnSpPr>
-          <p:cNvPr id="23" name="Straight Connector 22"/>
-          <p:cNvCxnSpPr/>
-          <p:nvPr/>
-        </p:nvCxnSpPr>
-        <p:spPr>
-          <a:xfrm flipH="1">
-            <a:off x="7845426" y="609601"/>
-            <a:ext cx="4343399" cy="4343399"/>
-          </a:xfrm>
-          <a:prstGeom prst="line">
-            <a:avLst/>
-          </a:prstGeom>
-          <a:ln w="31750">
-            <a:solidFill>
-              <a:schemeClr val="tx1"/>
-            </a:solidFill>
-          </a:ln>
-        </p:spPr>
-        <p:style>
-          <a:lnRef idx="2">
-            <a:schemeClr val="accent1"/>
-          </a:lnRef>
-          <a:fillRef idx="0">
-            <a:schemeClr val="accent1"/>
-          </a:fillRef>
-          <a:effectRef idx="1">
-            <a:schemeClr val="accent1"/>
-          </a:effectRef>
-          <a:fontRef idx="minor">
-            <a:schemeClr val="tx1"/>
-          </a:fontRef>
-        </p:style>
-      </p:cxnSp>
     </p:spTree>
     <p:extLst>
       <p:ext uri="{BB962C8B-B14F-4D97-AF65-F5344CB8AC3E}">
-        <p14:creationId xmlns:p14="http://schemas.microsoft.com/office/powerpoint/2010/main" val="3486341689"/>
+        <p14:creationId xmlns:p14="http://schemas.microsoft.com/office/powerpoint/2010/main" val="2737692746"/>
       </p:ext>
     </p:extLst>
   </p:cSld>
@@ -571,96 +492,142 @@
             <p:ph type="title"/>
           </p:nvPr>
         </p:nvSpPr>
-        <p:spPr/>
-        <p:txBody>
-          <a:bodyPr/>
-          <a:lstStyle/>
-          <a:p>
-            <a:r>
-              <a:rPr lang="pt-BR" smtClean="0"/>
-              <a:t>Clique para editar o título mestre</a:t>
-            </a:r>
-            <a:endParaRPr lang="en-US" dirty="0"/>
-          </a:p>
-        </p:txBody>
-      </p:sp>
-      <p:sp>
-        <p:nvSpPr>
-          <p:cNvPr id="17" name="Picture Placeholder 2"/>
-          <p:cNvSpPr>
-            <a:spLocks noGrp="1" noChangeAspect="1"/>
-          </p:cNvSpPr>
-          <p:nvPr>
-            <p:ph type="pic" idx="13"/>
-          </p:nvPr>
-        </p:nvSpPr>
         <p:spPr>
           <a:xfrm>
-            <a:off x="685800" y="533400"/>
-            <a:ext cx="10818812" cy="3124200"/>
+            <a:off x="810000" y="4800600"/>
+            <a:ext cx="10561418" cy="566738"/>
           </a:xfrm>
-          <a:prstGeom prst="snip2DiagRect">
-            <a:avLst>
-              <a:gd name="adj1" fmla="val 10815"/>
-              <a:gd name="adj2" fmla="val 0"/>
-            </a:avLst>
-          </a:prstGeom>
-          <a:ln w="15875">
+        </p:spPr>
+        <p:txBody>
+          <a:bodyPr anchor="b">
+            <a:normAutofit/>
+          </a:bodyPr>
+          <a:lstStyle>
+            <a:lvl1pPr algn="l">
+              <a:defRPr sz="2400" b="0"/>
+            </a:lvl1pPr>
+          </a:lstStyle>
+          <a:p>
+            <a:r>
+              <a:rPr lang="pt-BR" smtClean="0"/>
+              <a:t>Clique para editar o título mestre</a:t>
+            </a:r>
+            <a:endParaRPr lang="en-US" dirty="0"/>
+          </a:p>
+        </p:txBody>
+      </p:sp>
+      <p:sp>
+        <p:nvSpPr>
+          <p:cNvPr id="15" name="Picture Placeholder 14"/>
+          <p:cNvSpPr>
+            <a:spLocks noGrp="1" noChangeAspect="1"/>
+          </p:cNvSpPr>
+          <p:nvPr>
+            <p:ph type="pic" sz="quarter" idx="13"/>
+          </p:nvPr>
+        </p:nvSpPr>
+        <p:spPr bwMode="auto">
+          <a:xfrm>
+            <a:off x="0" y="0"/>
+            <a:ext cx="12192000" cy="4800600"/>
+          </a:xfrm>
+          <a:custGeom>
+            <a:avLst/>
+            <a:gdLst/>
+            <a:ahLst/>
+            <a:cxnLst/>
+            <a:rect l="0" t="0" r="r" b="b"/>
+            <a:pathLst>
+              <a:path w="5760" h="3289">
+                <a:moveTo>
+                  <a:pt x="5760" y="0"/>
+                </a:moveTo>
+                <a:lnTo>
+                  <a:pt x="0" y="0"/>
+                </a:lnTo>
+                <a:lnTo>
+                  <a:pt x="0" y="3100"/>
+                </a:lnTo>
+                <a:lnTo>
+                  <a:pt x="943" y="3100"/>
+                </a:lnTo>
+                <a:lnTo>
+                  <a:pt x="1123" y="3281"/>
+                </a:lnTo>
+                <a:lnTo>
+                  <a:pt x="1123" y="3281"/>
+                </a:lnTo>
+                <a:lnTo>
+                  <a:pt x="1127" y="3283"/>
+                </a:lnTo>
+                <a:lnTo>
+                  <a:pt x="1133" y="3286"/>
+                </a:lnTo>
+                <a:lnTo>
+                  <a:pt x="1139" y="3289"/>
+                </a:lnTo>
+                <a:lnTo>
+                  <a:pt x="1144" y="3289"/>
+                </a:lnTo>
+                <a:lnTo>
+                  <a:pt x="1150" y="3289"/>
+                </a:lnTo>
+                <a:lnTo>
+                  <a:pt x="1155" y="3286"/>
+                </a:lnTo>
+                <a:lnTo>
+                  <a:pt x="1161" y="3283"/>
+                </a:lnTo>
+                <a:lnTo>
+                  <a:pt x="1165" y="3281"/>
+                </a:lnTo>
+                <a:lnTo>
+                  <a:pt x="1345" y="3100"/>
+                </a:lnTo>
+                <a:lnTo>
+                  <a:pt x="5760" y="3100"/>
+                </a:lnTo>
+                <a:lnTo>
+                  <a:pt x="5760" y="0"/>
+                </a:lnTo>
+                <a:close/>
+              </a:path>
+            </a:pathLst>
+          </a:custGeom>
+          <a:noFill/>
+          <a:ln>
             <a:solidFill>
-              <a:schemeClr val="tx1">
-                <a:alpha val="40000"/>
-              </a:schemeClr>
+              <a:schemeClr val="tx2"/>
             </a:solidFill>
           </a:ln>
-          <a:effectLst>
-            <a:innerShdw blurRad="57150" dist="38100" dir="14460000">
-              <a:srgbClr val="000000">
-                <a:alpha val="70000"/>
-              </a:srgbClr>
-            </a:innerShdw>
-          </a:effectLst>
         </p:spPr>
-        <p:txBody>
-          <a:bodyPr anchor="t">
+        <p:style>
+          <a:lnRef idx="1">
+            <a:schemeClr val="accent1"/>
+          </a:lnRef>
+          <a:fillRef idx="3">
+            <a:schemeClr val="accent1"/>
+          </a:fillRef>
+          <a:effectRef idx="2">
+            <a:schemeClr val="accent1"/>
+          </a:effectRef>
+          <a:fontRef idx="minor">
+            <a:schemeClr val="lt1"/>
+          </a:fontRef>
+        </p:style>
+        <p:txBody>
+          <a:bodyPr wrap="square" numCol="1" anchor="t" anchorCtr="0" compatLnSpc="1">
+            <a:prstTxWarp prst="textNoShape">
+              <a:avLst/>
+            </a:prstTxWarp>
             <a:normAutofit/>
           </a:bodyPr>
           <a:lstStyle>
             <a:lvl1pPr marL="0" indent="0" algn="ctr">
+              <a:buFontTx/>
               <a:buNone/>
               <a:defRPr sz="1600"/>
             </a:lvl1pPr>
-            <a:lvl2pPr marL="457200" indent="0">
-              <a:buNone/>
-              <a:defRPr sz="1600"/>
-            </a:lvl2pPr>
-            <a:lvl3pPr marL="914400" indent="0">
-              <a:buNone/>
-              <a:defRPr sz="1600"/>
-            </a:lvl3pPr>
-            <a:lvl4pPr marL="1371600" indent="0">
-              <a:buNone/>
-              <a:defRPr sz="1600"/>
-            </a:lvl4pPr>
-            <a:lvl5pPr marL="1828800" indent="0">
-              <a:buNone/>
-              <a:defRPr sz="1600"/>
-            </a:lvl5pPr>
-            <a:lvl6pPr marL="2286000" indent="0">
-              <a:buNone/>
-              <a:defRPr sz="1600"/>
-            </a:lvl6pPr>
-            <a:lvl7pPr marL="2743200" indent="0">
-              <a:buNone/>
-              <a:defRPr sz="1600"/>
-            </a:lvl7pPr>
-            <a:lvl8pPr marL="3200400" indent="0">
-              <a:buNone/>
-              <a:defRPr sz="1600"/>
-            </a:lvl8pPr>
-            <a:lvl9pPr marL="3657600" indent="0">
-              <a:buNone/>
-              <a:defRPr sz="1600"/>
-            </a:lvl9pPr>
           </a:lstStyle>
           <a:p>
             <a:r>
@@ -673,50 +640,61 @@
       </p:sp>
       <p:sp>
         <p:nvSpPr>
-          <p:cNvPr id="16" name="Text Placeholder 9"/>
-          <p:cNvSpPr>
-            <a:spLocks noGrp="1"/>
-          </p:cNvSpPr>
-          <p:nvPr>
-            <p:ph type="body" sz="quarter" idx="14"/>
+          <p:cNvPr id="4" name="Text Placeholder 3"/>
+          <p:cNvSpPr>
+            <a:spLocks noGrp="1"/>
+          </p:cNvSpPr>
+          <p:nvPr>
+            <p:ph type="body" sz="half" idx="2"/>
           </p:nvPr>
         </p:nvSpPr>
         <p:spPr>
           <a:xfrm>
-            <a:off x="914402" y="3843867"/>
-            <a:ext cx="8304210" cy="457200"/>
+            <a:off x="810000" y="5367338"/>
+            <a:ext cx="10561418" cy="493712"/>
           </a:xfrm>
         </p:spPr>
         <p:txBody>
-          <a:bodyPr anchor="t">
+          <a:bodyPr>
             <a:normAutofit/>
           </a:bodyPr>
           <a:lstStyle>
             <a:lvl1pPr marL="0" indent="0">
-              <a:buFontTx/>
-              <a:buNone/>
-              <a:defRPr sz="1600"/>
+              <a:buNone/>
+              <a:defRPr sz="1200"/>
             </a:lvl1pPr>
             <a:lvl2pPr marL="457200" indent="0">
-              <a:buFontTx/>
-              <a:buNone/>
-              <a:defRPr/>
+              <a:buNone/>
+              <a:defRPr sz="1200"/>
             </a:lvl2pPr>
             <a:lvl3pPr marL="914400" indent="0">
-              <a:buFontTx/>
-              <a:buNone/>
-              <a:defRPr/>
+              <a:buNone/>
+              <a:defRPr sz="1000"/>
             </a:lvl3pPr>
             <a:lvl4pPr marL="1371600" indent="0">
-              <a:buFontTx/>
-              <a:buNone/>
-              <a:defRPr/>
+              <a:buNone/>
+              <a:defRPr sz="900"/>
             </a:lvl4pPr>
             <a:lvl5pPr marL="1828800" indent="0">
-              <a:buFontTx/>
-              <a:buNone/>
-              <a:defRPr/>
+              <a:buNone/>
+              <a:defRPr sz="900"/>
             </a:lvl5pPr>
+            <a:lvl6pPr marL="2286000" indent="0">
+              <a:buNone/>
+              <a:defRPr sz="900"/>
+            </a:lvl6pPr>
+            <a:lvl7pPr marL="2743200" indent="0">
+              <a:buNone/>
+              <a:defRPr sz="900"/>
+            </a:lvl7pPr>
+            <a:lvl8pPr marL="3200400" indent="0">
+              <a:buNone/>
+              <a:defRPr sz="900"/>
+            </a:lvl8pPr>
+            <a:lvl9pPr marL="3657600" indent="0">
+              <a:buNone/>
+              <a:defRPr sz="900"/>
+            </a:lvl9pPr>
           </a:lstStyle>
           <a:p>
             <a:pPr lvl="0"/>
@@ -729,7 +707,7 @@
       </p:sp>
       <p:sp>
         <p:nvSpPr>
-          <p:cNvPr id="3" name="Date Placeholder 2"/>
+          <p:cNvPr id="5" name="Date Placeholder 4"/>
           <p:cNvSpPr>
             <a:spLocks noGrp="1"/>
           </p:cNvSpPr>
@@ -752,7 +730,7 @@
       </p:sp>
       <p:sp>
         <p:nvSpPr>
-          <p:cNvPr id="4" name="Footer Placeholder 3"/>
+          <p:cNvPr id="6" name="Footer Placeholder 5"/>
           <p:cNvSpPr>
             <a:spLocks noGrp="1"/>
           </p:cNvSpPr>
@@ -771,7 +749,7 @@
       </p:sp>
       <p:sp>
         <p:nvSpPr>
-          <p:cNvPr id="5" name="Slide Number Placeholder 4"/>
+          <p:cNvPr id="7" name="Slide Number Placeholder 6"/>
           <p:cNvSpPr>
             <a:spLocks noGrp="1"/>
           </p:cNvSpPr>
@@ -795,7 +773,7 @@
     </p:spTree>
     <p:extLst>
       <p:ext uri="{BB962C8B-B14F-4D97-AF65-F5344CB8AC3E}">
-        <p14:creationId xmlns:p14="http://schemas.microsoft.com/office/powerpoint/2010/main" val="2037689163"/>
+        <p14:creationId xmlns:p14="http://schemas.microsoft.com/office/powerpoint/2010/main" val="3946767141"/>
       </p:ext>
     </p:extLst>
   </p:cSld>
@@ -806,256 +784,6 @@
 </file>
 
 <file path=ppt/slideLayouts/slideLayout11.xml><?xml version="1.0" encoding="utf-8"?>
-<p:sldLayout xmlns:a="http://schemas.openxmlformats.org/drawingml/2006/main" xmlns:r="http://schemas.openxmlformats.org/officeDocument/2006/relationships" xmlns:p="http://schemas.openxmlformats.org/presentationml/2006/main" preserve="1">
-  <p:cSld name="Título e Legenda">
-    <p:spTree>
-      <p:nvGrpSpPr>
-        <p:cNvPr id="1" name=""/>
-        <p:cNvGrpSpPr/>
-        <p:nvPr/>
-      </p:nvGrpSpPr>
-      <p:grpSpPr>
-        <a:xfrm>
-          <a:off x="0" y="0"/>
-          <a:ext cx="0" cy="0"/>
-          <a:chOff x="0" y="0"/>
-          <a:chExt cx="0" cy="0"/>
-        </a:xfrm>
-      </p:grpSpPr>
-      <p:sp>
-        <p:nvSpPr>
-          <p:cNvPr id="2" name="Title 1"/>
-          <p:cNvSpPr>
-            <a:spLocks noGrp="1"/>
-          </p:cNvSpPr>
-          <p:nvPr>
-            <p:ph type="title"/>
-          </p:nvPr>
-        </p:nvSpPr>
-        <p:spPr>
-          <a:xfrm>
-            <a:off x="684213" y="685800"/>
-            <a:ext cx="10058400" cy="2743200"/>
-          </a:xfrm>
-        </p:spPr>
-        <p:txBody>
-          <a:bodyPr anchor="ctr">
-            <a:normAutofit/>
-          </a:bodyPr>
-          <a:lstStyle>
-            <a:lvl1pPr algn="l">
-              <a:defRPr sz="3200" b="0" cap="all"/>
-            </a:lvl1pPr>
-          </a:lstStyle>
-          <a:p>
-            <a:r>
-              <a:rPr lang="pt-BR" smtClean="0"/>
-              <a:t>Clique para editar o título mestre</a:t>
-            </a:r>
-            <a:endParaRPr lang="en-US" dirty="0"/>
-          </a:p>
-        </p:txBody>
-      </p:sp>
-      <p:sp>
-        <p:nvSpPr>
-          <p:cNvPr id="3" name="Text Placeholder 2"/>
-          <p:cNvSpPr>
-            <a:spLocks noGrp="1"/>
-          </p:cNvSpPr>
-          <p:nvPr>
-            <p:ph type="body" idx="1"/>
-          </p:nvPr>
-        </p:nvSpPr>
-        <p:spPr>
-          <a:xfrm>
-            <a:off x="684212" y="4114800"/>
-            <a:ext cx="8535988" cy="1879600"/>
-          </a:xfrm>
-        </p:spPr>
-        <p:txBody>
-          <a:bodyPr anchor="ctr">
-            <a:normAutofit/>
-          </a:bodyPr>
-          <a:lstStyle>
-            <a:lvl1pPr marL="0" indent="0" algn="l">
-              <a:buNone/>
-              <a:defRPr sz="2000">
-                <a:solidFill>
-                  <a:schemeClr val="bg2">
-                    <a:lumMod val="75000"/>
-                  </a:schemeClr>
-                </a:solidFill>
-              </a:defRPr>
-            </a:lvl1pPr>
-            <a:lvl2pPr marL="457200" indent="0">
-              <a:buNone/>
-              <a:defRPr sz="1800">
-                <a:solidFill>
-                  <a:schemeClr val="tx1">
-                    <a:tint val="75000"/>
-                  </a:schemeClr>
-                </a:solidFill>
-              </a:defRPr>
-            </a:lvl2pPr>
-            <a:lvl3pPr marL="914400" indent="0">
-              <a:buNone/>
-              <a:defRPr sz="1600">
-                <a:solidFill>
-                  <a:schemeClr val="tx1">
-                    <a:tint val="75000"/>
-                  </a:schemeClr>
-                </a:solidFill>
-              </a:defRPr>
-            </a:lvl3pPr>
-            <a:lvl4pPr marL="1371600" indent="0">
-              <a:buNone/>
-              <a:defRPr sz="1400">
-                <a:solidFill>
-                  <a:schemeClr val="tx1">
-                    <a:tint val="75000"/>
-                  </a:schemeClr>
-                </a:solidFill>
-              </a:defRPr>
-            </a:lvl4pPr>
-            <a:lvl5pPr marL="1828800" indent="0">
-              <a:buNone/>
-              <a:defRPr sz="1400">
-                <a:solidFill>
-                  <a:schemeClr val="tx1">
-                    <a:tint val="75000"/>
-                  </a:schemeClr>
-                </a:solidFill>
-              </a:defRPr>
-            </a:lvl5pPr>
-            <a:lvl6pPr marL="2286000" indent="0">
-              <a:buNone/>
-              <a:defRPr sz="1400">
-                <a:solidFill>
-                  <a:schemeClr val="tx1">
-                    <a:tint val="75000"/>
-                  </a:schemeClr>
-                </a:solidFill>
-              </a:defRPr>
-            </a:lvl6pPr>
-            <a:lvl7pPr marL="2743200" indent="0">
-              <a:buNone/>
-              <a:defRPr sz="1400">
-                <a:solidFill>
-                  <a:schemeClr val="tx1">
-                    <a:tint val="75000"/>
-                  </a:schemeClr>
-                </a:solidFill>
-              </a:defRPr>
-            </a:lvl7pPr>
-            <a:lvl8pPr marL="3200400" indent="0">
-              <a:buNone/>
-              <a:defRPr sz="1400">
-                <a:solidFill>
-                  <a:schemeClr val="tx1">
-                    <a:tint val="75000"/>
-                  </a:schemeClr>
-                </a:solidFill>
-              </a:defRPr>
-            </a:lvl8pPr>
-            <a:lvl9pPr marL="3657600" indent="0">
-              <a:buNone/>
-              <a:defRPr sz="1400">
-                <a:solidFill>
-                  <a:schemeClr val="tx1">
-                    <a:tint val="75000"/>
-                  </a:schemeClr>
-                </a:solidFill>
-              </a:defRPr>
-            </a:lvl9pPr>
-          </a:lstStyle>
-          <a:p>
-            <a:pPr lvl="0"/>
-            <a:r>
-              <a:rPr lang="pt-BR" smtClean="0"/>
-              <a:t>Editar estilos de texto Mestre</a:t>
-            </a:r>
-          </a:p>
-        </p:txBody>
-      </p:sp>
-      <p:sp>
-        <p:nvSpPr>
-          <p:cNvPr id="4" name="Date Placeholder 3"/>
-          <p:cNvSpPr>
-            <a:spLocks noGrp="1"/>
-          </p:cNvSpPr>
-          <p:nvPr>
-            <p:ph type="dt" sz="half" idx="10"/>
-          </p:nvPr>
-        </p:nvSpPr>
-        <p:spPr/>
-        <p:txBody>
-          <a:bodyPr/>
-          <a:lstStyle/>
-          <a:p>
-            <a:fld id="{292FA77F-8411-4E16-9365-2555F421FF75}" type="datetimeFigureOut">
-              <a:rPr lang="pt-BR" smtClean="0"/>
-              <a:t>27/11/2019</a:t>
-            </a:fld>
-            <a:endParaRPr lang="pt-BR"/>
-          </a:p>
-        </p:txBody>
-      </p:sp>
-      <p:sp>
-        <p:nvSpPr>
-          <p:cNvPr id="5" name="Footer Placeholder 4"/>
-          <p:cNvSpPr>
-            <a:spLocks noGrp="1"/>
-          </p:cNvSpPr>
-          <p:nvPr>
-            <p:ph type="ftr" sz="quarter" idx="11"/>
-          </p:nvPr>
-        </p:nvSpPr>
-        <p:spPr/>
-        <p:txBody>
-          <a:bodyPr/>
-          <a:lstStyle/>
-          <a:p>
-            <a:endParaRPr lang="pt-BR"/>
-          </a:p>
-        </p:txBody>
-      </p:sp>
-      <p:sp>
-        <p:nvSpPr>
-          <p:cNvPr id="6" name="Slide Number Placeholder 5"/>
-          <p:cNvSpPr>
-            <a:spLocks noGrp="1"/>
-          </p:cNvSpPr>
-          <p:nvPr>
-            <p:ph type="sldNum" sz="quarter" idx="12"/>
-          </p:nvPr>
-        </p:nvSpPr>
-        <p:spPr/>
-        <p:txBody>
-          <a:bodyPr/>
-          <a:lstStyle/>
-          <a:p>
-            <a:fld id="{21695821-8110-41DE-A39F-3520BB61B09F}" type="slidenum">
-              <a:rPr lang="pt-BR" smtClean="0"/>
-              <a:t>‹nº›</a:t>
-            </a:fld>
-            <a:endParaRPr lang="pt-BR"/>
-          </a:p>
-        </p:txBody>
-      </p:sp>
-    </p:spTree>
-    <p:extLst>
-      <p:ext uri="{BB962C8B-B14F-4D97-AF65-F5344CB8AC3E}">
-        <p14:creationId xmlns:p14="http://schemas.microsoft.com/office/powerpoint/2010/main" val="3937838689"/>
-      </p:ext>
-    </p:extLst>
-  </p:cSld>
-  <p:clrMapOvr>
-    <a:masterClrMapping/>
-  </p:clrMapOvr>
-</p:sldLayout>
-</file>
-
-<file path=ppt/slideLayouts/slideLayout12.xml><?xml version="1.0" encoding="utf-8"?>
 <p:sldLayout xmlns:a="http://schemas.openxmlformats.org/drawingml/2006/main" xmlns:r="http://schemas.openxmlformats.org/officeDocument/2006/relationships" xmlns:p="http://schemas.openxmlformats.org/presentationml/2006/main" preserve="1">
   <p:cSld name="Citação com Legenda">
     <p:spTree>
@@ -1074,6 +802,214 @@
       </p:grpSpPr>
       <p:sp>
         <p:nvSpPr>
+          <p:cNvPr id="8" name="Freeform 6"/>
+          <p:cNvSpPr>
+            <a:spLocks noChangeAspect="1"/>
+          </p:cNvSpPr>
+          <p:nvPr/>
+        </p:nvSpPr>
+        <p:spPr bwMode="auto">
+          <a:xfrm>
+            <a:off x="631697" y="1081456"/>
+            <a:ext cx="6332416" cy="3239188"/>
+          </a:xfrm>
+          <a:custGeom>
+            <a:avLst/>
+            <a:gdLst/>
+            <a:ahLst/>
+            <a:cxnLst/>
+            <a:rect l="0" t="0" r="r" b="b"/>
+            <a:pathLst>
+              <a:path w="3384" h="2308">
+                <a:moveTo>
+                  <a:pt x="3340" y="0"/>
+                </a:moveTo>
+                <a:lnTo>
+                  <a:pt x="44" y="0"/>
+                </a:lnTo>
+                <a:lnTo>
+                  <a:pt x="44" y="0"/>
+                </a:lnTo>
+                <a:lnTo>
+                  <a:pt x="34" y="0"/>
+                </a:lnTo>
+                <a:lnTo>
+                  <a:pt x="26" y="4"/>
+                </a:lnTo>
+                <a:lnTo>
+                  <a:pt x="20" y="8"/>
+                </a:lnTo>
+                <a:lnTo>
+                  <a:pt x="12" y="12"/>
+                </a:lnTo>
+                <a:lnTo>
+                  <a:pt x="8" y="20"/>
+                </a:lnTo>
+                <a:lnTo>
+                  <a:pt x="4" y="26"/>
+                </a:lnTo>
+                <a:lnTo>
+                  <a:pt x="0" y="34"/>
+                </a:lnTo>
+                <a:lnTo>
+                  <a:pt x="0" y="44"/>
+                </a:lnTo>
+                <a:lnTo>
+                  <a:pt x="0" y="2076"/>
+                </a:lnTo>
+                <a:lnTo>
+                  <a:pt x="0" y="2076"/>
+                </a:lnTo>
+                <a:lnTo>
+                  <a:pt x="0" y="2086"/>
+                </a:lnTo>
+                <a:lnTo>
+                  <a:pt x="4" y="2094"/>
+                </a:lnTo>
+                <a:lnTo>
+                  <a:pt x="8" y="2100"/>
+                </a:lnTo>
+                <a:lnTo>
+                  <a:pt x="12" y="2108"/>
+                </a:lnTo>
+                <a:lnTo>
+                  <a:pt x="20" y="2112"/>
+                </a:lnTo>
+                <a:lnTo>
+                  <a:pt x="26" y="2116"/>
+                </a:lnTo>
+                <a:lnTo>
+                  <a:pt x="34" y="2120"/>
+                </a:lnTo>
+                <a:lnTo>
+                  <a:pt x="44" y="2120"/>
+                </a:lnTo>
+                <a:lnTo>
+                  <a:pt x="474" y="2120"/>
+                </a:lnTo>
+                <a:lnTo>
+                  <a:pt x="650" y="2296"/>
+                </a:lnTo>
+                <a:lnTo>
+                  <a:pt x="650" y="2296"/>
+                </a:lnTo>
+                <a:lnTo>
+                  <a:pt x="656" y="2300"/>
+                </a:lnTo>
+                <a:lnTo>
+                  <a:pt x="664" y="2304"/>
+                </a:lnTo>
+                <a:lnTo>
+                  <a:pt x="672" y="2308"/>
+                </a:lnTo>
+                <a:lnTo>
+                  <a:pt x="680" y="2308"/>
+                </a:lnTo>
+                <a:lnTo>
+                  <a:pt x="688" y="2308"/>
+                </a:lnTo>
+                <a:lnTo>
+                  <a:pt x="696" y="2304"/>
+                </a:lnTo>
+                <a:lnTo>
+                  <a:pt x="704" y="2300"/>
+                </a:lnTo>
+                <a:lnTo>
+                  <a:pt x="710" y="2296"/>
+                </a:lnTo>
+                <a:lnTo>
+                  <a:pt x="886" y="2120"/>
+                </a:lnTo>
+                <a:lnTo>
+                  <a:pt x="3340" y="2120"/>
+                </a:lnTo>
+                <a:lnTo>
+                  <a:pt x="3340" y="2120"/>
+                </a:lnTo>
+                <a:lnTo>
+                  <a:pt x="3350" y="2120"/>
+                </a:lnTo>
+                <a:lnTo>
+                  <a:pt x="3358" y="2116"/>
+                </a:lnTo>
+                <a:lnTo>
+                  <a:pt x="3364" y="2112"/>
+                </a:lnTo>
+                <a:lnTo>
+                  <a:pt x="3372" y="2108"/>
+                </a:lnTo>
+                <a:lnTo>
+                  <a:pt x="3376" y="2100"/>
+                </a:lnTo>
+                <a:lnTo>
+                  <a:pt x="3380" y="2094"/>
+                </a:lnTo>
+                <a:lnTo>
+                  <a:pt x="3384" y="2086"/>
+                </a:lnTo>
+                <a:lnTo>
+                  <a:pt x="3384" y="2076"/>
+                </a:lnTo>
+                <a:lnTo>
+                  <a:pt x="3384" y="44"/>
+                </a:lnTo>
+                <a:lnTo>
+                  <a:pt x="3384" y="44"/>
+                </a:lnTo>
+                <a:lnTo>
+                  <a:pt x="3384" y="34"/>
+                </a:lnTo>
+                <a:lnTo>
+                  <a:pt x="3380" y="26"/>
+                </a:lnTo>
+                <a:lnTo>
+                  <a:pt x="3376" y="20"/>
+                </a:lnTo>
+                <a:lnTo>
+                  <a:pt x="3372" y="12"/>
+                </a:lnTo>
+                <a:lnTo>
+                  <a:pt x="3364" y="8"/>
+                </a:lnTo>
+                <a:lnTo>
+                  <a:pt x="3358" y="4"/>
+                </a:lnTo>
+                <a:lnTo>
+                  <a:pt x="3350" y="0"/>
+                </a:lnTo>
+                <a:lnTo>
+                  <a:pt x="3340" y="0"/>
+                </a:lnTo>
+                <a:lnTo>
+                  <a:pt x="3340" y="0"/>
+                </a:lnTo>
+                <a:close/>
+              </a:path>
+            </a:pathLst>
+          </a:custGeom>
+          <a:ln>
+            <a:solidFill>
+              <a:schemeClr val="accent1"/>
+            </a:solidFill>
+          </a:ln>
+        </p:spPr>
+        <p:style>
+          <a:lnRef idx="1">
+            <a:schemeClr val="accent1"/>
+          </a:lnRef>
+          <a:fillRef idx="3">
+            <a:schemeClr val="accent1"/>
+          </a:fillRef>
+          <a:effectRef idx="2">
+            <a:schemeClr val="accent1"/>
+          </a:effectRef>
+          <a:fontRef idx="minor">
+            <a:schemeClr val="lt1"/>
+          </a:fontRef>
+        </p:style>
+      </p:sp>
+      <p:sp>
+        <p:nvSpPr>
           <p:cNvPr id="2" name="Title 1"/>
           <p:cNvSpPr>
             <a:spLocks noGrp="1"/>
@@ -1084,197 +1020,169 @@
         </p:nvSpPr>
         <p:spPr>
           <a:xfrm>
-            <a:off x="1141411" y="685800"/>
-            <a:ext cx="9144001" cy="2743200"/>
+            <a:off x="850985" y="1238502"/>
+            <a:ext cx="5893840" cy="2645912"/>
           </a:xfrm>
         </p:spPr>
         <p:txBody>
-          <a:bodyPr anchor="ctr">
-            <a:normAutofit/>
+          <a:bodyPr anchor="b"/>
+          <a:lstStyle>
+            <a:lvl1pPr algn="l">
+              <a:defRPr sz="4200" b="1" cap="none"/>
+            </a:lvl1pPr>
+          </a:lstStyle>
+          <a:p>
+            <a:r>
+              <a:rPr lang="pt-BR" smtClean="0"/>
+              <a:t>Clique para editar o título mestre</a:t>
+            </a:r>
+            <a:endParaRPr lang="en-US" dirty="0"/>
+          </a:p>
+        </p:txBody>
+      </p:sp>
+      <p:sp>
+        <p:nvSpPr>
+          <p:cNvPr id="3" name="Text Placeholder 2"/>
+          <p:cNvSpPr>
+            <a:spLocks noGrp="1"/>
+          </p:cNvSpPr>
+          <p:nvPr>
+            <p:ph type="body" idx="1"/>
+          </p:nvPr>
+        </p:nvSpPr>
+        <p:spPr>
+          <a:xfrm>
+            <a:off x="853190" y="4443680"/>
+            <a:ext cx="5891636" cy="713241"/>
+          </a:xfrm>
+        </p:spPr>
+        <p:txBody>
+          <a:bodyPr anchor="t">
+            <a:noAutofit/>
           </a:bodyPr>
           <a:lstStyle>
-            <a:lvl1pPr algn="l">
-              <a:defRPr sz="3200" b="0" cap="all">
+            <a:lvl1pPr marL="0" indent="0" algn="l">
+              <a:buNone/>
+              <a:defRPr sz="1800">
                 <a:solidFill>
                   <a:schemeClr val="tx1"/>
                 </a:solidFill>
               </a:defRPr>
             </a:lvl1pPr>
+            <a:lvl2pPr marL="457200" indent="0">
+              <a:buNone/>
+              <a:defRPr sz="1800">
+                <a:solidFill>
+                  <a:schemeClr val="tx1">
+                    <a:tint val="75000"/>
+                  </a:schemeClr>
+                </a:solidFill>
+              </a:defRPr>
+            </a:lvl2pPr>
+            <a:lvl3pPr marL="914400" indent="0">
+              <a:buNone/>
+              <a:defRPr sz="1600">
+                <a:solidFill>
+                  <a:schemeClr val="tx1">
+                    <a:tint val="75000"/>
+                  </a:schemeClr>
+                </a:solidFill>
+              </a:defRPr>
+            </a:lvl3pPr>
+            <a:lvl4pPr marL="1371600" indent="0">
+              <a:buNone/>
+              <a:defRPr sz="1400">
+                <a:solidFill>
+                  <a:schemeClr val="tx1">
+                    <a:tint val="75000"/>
+                  </a:schemeClr>
+                </a:solidFill>
+              </a:defRPr>
+            </a:lvl4pPr>
+            <a:lvl5pPr marL="1828800" indent="0">
+              <a:buNone/>
+              <a:defRPr sz="1400">
+                <a:solidFill>
+                  <a:schemeClr val="tx1">
+                    <a:tint val="75000"/>
+                  </a:schemeClr>
+                </a:solidFill>
+              </a:defRPr>
+            </a:lvl5pPr>
+            <a:lvl6pPr marL="2286000" indent="0">
+              <a:buNone/>
+              <a:defRPr sz="1400">
+                <a:solidFill>
+                  <a:schemeClr val="tx1">
+                    <a:tint val="75000"/>
+                  </a:schemeClr>
+                </a:solidFill>
+              </a:defRPr>
+            </a:lvl6pPr>
+            <a:lvl7pPr marL="2743200" indent="0">
+              <a:buNone/>
+              <a:defRPr sz="1400">
+                <a:solidFill>
+                  <a:schemeClr val="tx1">
+                    <a:tint val="75000"/>
+                  </a:schemeClr>
+                </a:solidFill>
+              </a:defRPr>
+            </a:lvl7pPr>
+            <a:lvl8pPr marL="3200400" indent="0">
+              <a:buNone/>
+              <a:defRPr sz="1400">
+                <a:solidFill>
+                  <a:schemeClr val="tx1">
+                    <a:tint val="75000"/>
+                  </a:schemeClr>
+                </a:solidFill>
+              </a:defRPr>
+            </a:lvl8pPr>
+            <a:lvl9pPr marL="3657600" indent="0">
+              <a:buNone/>
+              <a:defRPr sz="1400">
+                <a:solidFill>
+                  <a:schemeClr val="tx1">
+                    <a:tint val="75000"/>
+                  </a:schemeClr>
+                </a:solidFill>
+              </a:defRPr>
+            </a:lvl9pPr>
           </a:lstStyle>
           <a:p>
-            <a:r>
-              <a:rPr lang="pt-BR" smtClean="0"/>
-              <a:t>Clique para editar o título mestre</a:t>
-            </a:r>
-            <a:endParaRPr lang="en-US" dirty="0"/>
-          </a:p>
-        </p:txBody>
-      </p:sp>
-      <p:sp>
-        <p:nvSpPr>
-          <p:cNvPr id="10" name="Text Placeholder 9"/>
-          <p:cNvSpPr>
-            <a:spLocks noGrp="1"/>
-          </p:cNvSpPr>
-          <p:nvPr>
-            <p:ph type="body" sz="quarter" idx="13"/>
+            <a:pPr lvl="0"/>
+            <a:r>
+              <a:rPr lang="pt-BR" smtClean="0"/>
+              <a:t>Editar estilos de texto Mestre</a:t>
+            </a:r>
+          </a:p>
+        </p:txBody>
+      </p:sp>
+      <p:sp>
+        <p:nvSpPr>
+          <p:cNvPr id="9" name="Text Placeholder 5"/>
+          <p:cNvSpPr>
+            <a:spLocks noGrp="1"/>
+          </p:cNvSpPr>
+          <p:nvPr>
+            <p:ph type="body" sz="quarter" idx="16"/>
           </p:nvPr>
         </p:nvSpPr>
         <p:spPr>
           <a:xfrm>
-            <a:off x="1446212" y="3429000"/>
-            <a:ext cx="8534400" cy="381000"/>
+            <a:off x="7574642" y="1081456"/>
+            <a:ext cx="3810001" cy="4075465"/>
           </a:xfrm>
         </p:spPr>
         <p:txBody>
-          <a:bodyPr anchor="ctr"/>
+          <a:bodyPr anchor="t"/>
           <a:lstStyle>
             <a:lvl1pPr marL="0" indent="0">
               <a:buFontTx/>
               <a:buNone/>
               <a:defRPr/>
             </a:lvl1pPr>
-            <a:lvl2pPr marL="457200" indent="0">
-              <a:buFontTx/>
-              <a:buNone/>
-              <a:defRPr/>
-            </a:lvl2pPr>
-            <a:lvl3pPr marL="914400" indent="0">
-              <a:buFontTx/>
-              <a:buNone/>
-              <a:defRPr/>
-            </a:lvl3pPr>
-            <a:lvl4pPr marL="1371600" indent="0">
-              <a:buFontTx/>
-              <a:buNone/>
-              <a:defRPr/>
-            </a:lvl4pPr>
-            <a:lvl5pPr marL="1828800" indent="0">
-              <a:buFontTx/>
-              <a:buNone/>
-              <a:defRPr/>
-            </a:lvl5pPr>
-          </a:lstStyle>
-          <a:p>
-            <a:pPr lvl="0"/>
-            <a:r>
-              <a:rPr lang="pt-BR" smtClean="0"/>
-              <a:t>Editar estilos de texto Mestre</a:t>
-            </a:r>
-          </a:p>
-        </p:txBody>
-      </p:sp>
-      <p:sp>
-        <p:nvSpPr>
-          <p:cNvPr id="3" name="Text Placeholder 2"/>
-          <p:cNvSpPr>
-            <a:spLocks noGrp="1"/>
-          </p:cNvSpPr>
-          <p:nvPr>
-            <p:ph type="body" idx="1"/>
-          </p:nvPr>
-        </p:nvSpPr>
-        <p:spPr>
-          <a:xfrm>
-            <a:off x="684213" y="4301067"/>
-            <a:ext cx="8534400" cy="1684865"/>
-          </a:xfrm>
-        </p:spPr>
-        <p:txBody>
-          <a:bodyPr anchor="ctr">
-            <a:normAutofit/>
-          </a:bodyPr>
-          <a:lstStyle>
-            <a:lvl1pPr marL="0" indent="0" algn="l">
-              <a:buNone/>
-              <a:defRPr sz="2000">
-                <a:solidFill>
-                  <a:schemeClr val="bg2">
-                    <a:lumMod val="75000"/>
-                  </a:schemeClr>
-                </a:solidFill>
-              </a:defRPr>
-            </a:lvl1pPr>
-            <a:lvl2pPr marL="457200" indent="0">
-              <a:buNone/>
-              <a:defRPr sz="1800">
-                <a:solidFill>
-                  <a:schemeClr val="tx1">
-                    <a:tint val="75000"/>
-                  </a:schemeClr>
-                </a:solidFill>
-              </a:defRPr>
-            </a:lvl2pPr>
-            <a:lvl3pPr marL="914400" indent="0">
-              <a:buNone/>
-              <a:defRPr sz="1600">
-                <a:solidFill>
-                  <a:schemeClr val="tx1">
-                    <a:tint val="75000"/>
-                  </a:schemeClr>
-                </a:solidFill>
-              </a:defRPr>
-            </a:lvl3pPr>
-            <a:lvl4pPr marL="1371600" indent="0">
-              <a:buNone/>
-              <a:defRPr sz="1400">
-                <a:solidFill>
-                  <a:schemeClr val="tx1">
-                    <a:tint val="75000"/>
-                  </a:schemeClr>
-                </a:solidFill>
-              </a:defRPr>
-            </a:lvl4pPr>
-            <a:lvl5pPr marL="1828800" indent="0">
-              <a:buNone/>
-              <a:defRPr sz="1400">
-                <a:solidFill>
-                  <a:schemeClr val="tx1">
-                    <a:tint val="75000"/>
-                  </a:schemeClr>
-                </a:solidFill>
-              </a:defRPr>
-            </a:lvl5pPr>
-            <a:lvl6pPr marL="2286000" indent="0">
-              <a:buNone/>
-              <a:defRPr sz="1400">
-                <a:solidFill>
-                  <a:schemeClr val="tx1">
-                    <a:tint val="75000"/>
-                  </a:schemeClr>
-                </a:solidFill>
-              </a:defRPr>
-            </a:lvl6pPr>
-            <a:lvl7pPr marL="2743200" indent="0">
-              <a:buNone/>
-              <a:defRPr sz="1400">
-                <a:solidFill>
-                  <a:schemeClr val="tx1">
-                    <a:tint val="75000"/>
-                  </a:schemeClr>
-                </a:solidFill>
-              </a:defRPr>
-            </a:lvl7pPr>
-            <a:lvl8pPr marL="3200400" indent="0">
-              <a:buNone/>
-              <a:defRPr sz="1400">
-                <a:solidFill>
-                  <a:schemeClr val="tx1">
-                    <a:tint val="75000"/>
-                  </a:schemeClr>
-                </a:solidFill>
-              </a:defRPr>
-            </a:lvl8pPr>
-            <a:lvl9pPr marL="3657600" indent="0">
-              <a:buNone/>
-              <a:defRPr sz="1400">
-                <a:solidFill>
-                  <a:schemeClr val="tx1">
-                    <a:tint val="75000"/>
-                  </a:schemeClr>
-                </a:solidFill>
-              </a:defRPr>
-            </a:lvl9pPr>
           </a:lstStyle>
           <a:p>
             <a:pPr lvl="0"/>
@@ -1350,78 +1258,10 @@
           </a:p>
         </p:txBody>
       </p:sp>
-      <p:sp>
-        <p:nvSpPr>
-          <p:cNvPr id="14" name="TextBox 13"/>
-          <p:cNvSpPr txBox="1"/>
-          <p:nvPr/>
-        </p:nvSpPr>
-        <p:spPr>
-          <a:xfrm>
-            <a:off x="531812" y="812222"/>
-            <a:ext cx="609600" cy="584776"/>
-          </a:xfrm>
-          <a:prstGeom prst="rect">
-            <a:avLst/>
-          </a:prstGeom>
-        </p:spPr>
-        <p:txBody>
-          <a:bodyPr vert="horz" lIns="91440" tIns="45720" rIns="91440" bIns="45720" rtlCol="0" anchor="ctr">
-            <a:noAutofit/>
-          </a:bodyPr>
-          <a:lstStyle/>
-          <a:p>
-            <a:pPr lvl="0"/>
-            <a:r>
-              <a:rPr lang="en-US" sz="8000" dirty="0">
-                <a:solidFill>
-                  <a:schemeClr val="tx1"/>
-                </a:solidFill>
-                <a:effectLst/>
-              </a:rPr>
-              <a:t>“</a:t>
-            </a:r>
-          </a:p>
-        </p:txBody>
-      </p:sp>
-      <p:sp>
-        <p:nvSpPr>
-          <p:cNvPr id="15" name="TextBox 14"/>
-          <p:cNvSpPr txBox="1"/>
-          <p:nvPr/>
-        </p:nvSpPr>
-        <p:spPr>
-          <a:xfrm>
-            <a:off x="10285412" y="2768601"/>
-            <a:ext cx="609600" cy="584776"/>
-          </a:xfrm>
-          <a:prstGeom prst="rect">
-            <a:avLst/>
-          </a:prstGeom>
-        </p:spPr>
-        <p:txBody>
-          <a:bodyPr vert="horz" lIns="91440" tIns="45720" rIns="91440" bIns="45720" rtlCol="0" anchor="ctr">
-            <a:noAutofit/>
-          </a:bodyPr>
-          <a:lstStyle/>
-          <a:p>
-            <a:pPr lvl="0" algn="r"/>
-            <a:r>
-              <a:rPr lang="en-US" sz="8000" dirty="0">
-                <a:solidFill>
-                  <a:schemeClr val="tx1"/>
-                </a:solidFill>
-                <a:effectLst/>
-              </a:rPr>
-              <a:t>”</a:t>
-            </a:r>
-          </a:p>
-        </p:txBody>
-      </p:sp>
     </p:spTree>
     <p:extLst>
       <p:ext uri="{BB962C8B-B14F-4D97-AF65-F5344CB8AC3E}">
-        <p14:creationId xmlns:p14="http://schemas.microsoft.com/office/powerpoint/2010/main" val="2717485874"/>
+        <p14:creationId xmlns:p14="http://schemas.microsoft.com/office/powerpoint/2010/main" val="2216139345"/>
       </p:ext>
     </p:extLst>
   </p:cSld>
@@ -1431,7 +1271,7 @@
 </p:sldLayout>
 </file>
 
-<file path=ppt/slideLayouts/slideLayout13.xml><?xml version="1.0" encoding="utf-8"?>
+<file path=ppt/slideLayouts/slideLayout12.xml><?xml version="1.0" encoding="utf-8"?>
 <p:sldLayout xmlns:a="http://schemas.openxmlformats.org/drawingml/2006/main" xmlns:r="http://schemas.openxmlformats.org/officeDocument/2006/relationships" xmlns:p="http://schemas.openxmlformats.org/presentationml/2006/main" preserve="1">
   <p:cSld name="Cartão de Nome">
     <p:spTree>
@@ -1450,7 +1290,215 @@
       </p:grpSpPr>
       <p:sp>
         <p:nvSpPr>
-          <p:cNvPr id="2" name="Title 1"/>
+          <p:cNvPr id="9" name="Freeform 6"/>
+          <p:cNvSpPr>
+            <a:spLocks noChangeAspect="1"/>
+          </p:cNvSpPr>
+          <p:nvPr/>
+        </p:nvSpPr>
+        <p:spPr bwMode="auto">
+          <a:xfrm>
+            <a:off x="1140884" y="2286585"/>
+            <a:ext cx="4895115" cy="2503972"/>
+          </a:xfrm>
+          <a:custGeom>
+            <a:avLst/>
+            <a:gdLst/>
+            <a:ahLst/>
+            <a:cxnLst/>
+            <a:rect l="0" t="0" r="r" b="b"/>
+            <a:pathLst>
+              <a:path w="3384" h="2308">
+                <a:moveTo>
+                  <a:pt x="3340" y="0"/>
+                </a:moveTo>
+                <a:lnTo>
+                  <a:pt x="44" y="0"/>
+                </a:lnTo>
+                <a:lnTo>
+                  <a:pt x="44" y="0"/>
+                </a:lnTo>
+                <a:lnTo>
+                  <a:pt x="34" y="0"/>
+                </a:lnTo>
+                <a:lnTo>
+                  <a:pt x="26" y="4"/>
+                </a:lnTo>
+                <a:lnTo>
+                  <a:pt x="20" y="8"/>
+                </a:lnTo>
+                <a:lnTo>
+                  <a:pt x="12" y="12"/>
+                </a:lnTo>
+                <a:lnTo>
+                  <a:pt x="8" y="20"/>
+                </a:lnTo>
+                <a:lnTo>
+                  <a:pt x="4" y="26"/>
+                </a:lnTo>
+                <a:lnTo>
+                  <a:pt x="0" y="34"/>
+                </a:lnTo>
+                <a:lnTo>
+                  <a:pt x="0" y="44"/>
+                </a:lnTo>
+                <a:lnTo>
+                  <a:pt x="0" y="2076"/>
+                </a:lnTo>
+                <a:lnTo>
+                  <a:pt x="0" y="2076"/>
+                </a:lnTo>
+                <a:lnTo>
+                  <a:pt x="0" y="2086"/>
+                </a:lnTo>
+                <a:lnTo>
+                  <a:pt x="4" y="2094"/>
+                </a:lnTo>
+                <a:lnTo>
+                  <a:pt x="8" y="2100"/>
+                </a:lnTo>
+                <a:lnTo>
+                  <a:pt x="12" y="2108"/>
+                </a:lnTo>
+                <a:lnTo>
+                  <a:pt x="20" y="2112"/>
+                </a:lnTo>
+                <a:lnTo>
+                  <a:pt x="26" y="2116"/>
+                </a:lnTo>
+                <a:lnTo>
+                  <a:pt x="34" y="2120"/>
+                </a:lnTo>
+                <a:lnTo>
+                  <a:pt x="44" y="2120"/>
+                </a:lnTo>
+                <a:lnTo>
+                  <a:pt x="474" y="2120"/>
+                </a:lnTo>
+                <a:lnTo>
+                  <a:pt x="650" y="2296"/>
+                </a:lnTo>
+                <a:lnTo>
+                  <a:pt x="650" y="2296"/>
+                </a:lnTo>
+                <a:lnTo>
+                  <a:pt x="656" y="2300"/>
+                </a:lnTo>
+                <a:lnTo>
+                  <a:pt x="664" y="2304"/>
+                </a:lnTo>
+                <a:lnTo>
+                  <a:pt x="672" y="2308"/>
+                </a:lnTo>
+                <a:lnTo>
+                  <a:pt x="680" y="2308"/>
+                </a:lnTo>
+                <a:lnTo>
+                  <a:pt x="688" y="2308"/>
+                </a:lnTo>
+                <a:lnTo>
+                  <a:pt x="696" y="2304"/>
+                </a:lnTo>
+                <a:lnTo>
+                  <a:pt x="704" y="2300"/>
+                </a:lnTo>
+                <a:lnTo>
+                  <a:pt x="710" y="2296"/>
+                </a:lnTo>
+                <a:lnTo>
+                  <a:pt x="886" y="2120"/>
+                </a:lnTo>
+                <a:lnTo>
+                  <a:pt x="3340" y="2120"/>
+                </a:lnTo>
+                <a:lnTo>
+                  <a:pt x="3340" y="2120"/>
+                </a:lnTo>
+                <a:lnTo>
+                  <a:pt x="3350" y="2120"/>
+                </a:lnTo>
+                <a:lnTo>
+                  <a:pt x="3358" y="2116"/>
+                </a:lnTo>
+                <a:lnTo>
+                  <a:pt x="3364" y="2112"/>
+                </a:lnTo>
+                <a:lnTo>
+                  <a:pt x="3372" y="2108"/>
+                </a:lnTo>
+                <a:lnTo>
+                  <a:pt x="3376" y="2100"/>
+                </a:lnTo>
+                <a:lnTo>
+                  <a:pt x="3380" y="2094"/>
+                </a:lnTo>
+                <a:lnTo>
+                  <a:pt x="3384" y="2086"/>
+                </a:lnTo>
+                <a:lnTo>
+                  <a:pt x="3384" y="2076"/>
+                </a:lnTo>
+                <a:lnTo>
+                  <a:pt x="3384" y="44"/>
+                </a:lnTo>
+                <a:lnTo>
+                  <a:pt x="3384" y="44"/>
+                </a:lnTo>
+                <a:lnTo>
+                  <a:pt x="3384" y="34"/>
+                </a:lnTo>
+                <a:lnTo>
+                  <a:pt x="3380" y="26"/>
+                </a:lnTo>
+                <a:lnTo>
+                  <a:pt x="3376" y="20"/>
+                </a:lnTo>
+                <a:lnTo>
+                  <a:pt x="3372" y="12"/>
+                </a:lnTo>
+                <a:lnTo>
+                  <a:pt x="3364" y="8"/>
+                </a:lnTo>
+                <a:lnTo>
+                  <a:pt x="3358" y="4"/>
+                </a:lnTo>
+                <a:lnTo>
+                  <a:pt x="3350" y="0"/>
+                </a:lnTo>
+                <a:lnTo>
+                  <a:pt x="3340" y="0"/>
+                </a:lnTo>
+                <a:lnTo>
+                  <a:pt x="3340" y="0"/>
+                </a:lnTo>
+                <a:close/>
+              </a:path>
+            </a:pathLst>
+          </a:custGeom>
+          <a:ln>
+            <a:solidFill>
+              <a:schemeClr val="accent1"/>
+            </a:solidFill>
+          </a:ln>
+        </p:spPr>
+        <p:style>
+          <a:lnRef idx="1">
+            <a:schemeClr val="accent1"/>
+          </a:lnRef>
+          <a:fillRef idx="3">
+            <a:schemeClr val="accent1"/>
+          </a:fillRef>
+          <a:effectRef idx="2">
+            <a:schemeClr val="accent1"/>
+          </a:effectRef>
+          <a:fontRef idx="minor">
+            <a:schemeClr val="lt1"/>
+          </a:fontRef>
+        </p:style>
+      </p:sp>
+      <p:sp>
+        <p:nvSpPr>
+          <p:cNvPr id="38" name="Title 1"/>
           <p:cNvSpPr>
             <a:spLocks noGrp="1"/>
           </p:cNvSpPr>
@@ -1460,17 +1508,15 @@
         </p:nvSpPr>
         <p:spPr>
           <a:xfrm>
-            <a:off x="684212" y="3429000"/>
-            <a:ext cx="8534400" cy="1697400"/>
+            <a:off x="1357089" y="2435957"/>
+            <a:ext cx="4382521" cy="2007789"/>
           </a:xfrm>
         </p:spPr>
         <p:txBody>
-          <a:bodyPr anchor="b">
-            <a:normAutofit/>
-          </a:bodyPr>
+          <a:bodyPr/>
           <a:lstStyle>
-            <a:lvl1pPr algn="l">
-              <a:defRPr sz="3200" b="0" cap="all"/>
+            <a:lvl1pPr>
+              <a:defRPr sz="3200"/>
             </a:lvl1pPr>
           </a:lstStyle>
           <a:p>
@@ -1484,115 +1530,28 @@
       </p:sp>
       <p:sp>
         <p:nvSpPr>
-          <p:cNvPr id="3" name="Text Placeholder 2"/>
-          <p:cNvSpPr>
-            <a:spLocks noGrp="1"/>
-          </p:cNvSpPr>
-          <p:nvPr>
-            <p:ph type="body" idx="1"/>
+          <p:cNvPr id="6" name="Text Placeholder 5"/>
+          <p:cNvSpPr>
+            <a:spLocks noGrp="1"/>
+          </p:cNvSpPr>
+          <p:nvPr>
+            <p:ph type="body" sz="quarter" idx="16"/>
           </p:nvPr>
         </p:nvSpPr>
         <p:spPr>
           <a:xfrm>
-            <a:off x="684211" y="5132981"/>
-            <a:ext cx="8535990" cy="860400"/>
+            <a:off x="6156000" y="2286000"/>
+            <a:ext cx="4880300" cy="2295525"/>
           </a:xfrm>
         </p:spPr>
         <p:txBody>
-          <a:bodyPr anchor="t">
-            <a:normAutofit/>
-          </a:bodyPr>
+          <a:bodyPr anchor="t"/>
           <a:lstStyle>
-            <a:lvl1pPr marL="0" indent="0" algn="l">
-              <a:buNone/>
-              <a:defRPr sz="2000">
-                <a:solidFill>
-                  <a:schemeClr val="bg2">
-                    <a:lumMod val="75000"/>
-                  </a:schemeClr>
-                </a:solidFill>
-              </a:defRPr>
+            <a:lvl1pPr marL="0" indent="0">
+              <a:buFontTx/>
+              <a:buNone/>
+              <a:defRPr/>
             </a:lvl1pPr>
-            <a:lvl2pPr marL="457200" indent="0">
-              <a:buNone/>
-              <a:defRPr sz="1800">
-                <a:solidFill>
-                  <a:schemeClr val="tx1">
-                    <a:tint val="75000"/>
-                  </a:schemeClr>
-                </a:solidFill>
-              </a:defRPr>
-            </a:lvl2pPr>
-            <a:lvl3pPr marL="914400" indent="0">
-              <a:buNone/>
-              <a:defRPr sz="1600">
-                <a:solidFill>
-                  <a:schemeClr val="tx1">
-                    <a:tint val="75000"/>
-                  </a:schemeClr>
-                </a:solidFill>
-              </a:defRPr>
-            </a:lvl3pPr>
-            <a:lvl4pPr marL="1371600" indent="0">
-              <a:buNone/>
-              <a:defRPr sz="1400">
-                <a:solidFill>
-                  <a:schemeClr val="tx1">
-                    <a:tint val="75000"/>
-                  </a:schemeClr>
-                </a:solidFill>
-              </a:defRPr>
-            </a:lvl4pPr>
-            <a:lvl5pPr marL="1828800" indent="0">
-              <a:buNone/>
-              <a:defRPr sz="1400">
-                <a:solidFill>
-                  <a:schemeClr val="tx1">
-                    <a:tint val="75000"/>
-                  </a:schemeClr>
-                </a:solidFill>
-              </a:defRPr>
-            </a:lvl5pPr>
-            <a:lvl6pPr marL="2286000" indent="0">
-              <a:buNone/>
-              <a:defRPr sz="1400">
-                <a:solidFill>
-                  <a:schemeClr val="tx1">
-                    <a:tint val="75000"/>
-                  </a:schemeClr>
-                </a:solidFill>
-              </a:defRPr>
-            </a:lvl6pPr>
-            <a:lvl7pPr marL="2743200" indent="0">
-              <a:buNone/>
-              <a:defRPr sz="1400">
-                <a:solidFill>
-                  <a:schemeClr val="tx1">
-                    <a:tint val="75000"/>
-                  </a:schemeClr>
-                </a:solidFill>
-              </a:defRPr>
-            </a:lvl7pPr>
-            <a:lvl8pPr marL="3200400" indent="0">
-              <a:buNone/>
-              <a:defRPr sz="1400">
-                <a:solidFill>
-                  <a:schemeClr val="tx1">
-                    <a:tint val="75000"/>
-                  </a:schemeClr>
-                </a:solidFill>
-              </a:defRPr>
-            </a:lvl8pPr>
-            <a:lvl9pPr marL="3657600" indent="0">
-              <a:buNone/>
-              <a:defRPr sz="1400">
-                <a:solidFill>
-                  <a:schemeClr val="tx1">
-                    <a:tint val="75000"/>
-                  </a:schemeClr>
-                </a:solidFill>
-              </a:defRPr>
-            </a:lvl9pPr>
           </a:lstStyle>
           <a:p>
             <a:pPr lvl="0"/>
@@ -1605,7 +1564,7 @@
       </p:sp>
       <p:sp>
         <p:nvSpPr>
-          <p:cNvPr id="4" name="Date Placeholder 3"/>
+          <p:cNvPr id="2" name="Date Placeholder 1"/>
           <p:cNvSpPr>
             <a:spLocks noGrp="1"/>
           </p:cNvSpPr>
@@ -1628,7 +1587,7 @@
       </p:sp>
       <p:sp>
         <p:nvSpPr>
-          <p:cNvPr id="5" name="Footer Placeholder 4"/>
+          <p:cNvPr id="3" name="Footer Placeholder 2"/>
           <p:cNvSpPr>
             <a:spLocks noGrp="1"/>
           </p:cNvSpPr>
@@ -1647,7 +1606,7 @@
       </p:sp>
       <p:sp>
         <p:nvSpPr>
-          <p:cNvPr id="6" name="Slide Number Placeholder 5"/>
+          <p:cNvPr id="4" name="Slide Number Placeholder 3"/>
           <p:cNvSpPr>
             <a:spLocks noGrp="1"/>
           </p:cNvSpPr>
@@ -1671,7 +1630,7 @@
     </p:spTree>
     <p:extLst>
       <p:ext uri="{BB962C8B-B14F-4D97-AF65-F5344CB8AC3E}">
-        <p14:creationId xmlns:p14="http://schemas.microsoft.com/office/powerpoint/2010/main" val="4279255597"/>
+        <p14:creationId xmlns:p14="http://schemas.microsoft.com/office/powerpoint/2010/main" val="3837729502"/>
       </p:ext>
     </p:extLst>
   </p:cSld>
@@ -1681,676 +1640,7 @@
 </p:sldLayout>
 </file>
 
-<file path=ppt/slideLayouts/slideLayout14.xml><?xml version="1.0" encoding="utf-8"?>
-<p:sldLayout xmlns:a="http://schemas.openxmlformats.org/drawingml/2006/main" xmlns:r="http://schemas.openxmlformats.org/officeDocument/2006/relationships" xmlns:p="http://schemas.openxmlformats.org/presentationml/2006/main" preserve="1">
-  <p:cSld name="Citar o Cartão de Nome">
-    <p:spTree>
-      <p:nvGrpSpPr>
-        <p:cNvPr id="1" name=""/>
-        <p:cNvGrpSpPr/>
-        <p:nvPr/>
-      </p:nvGrpSpPr>
-      <p:grpSpPr>
-        <a:xfrm>
-          <a:off x="0" y="0"/>
-          <a:ext cx="0" cy="0"/>
-          <a:chOff x="0" y="0"/>
-          <a:chExt cx="0" cy="0"/>
-        </a:xfrm>
-      </p:grpSpPr>
-      <p:sp>
-        <p:nvSpPr>
-          <p:cNvPr id="2" name="Title 1"/>
-          <p:cNvSpPr>
-            <a:spLocks noGrp="1"/>
-          </p:cNvSpPr>
-          <p:nvPr>
-            <p:ph type="title"/>
-          </p:nvPr>
-        </p:nvSpPr>
-        <p:spPr>
-          <a:xfrm>
-            <a:off x="1141413" y="685800"/>
-            <a:ext cx="9144000" cy="2743200"/>
-          </a:xfrm>
-        </p:spPr>
-        <p:txBody>
-          <a:bodyPr anchor="ctr">
-            <a:normAutofit/>
-          </a:bodyPr>
-          <a:lstStyle>
-            <a:lvl1pPr algn="l">
-              <a:defRPr sz="3200" b="0" cap="all">
-                <a:solidFill>
-                  <a:schemeClr val="tx1"/>
-                </a:solidFill>
-              </a:defRPr>
-            </a:lvl1pPr>
-          </a:lstStyle>
-          <a:p>
-            <a:r>
-              <a:rPr lang="pt-BR" smtClean="0"/>
-              <a:t>Clique para editar o título mestre</a:t>
-            </a:r>
-            <a:endParaRPr lang="en-US" dirty="0"/>
-          </a:p>
-        </p:txBody>
-      </p:sp>
-      <p:sp>
-        <p:nvSpPr>
-          <p:cNvPr id="10" name="Text Placeholder 9"/>
-          <p:cNvSpPr>
-            <a:spLocks noGrp="1"/>
-          </p:cNvSpPr>
-          <p:nvPr>
-            <p:ph type="body" sz="quarter" idx="13"/>
-          </p:nvPr>
-        </p:nvSpPr>
-        <p:spPr>
-          <a:xfrm>
-            <a:off x="684212" y="3928534"/>
-            <a:ext cx="8534401" cy="1049866"/>
-          </a:xfrm>
-        </p:spPr>
-        <p:txBody>
-          <a:bodyPr vert="horz" lIns="91440" tIns="45720" rIns="91440" bIns="45720" rtlCol="0" anchor="b">
-            <a:normAutofit/>
-          </a:bodyPr>
-          <a:lstStyle>
-            <a:lvl1pPr>
-              <a:buNone/>
-              <a:defRPr lang="en-US" sz="2400" b="0" cap="all" dirty="0">
-                <a:ln w="3175" cmpd="sng">
-                  <a:noFill/>
-                </a:ln>
-                <a:solidFill>
-                  <a:schemeClr val="tx1"/>
-                </a:solidFill>
-                <a:effectLst/>
-              </a:defRPr>
-            </a:lvl1pPr>
-          </a:lstStyle>
-          <a:p>
-            <a:pPr marL="0" lvl="0">
-              <a:spcBef>
-                <a:spcPct val="0"/>
-              </a:spcBef>
-              <a:buNone/>
-            </a:pPr>
-            <a:r>
-              <a:rPr lang="pt-BR" smtClean="0"/>
-              <a:t>Editar estilos de texto Mestre</a:t>
-            </a:r>
-          </a:p>
-        </p:txBody>
-      </p:sp>
-      <p:sp>
-        <p:nvSpPr>
-          <p:cNvPr id="3" name="Text Placeholder 2"/>
-          <p:cNvSpPr>
-            <a:spLocks noGrp="1"/>
-          </p:cNvSpPr>
-          <p:nvPr>
-            <p:ph type="body" idx="1"/>
-          </p:nvPr>
-        </p:nvSpPr>
-        <p:spPr>
-          <a:xfrm>
-            <a:off x="684211" y="4978400"/>
-            <a:ext cx="8534401" cy="1016000"/>
-          </a:xfrm>
-        </p:spPr>
-        <p:txBody>
-          <a:bodyPr anchor="t">
-            <a:normAutofit/>
-          </a:bodyPr>
-          <a:lstStyle>
-            <a:lvl1pPr marL="0" indent="0" algn="l">
-              <a:buNone/>
-              <a:defRPr sz="1800">
-                <a:solidFill>
-                  <a:schemeClr val="bg2">
-                    <a:lumMod val="75000"/>
-                  </a:schemeClr>
-                </a:solidFill>
-              </a:defRPr>
-            </a:lvl1pPr>
-            <a:lvl2pPr marL="457200" indent="0">
-              <a:buNone/>
-              <a:defRPr sz="1800">
-                <a:solidFill>
-                  <a:schemeClr val="tx1">
-                    <a:tint val="75000"/>
-                  </a:schemeClr>
-                </a:solidFill>
-              </a:defRPr>
-            </a:lvl2pPr>
-            <a:lvl3pPr marL="914400" indent="0">
-              <a:buNone/>
-              <a:defRPr sz="1600">
-                <a:solidFill>
-                  <a:schemeClr val="tx1">
-                    <a:tint val="75000"/>
-                  </a:schemeClr>
-                </a:solidFill>
-              </a:defRPr>
-            </a:lvl3pPr>
-            <a:lvl4pPr marL="1371600" indent="0">
-              <a:buNone/>
-              <a:defRPr sz="1400">
-                <a:solidFill>
-                  <a:schemeClr val="tx1">
-                    <a:tint val="75000"/>
-                  </a:schemeClr>
-                </a:solidFill>
-              </a:defRPr>
-            </a:lvl4pPr>
-            <a:lvl5pPr marL="1828800" indent="0">
-              <a:buNone/>
-              <a:defRPr sz="1400">
-                <a:solidFill>
-                  <a:schemeClr val="tx1">
-                    <a:tint val="75000"/>
-                  </a:schemeClr>
-                </a:solidFill>
-              </a:defRPr>
-            </a:lvl5pPr>
-            <a:lvl6pPr marL="2286000" indent="0">
-              <a:buNone/>
-              <a:defRPr sz="1400">
-                <a:solidFill>
-                  <a:schemeClr val="tx1">
-                    <a:tint val="75000"/>
-                  </a:schemeClr>
-                </a:solidFill>
-              </a:defRPr>
-            </a:lvl6pPr>
-            <a:lvl7pPr marL="2743200" indent="0">
-              <a:buNone/>
-              <a:defRPr sz="1400">
-                <a:solidFill>
-                  <a:schemeClr val="tx1">
-                    <a:tint val="75000"/>
-                  </a:schemeClr>
-                </a:solidFill>
-              </a:defRPr>
-            </a:lvl7pPr>
-            <a:lvl8pPr marL="3200400" indent="0">
-              <a:buNone/>
-              <a:defRPr sz="1400">
-                <a:solidFill>
-                  <a:schemeClr val="tx1">
-                    <a:tint val="75000"/>
-                  </a:schemeClr>
-                </a:solidFill>
-              </a:defRPr>
-            </a:lvl8pPr>
-            <a:lvl9pPr marL="3657600" indent="0">
-              <a:buNone/>
-              <a:defRPr sz="1400">
-                <a:solidFill>
-                  <a:schemeClr val="tx1">
-                    <a:tint val="75000"/>
-                  </a:schemeClr>
-                </a:solidFill>
-              </a:defRPr>
-            </a:lvl9pPr>
-          </a:lstStyle>
-          <a:p>
-            <a:pPr lvl="0"/>
-            <a:r>
-              <a:rPr lang="pt-BR" smtClean="0"/>
-              <a:t>Editar estilos de texto Mestre</a:t>
-            </a:r>
-          </a:p>
-        </p:txBody>
-      </p:sp>
-      <p:sp>
-        <p:nvSpPr>
-          <p:cNvPr id="4" name="Date Placeholder 3"/>
-          <p:cNvSpPr>
-            <a:spLocks noGrp="1"/>
-          </p:cNvSpPr>
-          <p:nvPr>
-            <p:ph type="dt" sz="half" idx="10"/>
-          </p:nvPr>
-        </p:nvSpPr>
-        <p:spPr/>
-        <p:txBody>
-          <a:bodyPr/>
-          <a:lstStyle/>
-          <a:p>
-            <a:fld id="{292FA77F-8411-4E16-9365-2555F421FF75}" type="datetimeFigureOut">
-              <a:rPr lang="pt-BR" smtClean="0"/>
-              <a:t>27/11/2019</a:t>
-            </a:fld>
-            <a:endParaRPr lang="pt-BR"/>
-          </a:p>
-        </p:txBody>
-      </p:sp>
-      <p:sp>
-        <p:nvSpPr>
-          <p:cNvPr id="5" name="Footer Placeholder 4"/>
-          <p:cNvSpPr>
-            <a:spLocks noGrp="1"/>
-          </p:cNvSpPr>
-          <p:nvPr>
-            <p:ph type="ftr" sz="quarter" idx="11"/>
-          </p:nvPr>
-        </p:nvSpPr>
-        <p:spPr/>
-        <p:txBody>
-          <a:bodyPr/>
-          <a:lstStyle/>
-          <a:p>
-            <a:endParaRPr lang="pt-BR"/>
-          </a:p>
-        </p:txBody>
-      </p:sp>
-      <p:sp>
-        <p:nvSpPr>
-          <p:cNvPr id="6" name="Slide Number Placeholder 5"/>
-          <p:cNvSpPr>
-            <a:spLocks noGrp="1"/>
-          </p:cNvSpPr>
-          <p:nvPr>
-            <p:ph type="sldNum" sz="quarter" idx="12"/>
-          </p:nvPr>
-        </p:nvSpPr>
-        <p:spPr/>
-        <p:txBody>
-          <a:bodyPr/>
-          <a:lstStyle/>
-          <a:p>
-            <a:fld id="{21695821-8110-41DE-A39F-3520BB61B09F}" type="slidenum">
-              <a:rPr lang="pt-BR" smtClean="0"/>
-              <a:t>‹nº›</a:t>
-            </a:fld>
-            <a:endParaRPr lang="pt-BR"/>
-          </a:p>
-        </p:txBody>
-      </p:sp>
-      <p:sp>
-        <p:nvSpPr>
-          <p:cNvPr id="11" name="TextBox 10"/>
-          <p:cNvSpPr txBox="1"/>
-          <p:nvPr/>
-        </p:nvSpPr>
-        <p:spPr>
-          <a:xfrm>
-            <a:off x="531812" y="812222"/>
-            <a:ext cx="609600" cy="584776"/>
-          </a:xfrm>
-          <a:prstGeom prst="rect">
-            <a:avLst/>
-          </a:prstGeom>
-        </p:spPr>
-        <p:txBody>
-          <a:bodyPr vert="horz" lIns="91440" tIns="45720" rIns="91440" bIns="45720" rtlCol="0" anchor="ctr">
-            <a:noAutofit/>
-          </a:bodyPr>
-          <a:lstStyle/>
-          <a:p>
-            <a:pPr lvl="0"/>
-            <a:r>
-              <a:rPr lang="en-US" sz="8000" dirty="0">
-                <a:solidFill>
-                  <a:schemeClr val="tx1"/>
-                </a:solidFill>
-                <a:effectLst/>
-              </a:rPr>
-              <a:t>“</a:t>
-            </a:r>
-          </a:p>
-        </p:txBody>
-      </p:sp>
-      <p:sp>
-        <p:nvSpPr>
-          <p:cNvPr id="12" name="TextBox 11"/>
-          <p:cNvSpPr txBox="1"/>
-          <p:nvPr/>
-        </p:nvSpPr>
-        <p:spPr>
-          <a:xfrm>
-            <a:off x="10285412" y="2768601"/>
-            <a:ext cx="609600" cy="584776"/>
-          </a:xfrm>
-          <a:prstGeom prst="rect">
-            <a:avLst/>
-          </a:prstGeom>
-        </p:spPr>
-        <p:txBody>
-          <a:bodyPr vert="horz" lIns="91440" tIns="45720" rIns="91440" bIns="45720" rtlCol="0" anchor="ctr">
-            <a:noAutofit/>
-          </a:bodyPr>
-          <a:lstStyle/>
-          <a:p>
-            <a:pPr lvl="0" algn="r"/>
-            <a:r>
-              <a:rPr lang="en-US" sz="8000" dirty="0">
-                <a:solidFill>
-                  <a:schemeClr val="tx1"/>
-                </a:solidFill>
-                <a:effectLst/>
-              </a:rPr>
-              <a:t>”</a:t>
-            </a:r>
-          </a:p>
-        </p:txBody>
-      </p:sp>
-    </p:spTree>
-    <p:extLst>
-      <p:ext uri="{BB962C8B-B14F-4D97-AF65-F5344CB8AC3E}">
-        <p14:creationId xmlns:p14="http://schemas.microsoft.com/office/powerpoint/2010/main" val="729448381"/>
-      </p:ext>
-    </p:extLst>
-  </p:cSld>
-  <p:clrMapOvr>
-    <a:masterClrMapping/>
-  </p:clrMapOvr>
-</p:sldLayout>
-</file>
-
-<file path=ppt/slideLayouts/slideLayout15.xml><?xml version="1.0" encoding="utf-8"?>
-<p:sldLayout xmlns:a="http://schemas.openxmlformats.org/drawingml/2006/main" xmlns:r="http://schemas.openxmlformats.org/officeDocument/2006/relationships" xmlns:p="http://schemas.openxmlformats.org/presentationml/2006/main" preserve="1">
-  <p:cSld name="Verdadeiro ou Falso">
-    <p:spTree>
-      <p:nvGrpSpPr>
-        <p:cNvPr id="1" name=""/>
-        <p:cNvGrpSpPr/>
-        <p:nvPr/>
-      </p:nvGrpSpPr>
-      <p:grpSpPr>
-        <a:xfrm>
-          <a:off x="0" y="0"/>
-          <a:ext cx="0" cy="0"/>
-          <a:chOff x="0" y="0"/>
-          <a:chExt cx="0" cy="0"/>
-        </a:xfrm>
-      </p:grpSpPr>
-      <p:sp>
-        <p:nvSpPr>
-          <p:cNvPr id="2" name="Title 1"/>
-          <p:cNvSpPr>
-            <a:spLocks noGrp="1"/>
-          </p:cNvSpPr>
-          <p:nvPr>
-            <p:ph type="title"/>
-          </p:nvPr>
-        </p:nvSpPr>
-        <p:spPr>
-          <a:xfrm>
-            <a:off x="684213" y="685800"/>
-            <a:ext cx="10058400" cy="2743200"/>
-          </a:xfrm>
-        </p:spPr>
-        <p:txBody>
-          <a:bodyPr vert="horz" lIns="91440" tIns="45720" rIns="91440" bIns="45720" rtlCol="0" anchor="ctr">
-            <a:normAutofit/>
-          </a:bodyPr>
-          <a:lstStyle>
-            <a:lvl1pPr>
-              <a:defRPr lang="en-US" b="0" dirty="0"/>
-            </a:lvl1pPr>
-          </a:lstStyle>
-          <a:p>
-            <a:pPr marL="0" lvl="0"/>
-            <a:r>
-              <a:rPr lang="pt-BR" smtClean="0"/>
-              <a:t>Clique para editar o título mestre</a:t>
-            </a:r>
-            <a:endParaRPr lang="en-US" dirty="0"/>
-          </a:p>
-        </p:txBody>
-      </p:sp>
-      <p:sp>
-        <p:nvSpPr>
-          <p:cNvPr id="10" name="Text Placeholder 9"/>
-          <p:cNvSpPr>
-            <a:spLocks noGrp="1"/>
-          </p:cNvSpPr>
-          <p:nvPr>
-            <p:ph type="body" sz="quarter" idx="13"/>
-          </p:nvPr>
-        </p:nvSpPr>
-        <p:spPr>
-          <a:xfrm>
-            <a:off x="684212" y="3928534"/>
-            <a:ext cx="8534400" cy="838200"/>
-          </a:xfrm>
-        </p:spPr>
-        <p:txBody>
-          <a:bodyPr vert="horz" lIns="91440" tIns="45720" rIns="91440" bIns="45720" rtlCol="0" anchor="b">
-            <a:normAutofit/>
-          </a:bodyPr>
-          <a:lstStyle>
-            <a:lvl1pPr>
-              <a:buNone/>
-              <a:defRPr lang="en-US" sz="2400" b="0" cap="all" dirty="0">
-                <a:ln w="3175" cmpd="sng">
-                  <a:noFill/>
-                </a:ln>
-                <a:solidFill>
-                  <a:schemeClr val="tx1"/>
-                </a:solidFill>
-                <a:effectLst/>
-              </a:defRPr>
-            </a:lvl1pPr>
-          </a:lstStyle>
-          <a:p>
-            <a:pPr marL="0" lvl="0">
-              <a:spcBef>
-                <a:spcPct val="0"/>
-              </a:spcBef>
-              <a:buNone/>
-            </a:pPr>
-            <a:r>
-              <a:rPr lang="pt-BR" smtClean="0"/>
-              <a:t>Editar estilos de texto Mestre</a:t>
-            </a:r>
-          </a:p>
-        </p:txBody>
-      </p:sp>
-      <p:sp>
-        <p:nvSpPr>
-          <p:cNvPr id="3" name="Text Placeholder 2"/>
-          <p:cNvSpPr>
-            <a:spLocks noGrp="1"/>
-          </p:cNvSpPr>
-          <p:nvPr>
-            <p:ph type="body" idx="1"/>
-          </p:nvPr>
-        </p:nvSpPr>
-        <p:spPr>
-          <a:xfrm>
-            <a:off x="684211" y="4766732"/>
-            <a:ext cx="8534401" cy="1227667"/>
-          </a:xfrm>
-        </p:spPr>
-        <p:txBody>
-          <a:bodyPr anchor="t">
-            <a:normAutofit/>
-          </a:bodyPr>
-          <a:lstStyle>
-            <a:lvl1pPr marL="0" indent="0" algn="l">
-              <a:buNone/>
-              <a:defRPr sz="1800">
-                <a:solidFill>
-                  <a:schemeClr val="bg2">
-                    <a:lumMod val="75000"/>
-                  </a:schemeClr>
-                </a:solidFill>
-              </a:defRPr>
-            </a:lvl1pPr>
-            <a:lvl2pPr marL="457200" indent="0">
-              <a:buNone/>
-              <a:defRPr sz="1800">
-                <a:solidFill>
-                  <a:schemeClr val="tx1">
-                    <a:tint val="75000"/>
-                  </a:schemeClr>
-                </a:solidFill>
-              </a:defRPr>
-            </a:lvl2pPr>
-            <a:lvl3pPr marL="914400" indent="0">
-              <a:buNone/>
-              <a:defRPr sz="1600">
-                <a:solidFill>
-                  <a:schemeClr val="tx1">
-                    <a:tint val="75000"/>
-                  </a:schemeClr>
-                </a:solidFill>
-              </a:defRPr>
-            </a:lvl3pPr>
-            <a:lvl4pPr marL="1371600" indent="0">
-              <a:buNone/>
-              <a:defRPr sz="1400">
-                <a:solidFill>
-                  <a:schemeClr val="tx1">
-                    <a:tint val="75000"/>
-                  </a:schemeClr>
-                </a:solidFill>
-              </a:defRPr>
-            </a:lvl4pPr>
-            <a:lvl5pPr marL="1828800" indent="0">
-              <a:buNone/>
-              <a:defRPr sz="1400">
-                <a:solidFill>
-                  <a:schemeClr val="tx1">
-                    <a:tint val="75000"/>
-                  </a:schemeClr>
-                </a:solidFill>
-              </a:defRPr>
-            </a:lvl5pPr>
-            <a:lvl6pPr marL="2286000" indent="0">
-              <a:buNone/>
-              <a:defRPr sz="1400">
-                <a:solidFill>
-                  <a:schemeClr val="tx1">
-                    <a:tint val="75000"/>
-                  </a:schemeClr>
-                </a:solidFill>
-              </a:defRPr>
-            </a:lvl6pPr>
-            <a:lvl7pPr marL="2743200" indent="0">
-              <a:buNone/>
-              <a:defRPr sz="1400">
-                <a:solidFill>
-                  <a:schemeClr val="tx1">
-                    <a:tint val="75000"/>
-                  </a:schemeClr>
-                </a:solidFill>
-              </a:defRPr>
-            </a:lvl7pPr>
-            <a:lvl8pPr marL="3200400" indent="0">
-              <a:buNone/>
-              <a:defRPr sz="1400">
-                <a:solidFill>
-                  <a:schemeClr val="tx1">
-                    <a:tint val="75000"/>
-                  </a:schemeClr>
-                </a:solidFill>
-              </a:defRPr>
-            </a:lvl8pPr>
-            <a:lvl9pPr marL="3657600" indent="0">
-              <a:buNone/>
-              <a:defRPr sz="1400">
-                <a:solidFill>
-                  <a:schemeClr val="tx1">
-                    <a:tint val="75000"/>
-                  </a:schemeClr>
-                </a:solidFill>
-              </a:defRPr>
-            </a:lvl9pPr>
-          </a:lstStyle>
-          <a:p>
-            <a:pPr lvl="0"/>
-            <a:r>
-              <a:rPr lang="pt-BR" smtClean="0"/>
-              <a:t>Editar estilos de texto Mestre</a:t>
-            </a:r>
-          </a:p>
-        </p:txBody>
-      </p:sp>
-      <p:sp>
-        <p:nvSpPr>
-          <p:cNvPr id="4" name="Date Placeholder 3"/>
-          <p:cNvSpPr>
-            <a:spLocks noGrp="1"/>
-          </p:cNvSpPr>
-          <p:nvPr>
-            <p:ph type="dt" sz="half" idx="10"/>
-          </p:nvPr>
-        </p:nvSpPr>
-        <p:spPr/>
-        <p:txBody>
-          <a:bodyPr/>
-          <a:lstStyle/>
-          <a:p>
-            <a:fld id="{292FA77F-8411-4E16-9365-2555F421FF75}" type="datetimeFigureOut">
-              <a:rPr lang="pt-BR" smtClean="0"/>
-              <a:t>27/11/2019</a:t>
-            </a:fld>
-            <a:endParaRPr lang="pt-BR"/>
-          </a:p>
-        </p:txBody>
-      </p:sp>
-      <p:sp>
-        <p:nvSpPr>
-          <p:cNvPr id="5" name="Footer Placeholder 4"/>
-          <p:cNvSpPr>
-            <a:spLocks noGrp="1"/>
-          </p:cNvSpPr>
-          <p:nvPr>
-            <p:ph type="ftr" sz="quarter" idx="11"/>
-          </p:nvPr>
-        </p:nvSpPr>
-        <p:spPr/>
-        <p:txBody>
-          <a:bodyPr/>
-          <a:lstStyle/>
-          <a:p>
-            <a:endParaRPr lang="pt-BR"/>
-          </a:p>
-        </p:txBody>
-      </p:sp>
-      <p:sp>
-        <p:nvSpPr>
-          <p:cNvPr id="6" name="Slide Number Placeholder 5"/>
-          <p:cNvSpPr>
-            <a:spLocks noGrp="1"/>
-          </p:cNvSpPr>
-          <p:nvPr>
-            <p:ph type="sldNum" sz="quarter" idx="12"/>
-          </p:nvPr>
-        </p:nvSpPr>
-        <p:spPr/>
-        <p:txBody>
-          <a:bodyPr/>
-          <a:lstStyle/>
-          <a:p>
-            <a:fld id="{21695821-8110-41DE-A39F-3520BB61B09F}" type="slidenum">
-              <a:rPr lang="pt-BR" smtClean="0"/>
-              <a:t>‹nº›</a:t>
-            </a:fld>
-            <a:endParaRPr lang="pt-BR"/>
-          </a:p>
-        </p:txBody>
-      </p:sp>
-    </p:spTree>
-    <p:extLst>
-      <p:ext uri="{BB962C8B-B14F-4D97-AF65-F5344CB8AC3E}">
-        <p14:creationId xmlns:p14="http://schemas.microsoft.com/office/powerpoint/2010/main" val="566615387"/>
-      </p:ext>
-    </p:extLst>
-  </p:cSld>
-  <p:clrMapOvr>
-    <a:masterClrMapping/>
-  </p:clrMapOvr>
-</p:sldLayout>
-</file>
-
-<file path=ppt/slideLayouts/slideLayout16.xml><?xml version="1.0" encoding="utf-8"?>
+<file path=ppt/slideLayouts/slideLayout13.xml><?xml version="1.0" encoding="utf-8"?>
 <p:sldLayout xmlns:a="http://schemas.openxmlformats.org/drawingml/2006/main" xmlns:r="http://schemas.openxmlformats.org/officeDocument/2006/relationships" xmlns:p="http://schemas.openxmlformats.org/presentationml/2006/main" type="vertTx" preserve="1">
   <p:cSld name="Título e Texto Vertical">
     <p:spTree>
@@ -2369,6 +1659,109 @@
       </p:grpSpPr>
       <p:sp>
         <p:nvSpPr>
+          <p:cNvPr id="7" name="Freeform 6"/>
+          <p:cNvSpPr/>
+          <p:nvPr/>
+        </p:nvSpPr>
+        <p:spPr bwMode="auto">
+          <a:xfrm>
+            <a:off x="0" y="0"/>
+            <a:ext cx="12192000" cy="2185988"/>
+          </a:xfrm>
+          <a:custGeom>
+            <a:avLst/>
+            <a:gdLst/>
+            <a:ahLst/>
+            <a:cxnLst/>
+            <a:rect l="0" t="0" r="r" b="b"/>
+            <a:pathLst>
+              <a:path w="5760" h="1377">
+                <a:moveTo>
+                  <a:pt x="5760" y="0"/>
+                </a:moveTo>
+                <a:lnTo>
+                  <a:pt x="0" y="0"/>
+                </a:lnTo>
+                <a:lnTo>
+                  <a:pt x="0" y="1189"/>
+                </a:lnTo>
+                <a:lnTo>
+                  <a:pt x="943" y="1189"/>
+                </a:lnTo>
+                <a:lnTo>
+                  <a:pt x="1123" y="1369"/>
+                </a:lnTo>
+                <a:lnTo>
+                  <a:pt x="1123" y="1369"/>
+                </a:lnTo>
+                <a:lnTo>
+                  <a:pt x="1127" y="1371"/>
+                </a:lnTo>
+                <a:lnTo>
+                  <a:pt x="1133" y="1374"/>
+                </a:lnTo>
+                <a:lnTo>
+                  <a:pt x="1139" y="1377"/>
+                </a:lnTo>
+                <a:lnTo>
+                  <a:pt x="1144" y="1377"/>
+                </a:lnTo>
+                <a:lnTo>
+                  <a:pt x="1150" y="1377"/>
+                </a:lnTo>
+                <a:lnTo>
+                  <a:pt x="1155" y="1374"/>
+                </a:lnTo>
+                <a:lnTo>
+                  <a:pt x="1161" y="1371"/>
+                </a:lnTo>
+                <a:lnTo>
+                  <a:pt x="1165" y="1369"/>
+                </a:lnTo>
+                <a:lnTo>
+                  <a:pt x="1345" y="1189"/>
+                </a:lnTo>
+                <a:lnTo>
+                  <a:pt x="5760" y="1189"/>
+                </a:lnTo>
+                <a:lnTo>
+                  <a:pt x="5760" y="0"/>
+                </a:lnTo>
+                <a:close/>
+              </a:path>
+            </a:pathLst>
+          </a:custGeom>
+          <a:ln/>
+          <a:extLst>
+            <a:ext uri="{91240B29-F687-4f45-9708-019B960494DF}">
+              <a14:hiddenLine xmlns:a14="http://schemas.microsoft.com/office/drawing/2010/main" xmlns="" w="9525">
+                <a:solidFill>
+                  <a:srgbClr val="000000"/>
+                </a:solidFill>
+                <a:round/>
+                <a:headEnd/>
+                <a:tailEnd/>
+              </a14:hiddenLine>
+            </a:ext>
+          </a:extLst>
+        </p:spPr>
+        <p:style>
+          <a:lnRef idx="1">
+            <a:schemeClr val="accent1"/>
+          </a:lnRef>
+          <a:fillRef idx="3">
+            <a:schemeClr val="accent1"/>
+          </a:fillRef>
+          <a:effectRef idx="2">
+            <a:schemeClr val="accent1"/>
+          </a:effectRef>
+          <a:fontRef idx="minor">
+            <a:schemeClr val="lt1"/>
+          </a:fontRef>
+        </p:style>
+      </p:sp>
+      <p:sp>
+        <p:nvSpPr>
           <p:cNvPr id="2" name="Title 1"/>
           <p:cNvSpPr>
             <a:spLocks noGrp="1"/>
@@ -2380,11 +1773,7 @@
         <p:spPr/>
         <p:txBody>
           <a:bodyPr/>
-          <a:lstStyle>
-            <a:lvl1pPr algn="l">
-              <a:defRPr/>
-            </a:lvl1pPr>
-          </a:lstStyle>
+          <a:lstStyle/>
           <a:p>
             <a:r>
               <a:rPr lang="pt-BR" smtClean="0"/>
@@ -2514,7 +1903,7 @@
     </p:spTree>
     <p:extLst>
       <p:ext uri="{BB962C8B-B14F-4D97-AF65-F5344CB8AC3E}">
-        <p14:creationId xmlns:p14="http://schemas.microsoft.com/office/powerpoint/2010/main" val="1595250629"/>
+        <p14:creationId xmlns:p14="http://schemas.microsoft.com/office/powerpoint/2010/main" val="863646940"/>
       </p:ext>
     </p:extLst>
   </p:cSld>
@@ -2524,7 +1913,7 @@
 </p:sldLayout>
 </file>
 
-<file path=ppt/slideLayouts/slideLayout17.xml><?xml version="1.0" encoding="utf-8"?>
+<file path=ppt/slideLayouts/slideLayout14.xml><?xml version="1.0" encoding="utf-8"?>
 <p:sldLayout xmlns:a="http://schemas.openxmlformats.org/drawingml/2006/main" xmlns:r="http://schemas.openxmlformats.org/officeDocument/2006/relationships" xmlns:p="http://schemas.openxmlformats.org/presentationml/2006/main" type="vertTitleAndTx" preserve="1">
   <p:cSld name="Texto e Título Vertical">
     <p:spTree>
@@ -2543,6 +1932,111 @@
       </p:grpSpPr>
       <p:sp>
         <p:nvSpPr>
+          <p:cNvPr id="12" name="Freeform 6"/>
+          <p:cNvSpPr>
+            <a:spLocks noChangeAspect="1"/>
+          </p:cNvSpPr>
+          <p:nvPr/>
+        </p:nvSpPr>
+        <p:spPr bwMode="auto">
+          <a:xfrm>
+            <a:off x="7669651" y="446089"/>
+            <a:ext cx="4522349" cy="5414962"/>
+          </a:xfrm>
+          <a:custGeom>
+            <a:avLst/>
+            <a:gdLst/>
+            <a:ahLst/>
+            <a:cxnLst/>
+            <a:rect l="0" t="0" r="r" b="b"/>
+            <a:pathLst>
+              <a:path w="2879" h="4320">
+                <a:moveTo>
+                  <a:pt x="183" y="0"/>
+                </a:moveTo>
+                <a:lnTo>
+                  <a:pt x="183" y="1197"/>
+                </a:lnTo>
+                <a:lnTo>
+                  <a:pt x="8" y="1372"/>
+                </a:lnTo>
+                <a:lnTo>
+                  <a:pt x="8" y="1372"/>
+                </a:lnTo>
+                <a:lnTo>
+                  <a:pt x="6" y="1376"/>
+                </a:lnTo>
+                <a:lnTo>
+                  <a:pt x="3" y="1382"/>
+                </a:lnTo>
+                <a:lnTo>
+                  <a:pt x="0" y="1387"/>
+                </a:lnTo>
+                <a:lnTo>
+                  <a:pt x="0" y="1393"/>
+                </a:lnTo>
+                <a:lnTo>
+                  <a:pt x="0" y="1399"/>
+                </a:lnTo>
+                <a:lnTo>
+                  <a:pt x="3" y="1404"/>
+                </a:lnTo>
+                <a:lnTo>
+                  <a:pt x="6" y="1410"/>
+                </a:lnTo>
+                <a:lnTo>
+                  <a:pt x="8" y="1414"/>
+                </a:lnTo>
+                <a:lnTo>
+                  <a:pt x="183" y="1589"/>
+                </a:lnTo>
+                <a:lnTo>
+                  <a:pt x="183" y="4320"/>
+                </a:lnTo>
+                <a:lnTo>
+                  <a:pt x="2879" y="4320"/>
+                </a:lnTo>
+                <a:lnTo>
+                  <a:pt x="2879" y="0"/>
+                </a:lnTo>
+                <a:lnTo>
+                  <a:pt x="183" y="0"/>
+                </a:lnTo>
+                <a:close/>
+              </a:path>
+            </a:pathLst>
+          </a:custGeom>
+          <a:ln/>
+          <a:extLst>
+            <a:ext uri="{91240B29-F687-4f45-9708-019B960494DF}">
+              <a14:hiddenLine xmlns:a14="http://schemas.microsoft.com/office/drawing/2010/main" xmlns="" w="9525">
+                <a:solidFill>
+                  <a:srgbClr val="000000"/>
+                </a:solidFill>
+                <a:round/>
+                <a:headEnd/>
+                <a:tailEnd/>
+              </a14:hiddenLine>
+            </a:ext>
+          </a:extLst>
+        </p:spPr>
+        <p:style>
+          <a:lnRef idx="1">
+            <a:schemeClr val="accent1"/>
+          </a:lnRef>
+          <a:fillRef idx="3">
+            <a:schemeClr val="accent1"/>
+          </a:fillRef>
+          <a:effectRef idx="2">
+            <a:schemeClr val="accent1"/>
+          </a:effectRef>
+          <a:fontRef idx="minor">
+            <a:schemeClr val="lt1"/>
+          </a:fontRef>
+        </p:style>
+      </p:sp>
+      <p:sp>
+        <p:nvSpPr>
           <p:cNvPr id="2" name="Vertical Title 1"/>
           <p:cNvSpPr>
             <a:spLocks noGrp="1"/>
@@ -2553,8 +2047,8 @@
         </p:nvSpPr>
         <p:spPr>
           <a:xfrm>
-            <a:off x="8685212" y="685800"/>
-            <a:ext cx="2057400" cy="4572000"/>
+            <a:off x="8183540" y="586171"/>
+            <a:ext cx="2494791" cy="5134798"/>
           </a:xfrm>
         </p:spPr>
         <p:txBody>
@@ -2581,8 +2075,8 @@
         </p:nvSpPr>
         <p:spPr>
           <a:xfrm>
-            <a:off x="685800" y="685800"/>
-            <a:ext cx="7823200" cy="5308600"/>
+            <a:off x="810001" y="446089"/>
+            <a:ext cx="6611540" cy="5414962"/>
           </a:xfrm>
         </p:spPr>
         <p:txBody>
@@ -2694,7 +2188,7 @@
     </p:spTree>
     <p:extLst>
       <p:ext uri="{BB962C8B-B14F-4D97-AF65-F5344CB8AC3E}">
-        <p14:creationId xmlns:p14="http://schemas.microsoft.com/office/powerpoint/2010/main" val="4239330452"/>
+        <p14:creationId xmlns:p14="http://schemas.microsoft.com/office/powerpoint/2010/main" val="292178698"/>
       </p:ext>
     </p:extLst>
   </p:cSld>
@@ -2723,6 +2217,109 @@
       </p:grpSpPr>
       <p:sp>
         <p:nvSpPr>
+          <p:cNvPr id="11" name="Freeform 6"/>
+          <p:cNvSpPr/>
+          <p:nvPr/>
+        </p:nvSpPr>
+        <p:spPr bwMode="auto">
+          <a:xfrm>
+            <a:off x="0" y="0"/>
+            <a:ext cx="12192000" cy="2185988"/>
+          </a:xfrm>
+          <a:custGeom>
+            <a:avLst/>
+            <a:gdLst/>
+            <a:ahLst/>
+            <a:cxnLst/>
+            <a:rect l="0" t="0" r="r" b="b"/>
+            <a:pathLst>
+              <a:path w="5760" h="1377">
+                <a:moveTo>
+                  <a:pt x="5760" y="0"/>
+                </a:moveTo>
+                <a:lnTo>
+                  <a:pt x="0" y="0"/>
+                </a:lnTo>
+                <a:lnTo>
+                  <a:pt x="0" y="1189"/>
+                </a:lnTo>
+                <a:lnTo>
+                  <a:pt x="943" y="1189"/>
+                </a:lnTo>
+                <a:lnTo>
+                  <a:pt x="1123" y="1369"/>
+                </a:lnTo>
+                <a:lnTo>
+                  <a:pt x="1123" y="1369"/>
+                </a:lnTo>
+                <a:lnTo>
+                  <a:pt x="1127" y="1371"/>
+                </a:lnTo>
+                <a:lnTo>
+                  <a:pt x="1133" y="1374"/>
+                </a:lnTo>
+                <a:lnTo>
+                  <a:pt x="1139" y="1377"/>
+                </a:lnTo>
+                <a:lnTo>
+                  <a:pt x="1144" y="1377"/>
+                </a:lnTo>
+                <a:lnTo>
+                  <a:pt x="1150" y="1377"/>
+                </a:lnTo>
+                <a:lnTo>
+                  <a:pt x="1155" y="1374"/>
+                </a:lnTo>
+                <a:lnTo>
+                  <a:pt x="1161" y="1371"/>
+                </a:lnTo>
+                <a:lnTo>
+                  <a:pt x="1165" y="1369"/>
+                </a:lnTo>
+                <a:lnTo>
+                  <a:pt x="1345" y="1189"/>
+                </a:lnTo>
+                <a:lnTo>
+                  <a:pt x="5760" y="1189"/>
+                </a:lnTo>
+                <a:lnTo>
+                  <a:pt x="5760" y="0"/>
+                </a:lnTo>
+                <a:close/>
+              </a:path>
+            </a:pathLst>
+          </a:custGeom>
+          <a:ln/>
+          <a:extLst>
+            <a:ext uri="{91240B29-F687-4f45-9708-019B960494DF}">
+              <a14:hiddenLine xmlns:a14="http://schemas.microsoft.com/office/drawing/2010/main" xmlns="" w="9525">
+                <a:solidFill>
+                  <a:srgbClr val="000000"/>
+                </a:solidFill>
+                <a:round/>
+                <a:headEnd/>
+                <a:tailEnd/>
+              </a14:hiddenLine>
+            </a:ext>
+          </a:extLst>
+        </p:spPr>
+        <p:style>
+          <a:lnRef idx="1">
+            <a:schemeClr val="accent1"/>
+          </a:lnRef>
+          <a:fillRef idx="3">
+            <a:schemeClr val="accent1"/>
+          </a:fillRef>
+          <a:effectRef idx="2">
+            <a:schemeClr val="accent1"/>
+          </a:effectRef>
+          <a:fontRef idx="minor">
+            <a:schemeClr val="lt1"/>
+          </a:fontRef>
+        </p:style>
+      </p:sp>
+      <p:sp>
+        <p:nvSpPr>
           <p:cNvPr id="2" name="Title 1"/>
           <p:cNvSpPr>
             <a:spLocks noGrp="1"/>
@@ -2731,7 +2328,12 @@
             <p:ph type="title"/>
           </p:nvPr>
         </p:nvSpPr>
-        <p:spPr/>
+        <p:spPr>
+          <a:xfrm>
+            <a:off x="810000" y="447188"/>
+            <a:ext cx="10571998" cy="970450"/>
+          </a:xfrm>
+        </p:spPr>
         <p:txBody>
           <a:bodyPr/>
           <a:lstStyle/>
@@ -2754,9 +2356,14 @@
             <p:ph idx="1"/>
           </p:nvPr>
         </p:nvSpPr>
-        <p:spPr/>
-        <p:txBody>
-          <a:bodyPr anchor="ctr"/>
+        <p:spPr>
+          <a:xfrm>
+            <a:off x="818712" y="2222287"/>
+            <a:ext cx="10554574" cy="3636511"/>
+          </a:xfrm>
+        </p:spPr>
+        <p:txBody>
+          <a:bodyPr/>
           <a:lstStyle/>
           <a:p>
             <a:pPr lvl="0"/>
@@ -2864,7 +2471,7 @@
     </p:spTree>
     <p:extLst>
       <p:ext uri="{BB962C8B-B14F-4D97-AF65-F5344CB8AC3E}">
-        <p14:creationId xmlns:p14="http://schemas.microsoft.com/office/powerpoint/2010/main" val="1702250472"/>
+        <p14:creationId xmlns:p14="http://schemas.microsoft.com/office/powerpoint/2010/main" val="2466718600"/>
       </p:ext>
     </p:extLst>
   </p:cSld>
@@ -2893,6 +2500,103 @@
       </p:grpSpPr>
       <p:sp>
         <p:nvSpPr>
+          <p:cNvPr id="10" name="Freeform 7"/>
+          <p:cNvSpPr/>
+          <p:nvPr/>
+        </p:nvSpPr>
+        <p:spPr bwMode="auto">
+          <a:xfrm>
+            <a:off x="0" y="1"/>
+            <a:ext cx="12192000" cy="5203825"/>
+          </a:xfrm>
+          <a:custGeom>
+            <a:avLst/>
+            <a:gdLst/>
+            <a:ahLst/>
+            <a:cxnLst/>
+            <a:rect l="0" t="0" r="r" b="b"/>
+            <a:pathLst>
+              <a:path w="5760" h="3278">
+                <a:moveTo>
+                  <a:pt x="0" y="0"/>
+                </a:moveTo>
+                <a:lnTo>
+                  <a:pt x="5760" y="0"/>
+                </a:lnTo>
+                <a:lnTo>
+                  <a:pt x="5760" y="3090"/>
+                </a:lnTo>
+                <a:lnTo>
+                  <a:pt x="4817" y="3090"/>
+                </a:lnTo>
+                <a:lnTo>
+                  <a:pt x="4637" y="3270"/>
+                </a:lnTo>
+                <a:lnTo>
+                  <a:pt x="4637" y="3270"/>
+                </a:lnTo>
+                <a:lnTo>
+                  <a:pt x="4633" y="3272"/>
+                </a:lnTo>
+                <a:lnTo>
+                  <a:pt x="4627" y="3275"/>
+                </a:lnTo>
+                <a:lnTo>
+                  <a:pt x="4621" y="3278"/>
+                </a:lnTo>
+                <a:lnTo>
+                  <a:pt x="4616" y="3278"/>
+                </a:lnTo>
+                <a:lnTo>
+                  <a:pt x="4610" y="3278"/>
+                </a:lnTo>
+                <a:lnTo>
+                  <a:pt x="4605" y="3275"/>
+                </a:lnTo>
+                <a:lnTo>
+                  <a:pt x="4599" y="3272"/>
+                </a:lnTo>
+                <a:lnTo>
+                  <a:pt x="4595" y="3270"/>
+                </a:lnTo>
+                <a:lnTo>
+                  <a:pt x="4415" y="3090"/>
+                </a:lnTo>
+                <a:lnTo>
+                  <a:pt x="0" y="3090"/>
+                </a:lnTo>
+                <a:lnTo>
+                  <a:pt x="0" y="0"/>
+                </a:lnTo>
+                <a:lnTo>
+                  <a:pt x="0" y="0"/>
+                </a:lnTo>
+                <a:close/>
+              </a:path>
+            </a:pathLst>
+          </a:custGeom>
+          <a:ln>
+            <a:headEnd/>
+            <a:tailEnd/>
+          </a:ln>
+        </p:spPr>
+        <p:style>
+          <a:lnRef idx="1">
+            <a:schemeClr val="accent1"/>
+          </a:lnRef>
+          <a:fillRef idx="3">
+            <a:schemeClr val="accent1"/>
+          </a:fillRef>
+          <a:effectRef idx="2">
+            <a:schemeClr val="accent1"/>
+          </a:effectRef>
+          <a:fontRef idx="minor">
+            <a:schemeClr val="lt1"/>
+          </a:fontRef>
+        </p:style>
+      </p:sp>
+      <p:sp>
+        <p:nvSpPr>
           <p:cNvPr id="2" name="Title 1"/>
           <p:cNvSpPr>
             <a:spLocks noGrp="1"/>
@@ -2903,56 +2607,52 @@
         </p:nvSpPr>
         <p:spPr>
           <a:xfrm>
-            <a:off x="684211" y="2006600"/>
-            <a:ext cx="8534401" cy="2281600"/>
+            <a:off x="810000" y="2951396"/>
+            <a:ext cx="10561418" cy="1468800"/>
           </a:xfrm>
         </p:spPr>
         <p:txBody>
-          <a:bodyPr anchor="b">
-            <a:normAutofit/>
+          <a:bodyPr anchor="b"/>
+          <a:lstStyle>
+            <a:lvl1pPr algn="r">
+              <a:defRPr sz="4800" b="1" cap="none"/>
+            </a:lvl1pPr>
+          </a:lstStyle>
+          <a:p>
+            <a:r>
+              <a:rPr lang="pt-BR" smtClean="0"/>
+              <a:t>Clique para editar o título mestre</a:t>
+            </a:r>
+            <a:endParaRPr lang="en-US" dirty="0"/>
+          </a:p>
+        </p:txBody>
+      </p:sp>
+      <p:sp>
+        <p:nvSpPr>
+          <p:cNvPr id="3" name="Text Placeholder 2"/>
+          <p:cNvSpPr>
+            <a:spLocks noGrp="1"/>
+          </p:cNvSpPr>
+          <p:nvPr>
+            <p:ph type="body" idx="1"/>
+          </p:nvPr>
+        </p:nvSpPr>
+        <p:spPr>
+          <a:xfrm>
+            <a:off x="810000" y="5281201"/>
+            <a:ext cx="10561418" cy="433955"/>
+          </a:xfrm>
+        </p:spPr>
+        <p:txBody>
+          <a:bodyPr anchor="t">
+            <a:noAutofit/>
           </a:bodyPr>
           <a:lstStyle>
-            <a:lvl1pPr algn="l">
-              <a:defRPr sz="3600" b="0" cap="all"/>
-            </a:lvl1pPr>
-          </a:lstStyle>
-          <a:p>
-            <a:r>
-              <a:rPr lang="pt-BR" smtClean="0"/>
-              <a:t>Clique para editar o título mestre</a:t>
-            </a:r>
-            <a:endParaRPr lang="en-US" dirty="0"/>
-          </a:p>
-        </p:txBody>
-      </p:sp>
-      <p:sp>
-        <p:nvSpPr>
-          <p:cNvPr id="3" name="Text Placeholder 2"/>
-          <p:cNvSpPr>
-            <a:spLocks noGrp="1"/>
-          </p:cNvSpPr>
-          <p:nvPr>
-            <p:ph type="body" idx="1"/>
-          </p:nvPr>
-        </p:nvSpPr>
-        <p:spPr>
-          <a:xfrm>
-            <a:off x="684213" y="4495800"/>
-            <a:ext cx="8534400" cy="1498600"/>
-          </a:xfrm>
-        </p:spPr>
-        <p:txBody>
-          <a:bodyPr anchor="t">
-            <a:normAutofit/>
-          </a:bodyPr>
-          <a:lstStyle>
-            <a:lvl1pPr marL="0" indent="0" algn="l">
+            <a:lvl1pPr marL="0" indent="0" algn="r">
               <a:buNone/>
               <a:defRPr sz="1800">
                 <a:solidFill>
-                  <a:schemeClr val="bg2">
-                    <a:lumMod val="75000"/>
-                  </a:schemeClr>
+                  <a:schemeClr val="tx1"/>
                 </a:solidFill>
               </a:defRPr>
             </a:lvl1pPr>
@@ -3114,7 +2814,7 @@
     </p:spTree>
     <p:extLst>
       <p:ext uri="{BB962C8B-B14F-4D97-AF65-F5344CB8AC3E}">
-        <p14:creationId xmlns:p14="http://schemas.microsoft.com/office/powerpoint/2010/main" val="758450652"/>
+        <p14:creationId xmlns:p14="http://schemas.microsoft.com/office/powerpoint/2010/main" val="1679311902"/>
       </p:ext>
     </p:extLst>
   </p:cSld>
@@ -3143,6 +2843,109 @@
       </p:grpSpPr>
       <p:sp>
         <p:nvSpPr>
+          <p:cNvPr id="8" name="Freeform 6"/>
+          <p:cNvSpPr/>
+          <p:nvPr/>
+        </p:nvSpPr>
+        <p:spPr bwMode="auto">
+          <a:xfrm>
+            <a:off x="0" y="0"/>
+            <a:ext cx="12192000" cy="2185988"/>
+          </a:xfrm>
+          <a:custGeom>
+            <a:avLst/>
+            <a:gdLst/>
+            <a:ahLst/>
+            <a:cxnLst/>
+            <a:rect l="0" t="0" r="r" b="b"/>
+            <a:pathLst>
+              <a:path w="5760" h="1377">
+                <a:moveTo>
+                  <a:pt x="5760" y="0"/>
+                </a:moveTo>
+                <a:lnTo>
+                  <a:pt x="0" y="0"/>
+                </a:lnTo>
+                <a:lnTo>
+                  <a:pt x="0" y="1189"/>
+                </a:lnTo>
+                <a:lnTo>
+                  <a:pt x="943" y="1189"/>
+                </a:lnTo>
+                <a:lnTo>
+                  <a:pt x="1123" y="1369"/>
+                </a:lnTo>
+                <a:lnTo>
+                  <a:pt x="1123" y="1369"/>
+                </a:lnTo>
+                <a:lnTo>
+                  <a:pt x="1127" y="1371"/>
+                </a:lnTo>
+                <a:lnTo>
+                  <a:pt x="1133" y="1374"/>
+                </a:lnTo>
+                <a:lnTo>
+                  <a:pt x="1139" y="1377"/>
+                </a:lnTo>
+                <a:lnTo>
+                  <a:pt x="1144" y="1377"/>
+                </a:lnTo>
+                <a:lnTo>
+                  <a:pt x="1150" y="1377"/>
+                </a:lnTo>
+                <a:lnTo>
+                  <a:pt x="1155" y="1374"/>
+                </a:lnTo>
+                <a:lnTo>
+                  <a:pt x="1161" y="1371"/>
+                </a:lnTo>
+                <a:lnTo>
+                  <a:pt x="1165" y="1369"/>
+                </a:lnTo>
+                <a:lnTo>
+                  <a:pt x="1345" y="1189"/>
+                </a:lnTo>
+                <a:lnTo>
+                  <a:pt x="5760" y="1189"/>
+                </a:lnTo>
+                <a:lnTo>
+                  <a:pt x="5760" y="0"/>
+                </a:lnTo>
+                <a:close/>
+              </a:path>
+            </a:pathLst>
+          </a:custGeom>
+          <a:ln/>
+          <a:extLst>
+            <a:ext uri="{91240B29-F687-4f45-9708-019B960494DF}">
+              <a14:hiddenLine xmlns:a14="http://schemas.microsoft.com/office/drawing/2010/main" xmlns="" w="9525">
+                <a:solidFill>
+                  <a:srgbClr val="000000"/>
+                </a:solidFill>
+                <a:round/>
+                <a:headEnd/>
+                <a:tailEnd/>
+              </a14:hiddenLine>
+            </a:ext>
+          </a:extLst>
+        </p:spPr>
+        <p:style>
+          <a:lnRef idx="1">
+            <a:schemeClr val="accent1"/>
+          </a:lnRef>
+          <a:fillRef idx="3">
+            <a:schemeClr val="accent1"/>
+          </a:fillRef>
+          <a:effectRef idx="2">
+            <a:schemeClr val="accent1"/>
+          </a:effectRef>
+          <a:fontRef idx="minor">
+            <a:schemeClr val="lt1"/>
+          </a:fontRef>
+        </p:style>
+      </p:sp>
+      <p:sp>
+        <p:nvSpPr>
           <p:cNvPr id="2" name="Title 1"/>
           <p:cNvSpPr>
             <a:spLocks noGrp="1"/>
@@ -3176,8 +2979,8 @@
         </p:nvSpPr>
         <p:spPr>
           <a:xfrm>
-            <a:off x="684211" y="685800"/>
-            <a:ext cx="4937655" cy="3615267"/>
+            <a:off x="818712" y="2222287"/>
+            <a:ext cx="5185873" cy="3638763"/>
           </a:xfrm>
         </p:spPr>
         <p:txBody>
@@ -3235,8 +3038,8 @@
         </p:nvSpPr>
         <p:spPr>
           <a:xfrm>
-            <a:off x="5808133" y="685801"/>
-            <a:ext cx="4934479" cy="3615266"/>
+            <a:off x="6187415" y="2222287"/>
+            <a:ext cx="5194583" cy="3638764"/>
           </a:xfrm>
         </p:spPr>
         <p:txBody>
@@ -3350,7 +3153,7 @@
     </p:spTree>
     <p:extLst>
       <p:ext uri="{BB962C8B-B14F-4D97-AF65-F5344CB8AC3E}">
-        <p14:creationId xmlns:p14="http://schemas.microsoft.com/office/powerpoint/2010/main" val="3283850480"/>
+        <p14:creationId xmlns:p14="http://schemas.microsoft.com/office/powerpoint/2010/main" val="3635883384"/>
       </p:ext>
     </p:extLst>
   </p:cSld>
@@ -3379,6 +3182,109 @@
       </p:grpSpPr>
       <p:sp>
         <p:nvSpPr>
+          <p:cNvPr id="10" name="Freeform 6"/>
+          <p:cNvSpPr/>
+          <p:nvPr/>
+        </p:nvSpPr>
+        <p:spPr bwMode="auto">
+          <a:xfrm>
+            <a:off x="0" y="0"/>
+            <a:ext cx="12192000" cy="2185988"/>
+          </a:xfrm>
+          <a:custGeom>
+            <a:avLst/>
+            <a:gdLst/>
+            <a:ahLst/>
+            <a:cxnLst/>
+            <a:rect l="0" t="0" r="r" b="b"/>
+            <a:pathLst>
+              <a:path w="5760" h="1377">
+                <a:moveTo>
+                  <a:pt x="5760" y="0"/>
+                </a:moveTo>
+                <a:lnTo>
+                  <a:pt x="0" y="0"/>
+                </a:lnTo>
+                <a:lnTo>
+                  <a:pt x="0" y="1189"/>
+                </a:lnTo>
+                <a:lnTo>
+                  <a:pt x="943" y="1189"/>
+                </a:lnTo>
+                <a:lnTo>
+                  <a:pt x="1123" y="1369"/>
+                </a:lnTo>
+                <a:lnTo>
+                  <a:pt x="1123" y="1369"/>
+                </a:lnTo>
+                <a:lnTo>
+                  <a:pt x="1127" y="1371"/>
+                </a:lnTo>
+                <a:lnTo>
+                  <a:pt x="1133" y="1374"/>
+                </a:lnTo>
+                <a:lnTo>
+                  <a:pt x="1139" y="1377"/>
+                </a:lnTo>
+                <a:lnTo>
+                  <a:pt x="1144" y="1377"/>
+                </a:lnTo>
+                <a:lnTo>
+                  <a:pt x="1150" y="1377"/>
+                </a:lnTo>
+                <a:lnTo>
+                  <a:pt x="1155" y="1374"/>
+                </a:lnTo>
+                <a:lnTo>
+                  <a:pt x="1161" y="1371"/>
+                </a:lnTo>
+                <a:lnTo>
+                  <a:pt x="1165" y="1369"/>
+                </a:lnTo>
+                <a:lnTo>
+                  <a:pt x="1345" y="1189"/>
+                </a:lnTo>
+                <a:lnTo>
+                  <a:pt x="5760" y="1189"/>
+                </a:lnTo>
+                <a:lnTo>
+                  <a:pt x="5760" y="0"/>
+                </a:lnTo>
+                <a:close/>
+              </a:path>
+            </a:pathLst>
+          </a:custGeom>
+          <a:ln/>
+          <a:extLst>
+            <a:ext uri="{91240B29-F687-4f45-9708-019B960494DF}">
+              <a14:hiddenLine xmlns:a14="http://schemas.microsoft.com/office/drawing/2010/main" xmlns="" w="9525">
+                <a:solidFill>
+                  <a:srgbClr val="000000"/>
+                </a:solidFill>
+                <a:round/>
+                <a:headEnd/>
+                <a:tailEnd/>
+              </a14:hiddenLine>
+            </a:ext>
+          </a:extLst>
+        </p:spPr>
+        <p:style>
+          <a:lnRef idx="1">
+            <a:schemeClr val="accent1"/>
+          </a:lnRef>
+          <a:fillRef idx="3">
+            <a:schemeClr val="accent1"/>
+          </a:fillRef>
+          <a:effectRef idx="2">
+            <a:schemeClr val="accent1"/>
+          </a:effectRef>
+          <a:fontRef idx="minor">
+            <a:schemeClr val="lt1"/>
+          </a:fontRef>
+        </p:style>
+      </p:sp>
+      <p:sp>
+        <p:nvSpPr>
           <p:cNvPr id="2" name="Title 1"/>
           <p:cNvSpPr>
             <a:spLocks noGrp="1"/>
@@ -3416,8 +3322,8 @@
         </p:nvSpPr>
         <p:spPr>
           <a:xfrm>
-            <a:off x="972080" y="685800"/>
-            <a:ext cx="4649787" cy="576262"/>
+            <a:off x="814728" y="2174875"/>
+            <a:ext cx="5189857" cy="576262"/>
           </a:xfrm>
         </p:spPr>
         <p:txBody>
@@ -3425,13 +3331,9 @@
             <a:noAutofit/>
           </a:bodyPr>
           <a:lstStyle>
-            <a:lvl1pPr marL="0" indent="0">
-              <a:buNone/>
-              <a:defRPr sz="2800" b="0">
-                <a:solidFill>
-                  <a:schemeClr val="tx1"/>
-                </a:solidFill>
-              </a:defRPr>
+            <a:lvl1pPr marL="0" indent="0" algn="ctr">
+              <a:buNone/>
+              <a:defRPr sz="2000" b="0"/>
             </a:lvl1pPr>
             <a:lvl2pPr marL="457200" indent="0">
               <a:buNone/>
@@ -3487,8 +3389,8 @@
         </p:nvSpPr>
         <p:spPr>
           <a:xfrm>
-            <a:off x="684211" y="1270529"/>
-            <a:ext cx="4937655" cy="3030538"/>
+            <a:off x="814729" y="2751138"/>
+            <a:ext cx="5189856" cy="3109913"/>
           </a:xfrm>
         </p:spPr>
         <p:txBody>
@@ -3546,8 +3448,8 @@
         </p:nvSpPr>
         <p:spPr>
           <a:xfrm>
-            <a:off x="6079066" y="685800"/>
-            <a:ext cx="4665134" cy="576262"/>
+            <a:off x="6187415" y="2174875"/>
+            <a:ext cx="5194583" cy="576262"/>
           </a:xfrm>
         </p:spPr>
         <p:txBody>
@@ -3555,13 +3457,9 @@
             <a:noAutofit/>
           </a:bodyPr>
           <a:lstStyle>
-            <a:lvl1pPr marL="0" indent="0">
-              <a:buNone/>
-              <a:defRPr sz="2800" b="0">
-                <a:solidFill>
-                  <a:schemeClr val="tx1"/>
-                </a:solidFill>
-              </a:defRPr>
+            <a:lvl1pPr marL="0" indent="0" algn="ctr">
+              <a:buNone/>
+              <a:defRPr sz="2000" b="0"/>
             </a:lvl1pPr>
             <a:lvl2pPr marL="457200" indent="0">
               <a:buNone/>
@@ -3617,8 +3515,8 @@
         </p:nvSpPr>
         <p:spPr>
           <a:xfrm>
-            <a:off x="5806545" y="1262062"/>
-            <a:ext cx="4929188" cy="3030538"/>
+            <a:off x="6187415" y="2751138"/>
+            <a:ext cx="5194583" cy="3109913"/>
           </a:xfrm>
         </p:spPr>
         <p:txBody>
@@ -3732,7 +3630,7 @@
     </p:spTree>
     <p:extLst>
       <p:ext uri="{BB962C8B-B14F-4D97-AF65-F5344CB8AC3E}">
-        <p14:creationId xmlns:p14="http://schemas.microsoft.com/office/powerpoint/2010/main" val="3500484789"/>
+        <p14:creationId xmlns:p14="http://schemas.microsoft.com/office/powerpoint/2010/main" val="566198303"/>
       </p:ext>
     </p:extLst>
   </p:cSld>
@@ -3761,6 +3659,109 @@
       </p:grpSpPr>
       <p:sp>
         <p:nvSpPr>
+          <p:cNvPr id="6" name="Freeform 6"/>
+          <p:cNvSpPr/>
+          <p:nvPr/>
+        </p:nvSpPr>
+        <p:spPr bwMode="auto">
+          <a:xfrm>
+            <a:off x="0" y="0"/>
+            <a:ext cx="12192000" cy="2185988"/>
+          </a:xfrm>
+          <a:custGeom>
+            <a:avLst/>
+            <a:gdLst/>
+            <a:ahLst/>
+            <a:cxnLst/>
+            <a:rect l="0" t="0" r="r" b="b"/>
+            <a:pathLst>
+              <a:path w="5760" h="1377">
+                <a:moveTo>
+                  <a:pt x="5760" y="0"/>
+                </a:moveTo>
+                <a:lnTo>
+                  <a:pt x="0" y="0"/>
+                </a:lnTo>
+                <a:lnTo>
+                  <a:pt x="0" y="1189"/>
+                </a:lnTo>
+                <a:lnTo>
+                  <a:pt x="943" y="1189"/>
+                </a:lnTo>
+                <a:lnTo>
+                  <a:pt x="1123" y="1369"/>
+                </a:lnTo>
+                <a:lnTo>
+                  <a:pt x="1123" y="1369"/>
+                </a:lnTo>
+                <a:lnTo>
+                  <a:pt x="1127" y="1371"/>
+                </a:lnTo>
+                <a:lnTo>
+                  <a:pt x="1133" y="1374"/>
+                </a:lnTo>
+                <a:lnTo>
+                  <a:pt x="1139" y="1377"/>
+                </a:lnTo>
+                <a:lnTo>
+                  <a:pt x="1144" y="1377"/>
+                </a:lnTo>
+                <a:lnTo>
+                  <a:pt x="1150" y="1377"/>
+                </a:lnTo>
+                <a:lnTo>
+                  <a:pt x="1155" y="1374"/>
+                </a:lnTo>
+                <a:lnTo>
+                  <a:pt x="1161" y="1371"/>
+                </a:lnTo>
+                <a:lnTo>
+                  <a:pt x="1165" y="1369"/>
+                </a:lnTo>
+                <a:lnTo>
+                  <a:pt x="1345" y="1189"/>
+                </a:lnTo>
+                <a:lnTo>
+                  <a:pt x="5760" y="1189"/>
+                </a:lnTo>
+                <a:lnTo>
+                  <a:pt x="5760" y="0"/>
+                </a:lnTo>
+                <a:close/>
+              </a:path>
+            </a:pathLst>
+          </a:custGeom>
+          <a:ln/>
+          <a:extLst>
+            <a:ext uri="{91240B29-F687-4f45-9708-019B960494DF}">
+              <a14:hiddenLine xmlns:a14="http://schemas.microsoft.com/office/drawing/2010/main" xmlns="" w="9525">
+                <a:solidFill>
+                  <a:srgbClr val="000000"/>
+                </a:solidFill>
+                <a:round/>
+                <a:headEnd/>
+                <a:tailEnd/>
+              </a14:hiddenLine>
+            </a:ext>
+          </a:extLst>
+        </p:spPr>
+        <p:style>
+          <a:lnRef idx="1">
+            <a:schemeClr val="accent1"/>
+          </a:lnRef>
+          <a:fillRef idx="3">
+            <a:schemeClr val="accent1"/>
+          </a:fillRef>
+          <a:effectRef idx="2">
+            <a:schemeClr val="accent1"/>
+          </a:effectRef>
+          <a:fontRef idx="minor">
+            <a:schemeClr val="lt1"/>
+          </a:fontRef>
+        </p:style>
+      </p:sp>
+      <p:sp>
+        <p:nvSpPr>
           <p:cNvPr id="2" name="Title 1"/>
           <p:cNvSpPr>
             <a:spLocks noGrp="1"/>
@@ -3850,7 +3851,7 @@
     </p:spTree>
     <p:extLst>
       <p:ext uri="{BB962C8B-B14F-4D97-AF65-F5344CB8AC3E}">
-        <p14:creationId xmlns:p14="http://schemas.microsoft.com/office/powerpoint/2010/main" val="3399727195"/>
+        <p14:creationId xmlns:p14="http://schemas.microsoft.com/office/powerpoint/2010/main" val="639008964"/>
       </p:ext>
     </p:extLst>
   </p:cSld>
@@ -3945,7 +3946,7 @@
     </p:spTree>
     <p:extLst>
       <p:ext uri="{BB962C8B-B14F-4D97-AF65-F5344CB8AC3E}">
-        <p14:creationId xmlns:p14="http://schemas.microsoft.com/office/powerpoint/2010/main" val="3511045385"/>
+        <p14:creationId xmlns:p14="http://schemas.microsoft.com/office/powerpoint/2010/main" val="3598666754"/>
       </p:ext>
     </p:extLst>
   </p:cSld>
@@ -3974,6 +3975,222 @@
       </p:grpSpPr>
       <p:sp>
         <p:nvSpPr>
+          <p:cNvPr id="12" name="Freeform 6"/>
+          <p:cNvSpPr>
+            <a:spLocks noChangeAspect="1"/>
+          </p:cNvSpPr>
+          <p:nvPr/>
+        </p:nvSpPr>
+        <p:spPr bwMode="auto">
+          <a:xfrm>
+            <a:off x="1073151" y="446087"/>
+            <a:ext cx="3547533" cy="1814651"/>
+          </a:xfrm>
+          <a:custGeom>
+            <a:avLst/>
+            <a:gdLst/>
+            <a:ahLst/>
+            <a:cxnLst/>
+            <a:rect l="0" t="0" r="r" b="b"/>
+            <a:pathLst>
+              <a:path w="3384" h="2308">
+                <a:moveTo>
+                  <a:pt x="3340" y="0"/>
+                </a:moveTo>
+                <a:lnTo>
+                  <a:pt x="44" y="0"/>
+                </a:lnTo>
+                <a:lnTo>
+                  <a:pt x="44" y="0"/>
+                </a:lnTo>
+                <a:lnTo>
+                  <a:pt x="34" y="0"/>
+                </a:lnTo>
+                <a:lnTo>
+                  <a:pt x="26" y="4"/>
+                </a:lnTo>
+                <a:lnTo>
+                  <a:pt x="20" y="8"/>
+                </a:lnTo>
+                <a:lnTo>
+                  <a:pt x="12" y="12"/>
+                </a:lnTo>
+                <a:lnTo>
+                  <a:pt x="8" y="20"/>
+                </a:lnTo>
+                <a:lnTo>
+                  <a:pt x="4" y="26"/>
+                </a:lnTo>
+                <a:lnTo>
+                  <a:pt x="0" y="34"/>
+                </a:lnTo>
+                <a:lnTo>
+                  <a:pt x="0" y="44"/>
+                </a:lnTo>
+                <a:lnTo>
+                  <a:pt x="0" y="2076"/>
+                </a:lnTo>
+                <a:lnTo>
+                  <a:pt x="0" y="2076"/>
+                </a:lnTo>
+                <a:lnTo>
+                  <a:pt x="0" y="2086"/>
+                </a:lnTo>
+                <a:lnTo>
+                  <a:pt x="4" y="2094"/>
+                </a:lnTo>
+                <a:lnTo>
+                  <a:pt x="8" y="2100"/>
+                </a:lnTo>
+                <a:lnTo>
+                  <a:pt x="12" y="2108"/>
+                </a:lnTo>
+                <a:lnTo>
+                  <a:pt x="20" y="2112"/>
+                </a:lnTo>
+                <a:lnTo>
+                  <a:pt x="26" y="2116"/>
+                </a:lnTo>
+                <a:lnTo>
+                  <a:pt x="34" y="2120"/>
+                </a:lnTo>
+                <a:lnTo>
+                  <a:pt x="44" y="2120"/>
+                </a:lnTo>
+                <a:lnTo>
+                  <a:pt x="474" y="2120"/>
+                </a:lnTo>
+                <a:lnTo>
+                  <a:pt x="650" y="2296"/>
+                </a:lnTo>
+                <a:lnTo>
+                  <a:pt x="650" y="2296"/>
+                </a:lnTo>
+                <a:lnTo>
+                  <a:pt x="656" y="2300"/>
+                </a:lnTo>
+                <a:lnTo>
+                  <a:pt x="664" y="2304"/>
+                </a:lnTo>
+                <a:lnTo>
+                  <a:pt x="672" y="2308"/>
+                </a:lnTo>
+                <a:lnTo>
+                  <a:pt x="680" y="2308"/>
+                </a:lnTo>
+                <a:lnTo>
+                  <a:pt x="688" y="2308"/>
+                </a:lnTo>
+                <a:lnTo>
+                  <a:pt x="696" y="2304"/>
+                </a:lnTo>
+                <a:lnTo>
+                  <a:pt x="704" y="2300"/>
+                </a:lnTo>
+                <a:lnTo>
+                  <a:pt x="710" y="2296"/>
+                </a:lnTo>
+                <a:lnTo>
+                  <a:pt x="886" y="2120"/>
+                </a:lnTo>
+                <a:lnTo>
+                  <a:pt x="3340" y="2120"/>
+                </a:lnTo>
+                <a:lnTo>
+                  <a:pt x="3340" y="2120"/>
+                </a:lnTo>
+                <a:lnTo>
+                  <a:pt x="3350" y="2120"/>
+                </a:lnTo>
+                <a:lnTo>
+                  <a:pt x="3358" y="2116"/>
+                </a:lnTo>
+                <a:lnTo>
+                  <a:pt x="3364" y="2112"/>
+                </a:lnTo>
+                <a:lnTo>
+                  <a:pt x="3372" y="2108"/>
+                </a:lnTo>
+                <a:lnTo>
+                  <a:pt x="3376" y="2100"/>
+                </a:lnTo>
+                <a:lnTo>
+                  <a:pt x="3380" y="2094"/>
+                </a:lnTo>
+                <a:lnTo>
+                  <a:pt x="3384" y="2086"/>
+                </a:lnTo>
+                <a:lnTo>
+                  <a:pt x="3384" y="2076"/>
+                </a:lnTo>
+                <a:lnTo>
+                  <a:pt x="3384" y="44"/>
+                </a:lnTo>
+                <a:lnTo>
+                  <a:pt x="3384" y="44"/>
+                </a:lnTo>
+                <a:lnTo>
+                  <a:pt x="3384" y="34"/>
+                </a:lnTo>
+                <a:lnTo>
+                  <a:pt x="3380" y="26"/>
+                </a:lnTo>
+                <a:lnTo>
+                  <a:pt x="3376" y="20"/>
+                </a:lnTo>
+                <a:lnTo>
+                  <a:pt x="3372" y="12"/>
+                </a:lnTo>
+                <a:lnTo>
+                  <a:pt x="3364" y="8"/>
+                </a:lnTo>
+                <a:lnTo>
+                  <a:pt x="3358" y="4"/>
+                </a:lnTo>
+                <a:lnTo>
+                  <a:pt x="3350" y="0"/>
+                </a:lnTo>
+                <a:lnTo>
+                  <a:pt x="3340" y="0"/>
+                </a:lnTo>
+                <a:lnTo>
+                  <a:pt x="3340" y="0"/>
+                </a:lnTo>
+                <a:close/>
+              </a:path>
+            </a:pathLst>
+          </a:custGeom>
+          <a:ln/>
+          <a:extLst>
+            <a:ext uri="{91240B29-F687-4f45-9708-019B960494DF}">
+              <a14:hiddenLine xmlns:a14="http://schemas.microsoft.com/office/drawing/2010/main" xmlns="" w="9525">
+                <a:solidFill>
+                  <a:srgbClr val="000000"/>
+                </a:solidFill>
+                <a:round/>
+                <a:headEnd/>
+                <a:tailEnd/>
+              </a14:hiddenLine>
+            </a:ext>
+          </a:extLst>
+        </p:spPr>
+        <p:style>
+          <a:lnRef idx="1">
+            <a:schemeClr val="accent1"/>
+          </a:lnRef>
+          <a:fillRef idx="3">
+            <a:schemeClr val="accent1"/>
+          </a:fillRef>
+          <a:effectRef idx="2">
+            <a:schemeClr val="accent1"/>
+          </a:effectRef>
+          <a:fontRef idx="minor">
+            <a:schemeClr val="lt1"/>
+          </a:fontRef>
+        </p:style>
+      </p:sp>
+      <p:sp>
+        <p:nvSpPr>
           <p:cNvPr id="2" name="Title 1"/>
           <p:cNvSpPr>
             <a:spLocks noGrp="1"/>
@@ -3984,17 +4201,15 @@
         </p:nvSpPr>
         <p:spPr>
           <a:xfrm>
-            <a:off x="7085012" y="685800"/>
-            <a:ext cx="3657600" cy="1371600"/>
+            <a:off x="1073151" y="446088"/>
+            <a:ext cx="3547533" cy="1618396"/>
           </a:xfrm>
         </p:spPr>
         <p:txBody>
-          <a:bodyPr anchor="b">
-            <a:normAutofit/>
-          </a:bodyPr>
+          <a:bodyPr anchor="b"/>
           <a:lstStyle>
             <a:lvl1pPr algn="l">
-              <a:defRPr sz="2400" b="0"/>
+              <a:defRPr sz="2000" b="1"/>
             </a:lvl1pPr>
           </a:lstStyle>
           <a:p>
@@ -4018,12 +4233,12 @@
         </p:nvSpPr>
         <p:spPr>
           <a:xfrm>
-            <a:off x="684212" y="685800"/>
-            <a:ext cx="5943601" cy="5308600"/>
+            <a:off x="4855633" y="446088"/>
+            <a:ext cx="6252633" cy="5414963"/>
           </a:xfrm>
         </p:spPr>
         <p:txBody>
-          <a:bodyPr anchor="ctr">
+          <a:bodyPr>
             <a:normAutofit/>
           </a:bodyPr>
           <a:lstStyle/>
@@ -4077,18 +4292,16 @@
         </p:nvSpPr>
         <p:spPr>
           <a:xfrm>
-            <a:off x="7085012" y="2209799"/>
-            <a:ext cx="3657600" cy="2091267"/>
+            <a:off x="1073151" y="2260738"/>
+            <a:ext cx="3547533" cy="3600311"/>
           </a:xfrm>
         </p:spPr>
         <p:txBody>
-          <a:bodyPr anchor="t">
-            <a:normAutofit/>
-          </a:bodyPr>
+          <a:bodyPr/>
           <a:lstStyle>
             <a:lvl1pPr marL="0" indent="0">
               <a:buNone/>
-              <a:defRPr sz="1600"/>
+              <a:defRPr sz="1400"/>
             </a:lvl1pPr>
             <a:lvl2pPr marL="457200" indent="0">
               <a:buNone/>
@@ -4200,7 +4413,7 @@
     </p:spTree>
     <p:extLst>
       <p:ext uri="{BB962C8B-B14F-4D97-AF65-F5344CB8AC3E}">
-        <p14:creationId xmlns:p14="http://schemas.microsoft.com/office/powerpoint/2010/main" val="118672410"/>
+        <p14:creationId xmlns:p14="http://schemas.microsoft.com/office/powerpoint/2010/main" val="3207024035"/>
       </p:ext>
     </p:extLst>
   </p:cSld>
@@ -4239,8 +4452,8 @@
         </p:nvSpPr>
         <p:spPr>
           <a:xfrm>
-            <a:off x="4722812" y="1447800"/>
-            <a:ext cx="6019800" cy="1143000"/>
+            <a:off x="814728" y="727522"/>
+            <a:ext cx="4852988" cy="1617163"/>
           </a:xfrm>
         </p:spPr>
         <p:txBody>
@@ -4249,7 +4462,7 @@
           </a:bodyPr>
           <a:lstStyle>
             <a:lvl1pPr algn="l">
-              <a:defRPr sz="2800" b="0"/>
+              <a:defRPr sz="2400" b="0"/>
             </a:lvl1pPr>
           </a:lstStyle>
           <a:p>
@@ -4263,81 +4476,106 @@
       </p:sp>
       <p:sp>
         <p:nvSpPr>
-          <p:cNvPr id="14" name="Picture Placeholder 2"/>
+          <p:cNvPr id="9" name="Picture Placeholder 11"/>
           <p:cNvSpPr>
             <a:spLocks noGrp="1" noChangeAspect="1"/>
           </p:cNvSpPr>
           <p:nvPr>
-            <p:ph type="pic" idx="1"/>
-          </p:nvPr>
-        </p:nvSpPr>
-        <p:spPr>
+            <p:ph type="pic" sz="quarter" idx="13"/>
+          </p:nvPr>
+        </p:nvSpPr>
+        <p:spPr bwMode="auto">
           <a:xfrm>
-            <a:off x="989012" y="914400"/>
-            <a:ext cx="3280974" cy="4572000"/>
+            <a:off x="6098117" y="0"/>
+            <a:ext cx="6093883" cy="6858000"/>
           </a:xfrm>
-          <a:prstGeom prst="snip2DiagRect">
-            <a:avLst>
-              <a:gd name="adj1" fmla="val 10815"/>
-              <a:gd name="adj2" fmla="val 0"/>
-            </a:avLst>
-          </a:prstGeom>
-          <a:ln w="15875">
+          <a:custGeom>
+            <a:avLst/>
+            <a:gdLst/>
+            <a:ahLst/>
+            <a:cxnLst/>
+            <a:rect l="0" t="0" r="r" b="b"/>
+            <a:pathLst>
+              <a:path w="2879" h="4320">
+                <a:moveTo>
+                  <a:pt x="183" y="0"/>
+                </a:moveTo>
+                <a:lnTo>
+                  <a:pt x="183" y="1197"/>
+                </a:lnTo>
+                <a:lnTo>
+                  <a:pt x="8" y="1372"/>
+                </a:lnTo>
+                <a:lnTo>
+                  <a:pt x="8" y="1372"/>
+                </a:lnTo>
+                <a:lnTo>
+                  <a:pt x="6" y="1376"/>
+                </a:lnTo>
+                <a:lnTo>
+                  <a:pt x="3" y="1382"/>
+                </a:lnTo>
+                <a:lnTo>
+                  <a:pt x="0" y="1387"/>
+                </a:lnTo>
+                <a:lnTo>
+                  <a:pt x="0" y="1393"/>
+                </a:lnTo>
+                <a:lnTo>
+                  <a:pt x="0" y="1399"/>
+                </a:lnTo>
+                <a:lnTo>
+                  <a:pt x="3" y="1404"/>
+                </a:lnTo>
+                <a:lnTo>
+                  <a:pt x="6" y="1410"/>
+                </a:lnTo>
+                <a:lnTo>
+                  <a:pt x="8" y="1414"/>
+                </a:lnTo>
+                <a:lnTo>
+                  <a:pt x="183" y="1589"/>
+                </a:lnTo>
+                <a:lnTo>
+                  <a:pt x="183" y="4320"/>
+                </a:lnTo>
+                <a:lnTo>
+                  <a:pt x="2879" y="4320"/>
+                </a:lnTo>
+                <a:lnTo>
+                  <a:pt x="2879" y="0"/>
+                </a:lnTo>
+                <a:lnTo>
+                  <a:pt x="183" y="0"/>
+                </a:lnTo>
+                <a:close/>
+              </a:path>
+            </a:pathLst>
+          </a:custGeom>
+          <a:noFill/>
+          <a:ln w="9525">
             <a:solidFill>
-              <a:schemeClr val="tx1">
-                <a:alpha val="40000"/>
-              </a:schemeClr>
+              <a:schemeClr val="tx2"/>
             </a:solidFill>
+            <a:round/>
+            <a:headEnd/>
+            <a:tailEnd/>
           </a:ln>
-          <a:effectLst>
-            <a:innerShdw blurRad="57150" dist="38100" dir="14460000">
-              <a:srgbClr val="000000">
-                <a:alpha val="70000"/>
-              </a:srgbClr>
-            </a:innerShdw>
-          </a:effectLst>
+          <a:effectLst/>
         </p:spPr>
         <p:txBody>
-          <a:bodyPr anchor="t">
+          <a:bodyPr wrap="square" numCol="1" anchor="t" anchorCtr="0" compatLnSpc="1">
+            <a:prstTxWarp prst="textNoShape">
+              <a:avLst/>
+            </a:prstTxWarp>
             <a:normAutofit/>
           </a:bodyPr>
           <a:lstStyle>
-            <a:lvl1pPr marL="0" indent="0" algn="ctr">
-              <a:buNone/>
-              <a:defRPr sz="1600"/>
+            <a:lvl1pPr algn="ctr">
+              <a:buFontTx/>
+              <a:buNone/>
+              <a:defRPr sz="1400"/>
             </a:lvl1pPr>
-            <a:lvl2pPr marL="457200" indent="0">
-              <a:buNone/>
-              <a:defRPr sz="1600"/>
-            </a:lvl2pPr>
-            <a:lvl3pPr marL="914400" indent="0">
-              <a:buNone/>
-              <a:defRPr sz="1600"/>
-            </a:lvl3pPr>
-            <a:lvl4pPr marL="1371600" indent="0">
-              <a:buNone/>
-              <a:defRPr sz="1600"/>
-            </a:lvl4pPr>
-            <a:lvl5pPr marL="1828800" indent="0">
-              <a:buNone/>
-              <a:defRPr sz="1600"/>
-            </a:lvl5pPr>
-            <a:lvl6pPr marL="2286000" indent="0">
-              <a:buNone/>
-              <a:defRPr sz="1600"/>
-            </a:lvl6pPr>
-            <a:lvl7pPr marL="2743200" indent="0">
-              <a:buNone/>
-              <a:defRPr sz="1600"/>
-            </a:lvl7pPr>
-            <a:lvl8pPr marL="3200400" indent="0">
-              <a:buNone/>
-              <a:defRPr sz="1600"/>
-            </a:lvl8pPr>
-            <a:lvl9pPr marL="3657600" indent="0">
-              <a:buNone/>
-              <a:defRPr sz="1600"/>
-            </a:lvl9pPr>
           </a:lstStyle>
           <a:p>
             <a:r>
@@ -4360,8 +4598,8 @@
         </p:nvSpPr>
         <p:spPr>
           <a:xfrm>
-            <a:off x="4722812" y="2777066"/>
-            <a:ext cx="6021388" cy="2048933"/>
+            <a:off x="814728" y="2344684"/>
+            <a:ext cx="4852988" cy="3516365"/>
           </a:xfrm>
         </p:spPr>
         <p:txBody>
@@ -4371,7 +4609,7 @@
           <a:lstStyle>
             <a:lvl1pPr marL="0" indent="0">
               <a:buNone/>
-              <a:defRPr sz="1800"/>
+              <a:defRPr sz="1200"/>
             </a:lvl1pPr>
             <a:lvl2pPr marL="457200" indent="0">
               <a:buNone/>
@@ -4425,7 +4663,12 @@
             <p:ph type="dt" sz="half" idx="10"/>
           </p:nvPr>
         </p:nvSpPr>
-        <p:spPr/>
+        <p:spPr>
+          <a:xfrm>
+            <a:off x="3885810" y="6041362"/>
+            <a:ext cx="976879" cy="365125"/>
+          </a:xfrm>
+        </p:spPr>
         <p:txBody>
           <a:bodyPr/>
           <a:lstStyle/>
@@ -4448,7 +4691,12 @@
             <p:ph type="ftr" sz="quarter" idx="11"/>
           </p:nvPr>
         </p:nvSpPr>
-        <p:spPr/>
+        <p:spPr>
+          <a:xfrm>
+            <a:off x="590396" y="6041362"/>
+            <a:ext cx="3295413" cy="365125"/>
+          </a:xfrm>
+        </p:spPr>
         <p:txBody>
           <a:bodyPr/>
           <a:lstStyle/>
@@ -4467,7 +4715,12 @@
             <p:ph type="sldNum" sz="quarter" idx="12"/>
           </p:nvPr>
         </p:nvSpPr>
-        <p:spPr/>
+        <p:spPr>
+          <a:xfrm>
+            <a:off x="4862689" y="5915888"/>
+            <a:ext cx="1062155" cy="490599"/>
+          </a:xfrm>
+        </p:spPr>
         <p:txBody>
           <a:bodyPr/>
           <a:lstStyle/>
@@ -4483,7 +4736,7 @@
     </p:spTree>
     <p:extLst>
       <p:ext uri="{BB962C8B-B14F-4D97-AF65-F5344CB8AC3E}">
-        <p14:creationId xmlns:p14="http://schemas.microsoft.com/office/powerpoint/2010/main" val="60151427"/>
+        <p14:creationId xmlns:p14="http://schemas.microsoft.com/office/powerpoint/2010/main" val="1377996741"/>
       </p:ext>
     </p:extLst>
   </p:cSld>
@@ -4497,7 +4750,7 @@
 <p:sldMaster xmlns:a="http://schemas.openxmlformats.org/drawingml/2006/main" xmlns:r="http://schemas.openxmlformats.org/officeDocument/2006/relationships" xmlns:p="http://schemas.openxmlformats.org/presentationml/2006/main">
   <p:cSld>
     <p:bg>
-      <p:bgRef idx="1002">
+      <p:bgRef idx="1001">
         <a:schemeClr val="bg2"/>
       </p:bgRef>
     </p:bg>
@@ -4515,196 +4768,6 @@
           <a:chExt cx="0" cy="0"/>
         </a:xfrm>
       </p:grpSpPr>
-      <p:grpSp>
-        <p:nvGrpSpPr>
-          <p:cNvPr id="7" name="Group 6"/>
-          <p:cNvGrpSpPr/>
-          <p:nvPr/>
-        </p:nvGrpSpPr>
-        <p:grpSpPr>
-          <a:xfrm>
-            <a:off x="9206969" y="2963333"/>
-            <a:ext cx="2981858" cy="3208867"/>
-            <a:chOff x="9206969" y="2963333"/>
-            <a:chExt cx="2981858" cy="3208867"/>
-          </a:xfrm>
-        </p:grpSpPr>
-        <p:cxnSp>
-          <p:nvCxnSpPr>
-            <p:cNvPr id="8" name="Straight Connector 7"/>
-            <p:cNvCxnSpPr/>
-            <p:nvPr/>
-          </p:nvCxnSpPr>
-          <p:spPr>
-            <a:xfrm flipH="1">
-              <a:off x="11276012" y="2963333"/>
-              <a:ext cx="912814" cy="912812"/>
-            </a:xfrm>
-            <a:prstGeom prst="line">
-              <a:avLst/>
-            </a:prstGeom>
-            <a:ln w="9525">
-              <a:solidFill>
-                <a:schemeClr val="tx1"/>
-              </a:solidFill>
-            </a:ln>
-          </p:spPr>
-          <p:style>
-            <a:lnRef idx="2">
-              <a:schemeClr val="accent1"/>
-            </a:lnRef>
-            <a:fillRef idx="0">
-              <a:schemeClr val="accent1"/>
-            </a:fillRef>
-            <a:effectRef idx="1">
-              <a:schemeClr val="accent1"/>
-            </a:effectRef>
-            <a:fontRef idx="minor">
-              <a:schemeClr val="tx1"/>
-            </a:fontRef>
-          </p:style>
-        </p:cxnSp>
-        <p:cxnSp>
-          <p:nvCxnSpPr>
-            <p:cNvPr id="9" name="Straight Connector 8"/>
-            <p:cNvCxnSpPr/>
-            <p:nvPr/>
-          </p:nvCxnSpPr>
-          <p:spPr>
-            <a:xfrm flipH="1">
-              <a:off x="9206969" y="3190344"/>
-              <a:ext cx="2981857" cy="2981856"/>
-            </a:xfrm>
-            <a:prstGeom prst="line">
-              <a:avLst/>
-            </a:prstGeom>
-            <a:ln w="9525">
-              <a:solidFill>
-                <a:schemeClr val="tx1"/>
-              </a:solidFill>
-            </a:ln>
-          </p:spPr>
-          <p:style>
-            <a:lnRef idx="2">
-              <a:schemeClr val="accent1"/>
-            </a:lnRef>
-            <a:fillRef idx="0">
-              <a:schemeClr val="accent1"/>
-            </a:fillRef>
-            <a:effectRef idx="1">
-              <a:schemeClr val="accent1"/>
-            </a:effectRef>
-            <a:fontRef idx="minor">
-              <a:schemeClr val="tx1"/>
-            </a:fontRef>
-          </p:style>
-        </p:cxnSp>
-        <p:cxnSp>
-          <p:nvCxnSpPr>
-            <p:cNvPr id="10" name="Straight Connector 9"/>
-            <p:cNvCxnSpPr/>
-            <p:nvPr/>
-          </p:nvCxnSpPr>
-          <p:spPr>
-            <a:xfrm flipH="1">
-              <a:off x="10292292" y="3285067"/>
-              <a:ext cx="1896534" cy="1896533"/>
-            </a:xfrm>
-            <a:prstGeom prst="line">
-              <a:avLst/>
-            </a:prstGeom>
-            <a:ln w="9525">
-              <a:solidFill>
-                <a:schemeClr val="tx1"/>
-              </a:solidFill>
-            </a:ln>
-          </p:spPr>
-          <p:style>
-            <a:lnRef idx="2">
-              <a:schemeClr val="accent1"/>
-            </a:lnRef>
-            <a:fillRef idx="0">
-              <a:schemeClr val="accent1"/>
-            </a:fillRef>
-            <a:effectRef idx="1">
-              <a:schemeClr val="accent1"/>
-            </a:effectRef>
-            <a:fontRef idx="minor">
-              <a:schemeClr val="tx1"/>
-            </a:fontRef>
-          </p:style>
-        </p:cxnSp>
-        <p:cxnSp>
-          <p:nvCxnSpPr>
-            <p:cNvPr id="11" name="Straight Connector 10"/>
-            <p:cNvCxnSpPr/>
-            <p:nvPr/>
-          </p:nvCxnSpPr>
-          <p:spPr>
-            <a:xfrm flipH="1">
-              <a:off x="10443103" y="3131080"/>
-              <a:ext cx="1745722" cy="1745720"/>
-            </a:xfrm>
-            <a:prstGeom prst="line">
-              <a:avLst/>
-            </a:prstGeom>
-            <a:ln w="28575">
-              <a:solidFill>
-                <a:schemeClr val="tx1"/>
-              </a:solidFill>
-            </a:ln>
-          </p:spPr>
-          <p:style>
-            <a:lnRef idx="2">
-              <a:schemeClr val="accent1"/>
-            </a:lnRef>
-            <a:fillRef idx="0">
-              <a:schemeClr val="accent1"/>
-            </a:fillRef>
-            <a:effectRef idx="1">
-              <a:schemeClr val="accent1"/>
-            </a:effectRef>
-            <a:fontRef idx="minor">
-              <a:schemeClr val="tx1"/>
-            </a:fontRef>
-          </p:style>
-        </p:cxnSp>
-        <p:cxnSp>
-          <p:nvCxnSpPr>
-            <p:cNvPr id="12" name="Straight Connector 11"/>
-            <p:cNvCxnSpPr/>
-            <p:nvPr/>
-          </p:nvCxnSpPr>
-          <p:spPr>
-            <a:xfrm flipH="1">
-              <a:off x="10918826" y="3683001"/>
-              <a:ext cx="1270001" cy="1269999"/>
-            </a:xfrm>
-            <a:prstGeom prst="line">
-              <a:avLst/>
-            </a:prstGeom>
-            <a:ln w="28575">
-              <a:solidFill>
-                <a:schemeClr val="tx1"/>
-              </a:solidFill>
-            </a:ln>
-          </p:spPr>
-          <p:style>
-            <a:lnRef idx="2">
-              <a:schemeClr val="accent1"/>
-            </a:lnRef>
-            <a:fillRef idx="0">
-              <a:schemeClr val="accent1"/>
-            </a:fillRef>
-            <a:effectRef idx="1">
-              <a:schemeClr val="accent1"/>
-            </a:effectRef>
-            <a:fontRef idx="minor">
-              <a:schemeClr val="tx1"/>
-            </a:fontRef>
-          </p:style>
-        </p:cxnSp>
-      </p:grpSp>
       <p:sp>
         <p:nvSpPr>
           <p:cNvPr id="2" name="Title Placeholder 1"/>
@@ -4717,13 +4780,59 @@
         </p:nvSpPr>
         <p:spPr>
           <a:xfrm>
-            <a:off x="684212" y="4487332"/>
-            <a:ext cx="8534400" cy="1507067"/>
+            <a:off x="810000" y="447188"/>
+            <a:ext cx="10571998" cy="970450"/>
           </a:xfrm>
           <a:prstGeom prst="rect">
             <a:avLst/>
           </a:prstGeom>
-          <a:effectLst/>
+          <a:effectLst>
+            <a:outerShdw blurRad="50800" dir="14400000">
+              <a:srgbClr val="000000">
+                <a:alpha val="60000"/>
+              </a:srgbClr>
+            </a:outerShdw>
+          </a:effectLst>
+        </p:spPr>
+        <p:txBody>
+          <a:bodyPr vert="horz" lIns="91440" tIns="45720" rIns="91440" bIns="45720" rtlCol="0" anchor="b">
+            <a:noAutofit/>
+          </a:bodyPr>
+          <a:lstStyle/>
+          <a:p>
+            <a:r>
+              <a:rPr lang="pt-BR" smtClean="0"/>
+              <a:t>Clique para editar o título mestre</a:t>
+            </a:r>
+            <a:endParaRPr lang="en-US" dirty="0"/>
+          </a:p>
+        </p:txBody>
+      </p:sp>
+      <p:sp>
+        <p:nvSpPr>
+          <p:cNvPr id="3" name="Text Placeholder 2"/>
+          <p:cNvSpPr>
+            <a:spLocks noGrp="1"/>
+          </p:cNvSpPr>
+          <p:nvPr>
+            <p:ph type="body" idx="1"/>
+          </p:nvPr>
+        </p:nvSpPr>
+        <p:spPr>
+          <a:xfrm>
+            <a:off x="810000" y="2184401"/>
+            <a:ext cx="10563285" cy="3674397"/>
+          </a:xfrm>
+          <a:prstGeom prst="rect">
+            <a:avLst/>
+          </a:prstGeom>
+          <a:effectLst>
+            <a:outerShdw blurRad="50800" dir="14400000">
+              <a:srgbClr val="000000">
+                <a:alpha val="40000"/>
+              </a:srgbClr>
+            </a:outerShdw>
+          </a:effectLst>
         </p:spPr>
         <p:txBody>
           <a:bodyPr vert="horz" lIns="91440" tIns="45720" rIns="91440" bIns="45720" rtlCol="0" anchor="ctr">
@@ -4731,9 +4840,38 @@
           </a:bodyPr>
           <a:lstStyle/>
           <a:p>
-            <a:r>
-              <a:rPr lang="pt-BR" smtClean="0"/>
-              <a:t>Clique para editar o título mestre</a:t>
+            <a:pPr lvl="0"/>
+            <a:r>
+              <a:rPr lang="pt-BR" smtClean="0"/>
+              <a:t>Editar estilos de texto Mestre</a:t>
+            </a:r>
+          </a:p>
+          <a:p>
+            <a:pPr lvl="1"/>
+            <a:r>
+              <a:rPr lang="pt-BR" smtClean="0"/>
+              <a:t>Segundo nível</a:t>
+            </a:r>
+          </a:p>
+          <a:p>
+            <a:pPr lvl="2"/>
+            <a:r>
+              <a:rPr lang="pt-BR" smtClean="0"/>
+              <a:t>Terceiro nível</a:t>
+            </a:r>
+          </a:p>
+          <a:p>
+            <a:pPr lvl="3"/>
+            <a:r>
+              <a:rPr lang="pt-BR" smtClean="0"/>
+              <a:t>Quarto nível</a:t>
+            </a:r>
+          </a:p>
+          <a:p>
+            <a:pPr lvl="4"/>
+            <a:r>
+              <a:rPr lang="pt-BR" smtClean="0"/>
+              <a:t>Quinto nível</a:t>
             </a:r>
             <a:endParaRPr lang="en-US" dirty="0"/>
           </a:p>
@@ -4741,63 +4879,36 @@
       </p:sp>
       <p:sp>
         <p:nvSpPr>
-          <p:cNvPr id="3" name="Text Placeholder 2"/>
-          <p:cNvSpPr>
-            <a:spLocks noGrp="1"/>
-          </p:cNvSpPr>
-          <p:nvPr>
-            <p:ph type="body" idx="1"/>
+          <p:cNvPr id="5" name="Footer Placeholder 4"/>
+          <p:cNvSpPr>
+            <a:spLocks noGrp="1"/>
+          </p:cNvSpPr>
+          <p:nvPr>
+            <p:ph type="ftr" sz="quarter" idx="3"/>
           </p:nvPr>
         </p:nvSpPr>
         <p:spPr>
           <a:xfrm>
-            <a:off x="684212" y="685800"/>
-            <a:ext cx="8534400" cy="3615267"/>
+            <a:off x="451514" y="6041362"/>
+            <a:ext cx="8644320" cy="365125"/>
           </a:xfrm>
           <a:prstGeom prst="rect">
             <a:avLst/>
           </a:prstGeom>
         </p:spPr>
         <p:txBody>
-          <a:bodyPr vert="horz" lIns="91440" tIns="45720" rIns="91440" bIns="45720" rtlCol="0" anchor="ctr">
-            <a:normAutofit/>
-          </a:bodyPr>
-          <a:lstStyle/>
-          <a:p>
-            <a:pPr lvl="0"/>
-            <a:r>
-              <a:rPr lang="pt-BR" smtClean="0"/>
-              <a:t>Editar estilos de texto Mestre</a:t>
-            </a:r>
-          </a:p>
-          <a:p>
-            <a:pPr lvl="1"/>
-            <a:r>
-              <a:rPr lang="pt-BR" smtClean="0"/>
-              <a:t>Segundo nível</a:t>
-            </a:r>
-          </a:p>
-          <a:p>
-            <a:pPr lvl="2"/>
-            <a:r>
-              <a:rPr lang="pt-BR" smtClean="0"/>
-              <a:t>Terceiro nível</a:t>
-            </a:r>
-          </a:p>
-          <a:p>
-            <a:pPr lvl="3"/>
-            <a:r>
-              <a:rPr lang="pt-BR" smtClean="0"/>
-              <a:t>Quarto nível</a:t>
-            </a:r>
-          </a:p>
-          <a:p>
-            <a:pPr lvl="4"/>
-            <a:r>
-              <a:rPr lang="pt-BR" smtClean="0"/>
-              <a:t>Quinto nível</a:t>
-            </a:r>
-            <a:endParaRPr lang="en-US" dirty="0"/>
+          <a:bodyPr vert="horz" lIns="91440" tIns="45720" rIns="91440" bIns="45720" rtlCol="0" anchor="b"/>
+          <a:lstStyle>
+            <a:lvl1pPr algn="l">
+              <a:defRPr sz="900">
+                <a:solidFill>
+                  <a:schemeClr val="tx1"/>
+                </a:solidFill>
+              </a:defRPr>
+            </a:lvl1pPr>
+          </a:lstStyle>
+          <a:p>
+            <a:endParaRPr lang="pt-BR"/>
           </a:p>
         </p:txBody>
       </p:sp>
@@ -4813,25 +4924,21 @@
         </p:nvSpPr>
         <p:spPr>
           <a:xfrm>
-            <a:off x="9904412" y="6172200"/>
-            <a:ext cx="1600200" cy="365125"/>
+            <a:off x="9334626" y="6041362"/>
+            <a:ext cx="1343706" cy="365125"/>
           </a:xfrm>
           <a:prstGeom prst="rect">
             <a:avLst/>
           </a:prstGeom>
         </p:spPr>
         <p:txBody>
-          <a:bodyPr vert="horz" lIns="91440" tIns="45720" rIns="91440" bIns="45720" rtlCol="0" anchor="t"/>
+          <a:bodyPr vert="horz" lIns="91440" tIns="45720" rIns="91440" bIns="45720" rtlCol="0" anchor="b"/>
           <a:lstStyle>
             <a:lvl1pPr algn="r">
-              <a:defRPr sz="1000" b="0" i="0">
-                <a:solidFill>
-                  <a:schemeClr val="bg2">
-                    <a:lumMod val="50000"/>
-                  </a:schemeClr>
-                </a:solidFill>
-                <a:effectLst/>
-                <a:latin typeface="+mn-lt"/>
+              <a:defRPr sz="900">
+                <a:solidFill>
+                  <a:schemeClr val="tx1"/>
+                </a:solidFill>
               </a:defRPr>
             </a:lvl1pPr>
           </a:lstStyle>
@@ -4846,78 +4953,35 @@
       </p:sp>
       <p:sp>
         <p:nvSpPr>
-          <p:cNvPr id="5" name="Footer Placeholder 4"/>
-          <p:cNvSpPr>
-            <a:spLocks noGrp="1"/>
-          </p:cNvSpPr>
-          <p:nvPr>
-            <p:ph type="ftr" sz="quarter" idx="3"/>
+          <p:cNvPr id="6" name="Slide Number Placeholder 5"/>
+          <p:cNvSpPr>
+            <a:spLocks noGrp="1"/>
+          </p:cNvSpPr>
+          <p:nvPr>
+            <p:ph type="sldNum" sz="quarter" idx="4"/>
           </p:nvPr>
         </p:nvSpPr>
         <p:spPr>
           <a:xfrm>
-            <a:off x="684212" y="6172200"/>
-            <a:ext cx="7543800" cy="365125"/>
+            <a:off x="10678331" y="5915888"/>
+            <a:ext cx="1062155" cy="490599"/>
           </a:xfrm>
           <a:prstGeom prst="rect">
             <a:avLst/>
           </a:prstGeom>
         </p:spPr>
         <p:txBody>
-          <a:bodyPr vert="horz" lIns="91440" tIns="45720" rIns="91440" bIns="45720" rtlCol="0" anchor="t"/>
+          <a:bodyPr vert="horz" lIns="91440" tIns="45720" rIns="91440" bIns="10800" rtlCol="0" anchor="b"/>
           <a:lstStyle>
-            <a:lvl1pPr algn="l">
-              <a:defRPr sz="1000" b="0" i="0">
-                <a:solidFill>
-                  <a:schemeClr val="bg2">
-                    <a:lumMod val="50000"/>
-                  </a:schemeClr>
-                </a:solidFill>
-                <a:effectLst/>
-                <a:latin typeface="+mn-lt"/>
+            <a:lvl1pPr algn="r">
+              <a:defRPr sz="2000">
+                <a:solidFill>
+                  <a:schemeClr val="accent1"/>
+                </a:solidFill>
               </a:defRPr>
             </a:lvl1pPr>
           </a:lstStyle>
           <a:p>
-            <a:endParaRPr lang="pt-BR"/>
-          </a:p>
-        </p:txBody>
-      </p:sp>
-      <p:sp>
-        <p:nvSpPr>
-          <p:cNvPr id="6" name="Slide Number Placeholder 5"/>
-          <p:cNvSpPr>
-            <a:spLocks noGrp="1"/>
-          </p:cNvSpPr>
-          <p:nvPr>
-            <p:ph type="sldNum" sz="quarter" idx="4"/>
-          </p:nvPr>
-        </p:nvSpPr>
-        <p:spPr>
-          <a:xfrm>
-            <a:off x="10363200" y="5578475"/>
-            <a:ext cx="1142245" cy="669925"/>
-          </a:xfrm>
-          <a:prstGeom prst="rect">
-            <a:avLst/>
-          </a:prstGeom>
-        </p:spPr>
-        <p:txBody>
-          <a:bodyPr vert="horz" lIns="91440" tIns="45720" rIns="91440" bIns="45720" rtlCol="0" anchor="b"/>
-          <a:lstStyle>
-            <a:lvl1pPr algn="r">
-              <a:defRPr sz="3200" b="0" i="0">
-                <a:solidFill>
-                  <a:schemeClr val="bg2">
-                    <a:lumMod val="50000"/>
-                  </a:schemeClr>
-                </a:solidFill>
-                <a:effectLst/>
-                <a:latin typeface="+mn-lt"/>
-              </a:defRPr>
-            </a:lvl1pPr>
-          </a:lstStyle>
-          <a:p>
             <a:fld id="{21695821-8110-41DE-A39F-3520BB61B09F}" type="slidenum">
               <a:rPr lang="pt-BR" smtClean="0"/>
               <a:t>‹nº›</a:t>
@@ -4929,29 +4993,26 @@
     </p:spTree>
     <p:extLst>
       <p:ext uri="{BB962C8B-B14F-4D97-AF65-F5344CB8AC3E}">
-        <p14:creationId xmlns:p14="http://schemas.microsoft.com/office/powerpoint/2010/main" val="677372440"/>
+        <p14:creationId xmlns:p14="http://schemas.microsoft.com/office/powerpoint/2010/main" val="2285531416"/>
       </p:ext>
     </p:extLst>
   </p:cSld>
   <p:clrMap bg1="dk1" tx1="lt1" bg2="dk2" tx2="lt2" accent1="accent1" accent2="accent2" accent3="accent3" accent4="accent4" accent5="accent5" accent6="accent6" hlink="hlink" folHlink="folHlink"/>
   <p:sldLayoutIdLst>
-    <p:sldLayoutId id="2147483661" r:id="rId1"/>
-    <p:sldLayoutId id="2147483662" r:id="rId2"/>
-    <p:sldLayoutId id="2147483663" r:id="rId3"/>
-    <p:sldLayoutId id="2147483664" r:id="rId4"/>
-    <p:sldLayoutId id="2147483665" r:id="rId5"/>
-    <p:sldLayoutId id="2147483666" r:id="rId6"/>
-    <p:sldLayoutId id="2147483667" r:id="rId7"/>
-    <p:sldLayoutId id="2147483668" r:id="rId8"/>
-    <p:sldLayoutId id="2147483669" r:id="rId9"/>
-    <p:sldLayoutId id="2147483670" r:id="rId10"/>
-    <p:sldLayoutId id="2147483671" r:id="rId11"/>
-    <p:sldLayoutId id="2147483672" r:id="rId12"/>
-    <p:sldLayoutId id="2147483673" r:id="rId13"/>
-    <p:sldLayoutId id="2147483674" r:id="rId14"/>
-    <p:sldLayoutId id="2147483675" r:id="rId15"/>
-    <p:sldLayoutId id="2147483676" r:id="rId16"/>
-    <p:sldLayoutId id="2147483677" r:id="rId17"/>
+    <p:sldLayoutId id="2147483762" r:id="rId1"/>
+    <p:sldLayoutId id="2147483763" r:id="rId2"/>
+    <p:sldLayoutId id="2147483764" r:id="rId3"/>
+    <p:sldLayoutId id="2147483765" r:id="rId4"/>
+    <p:sldLayoutId id="2147483766" r:id="rId5"/>
+    <p:sldLayoutId id="2147483767" r:id="rId6"/>
+    <p:sldLayoutId id="2147483768" r:id="rId7"/>
+    <p:sldLayoutId id="2147483769" r:id="rId8"/>
+    <p:sldLayoutId id="2147483770" r:id="rId9"/>
+    <p:sldLayoutId id="2147483771" r:id="rId10"/>
+    <p:sldLayoutId id="2147483772" r:id="rId11"/>
+    <p:sldLayoutId id="2147483773" r:id="rId12"/>
+    <p:sldLayoutId id="2147483774" r:id="rId13"/>
+    <p:sldLayoutId id="2147483775" r:id="rId14"/>
   </p:sldLayoutIdLst>
   <p:txStyles>
     <p:titleStyle>
@@ -4960,14 +5021,10 @@
           <a:spcPct val="0"/>
         </a:spcBef>
         <a:buNone/>
-        <a:defRPr sz="3600" kern="1200" cap="all">
-          <a:ln w="3175" cmpd="sng">
-            <a:noFill/>
-          </a:ln>
+        <a:defRPr sz="4000" b="1" kern="1200">
           <a:solidFill>
-            <a:schemeClr val="tx1"/>
+            <a:srgbClr val="FEFEFE"/>
           </a:solidFill>
-          <a:effectLst/>
           <a:latin typeface="+mj-lt"/>
           <a:ea typeface="+mj-ea"/>
           <a:cs typeface="+mj-cs"/>
@@ -5031,7 +5088,7 @@
       </a:lvl9pPr>
     </p:titleStyle>
     <p:bodyStyle>
-      <a:lvl1pPr marL="285750" indent="-285750" algn="l" defTabSz="457200" rtl="0" eaLnBrk="1" latinLnBrk="0" hangingPunct="1">
+      <a:lvl1pPr marL="342900" indent="-342900" algn="l" defTabSz="457200" rtl="0" eaLnBrk="1" latinLnBrk="0" hangingPunct="1">
         <a:spcBef>
           <a:spcPct val="20000"/>
         </a:spcBef>
@@ -5039,18 +5096,14 @@
           <a:spcPts val="600"/>
         </a:spcAft>
         <a:buClr>
-          <a:schemeClr val="tx1"/>
+          <a:schemeClr val="accent1"/>
         </a:buClr>
-        <a:buSzPct val="80000"/>
-        <a:buFont typeface="Wingdings 3" panose="05040102010807070707" pitchFamily="18" charset="2"/>
-        <a:buChar char=""/>
-        <a:defRPr sz="2000" kern="1200" cap="none">
+        <a:buFont typeface="Wingdings 2" charset="2"/>
+        <a:buChar char=""/>
+        <a:defRPr sz="1800" kern="1200">
           <a:solidFill>
-            <a:schemeClr val="bg2">
-              <a:lumMod val="75000"/>
-            </a:schemeClr>
+            <a:schemeClr val="tx1"/>
           </a:solidFill>
-          <a:effectLst/>
           <a:latin typeface="+mn-lt"/>
           <a:ea typeface="+mn-ea"/>
           <a:cs typeface="+mn-cs"/>
@@ -5064,24 +5117,20 @@
           <a:spcPts val="600"/>
         </a:spcAft>
         <a:buClr>
-          <a:schemeClr val="tx1"/>
+          <a:schemeClr val="accent1"/>
         </a:buClr>
-        <a:buSzPct val="80000"/>
-        <a:buFont typeface="Wingdings 3" panose="05040102010807070707" pitchFamily="18" charset="2"/>
-        <a:buChar char=""/>
-        <a:defRPr sz="1800" kern="1200" cap="none">
+        <a:buFont typeface="Wingdings 2" charset="2"/>
+        <a:buChar char=""/>
+        <a:defRPr sz="1600" kern="1200">
           <a:solidFill>
-            <a:schemeClr val="bg2">
-              <a:lumMod val="75000"/>
-            </a:schemeClr>
+            <a:schemeClr val="tx1"/>
           </a:solidFill>
-          <a:effectLst/>
           <a:latin typeface="+mn-lt"/>
           <a:ea typeface="+mn-ea"/>
           <a:cs typeface="+mn-cs"/>
         </a:defRPr>
       </a:lvl2pPr>
-      <a:lvl3pPr marL="1200150" indent="-285750" algn="l" defTabSz="457200" rtl="0" eaLnBrk="1" latinLnBrk="0" hangingPunct="1">
+      <a:lvl3pPr marL="1143000" indent="-228600" algn="l" defTabSz="457200" rtl="0" eaLnBrk="1" latinLnBrk="0" hangingPunct="1">
         <a:spcBef>
           <a:spcPct val="20000"/>
         </a:spcBef>
@@ -5089,24 +5138,20 @@
           <a:spcPts val="600"/>
         </a:spcAft>
         <a:buClr>
-          <a:schemeClr val="tx1"/>
+          <a:schemeClr val="accent1"/>
         </a:buClr>
-        <a:buSzPct val="80000"/>
-        <a:buFont typeface="Wingdings 3" panose="05040102010807070707" pitchFamily="18" charset="2"/>
-        <a:buChar char=""/>
-        <a:defRPr sz="1600" kern="1200" cap="none">
+        <a:buFont typeface="Wingdings 2" charset="2"/>
+        <a:buChar char=""/>
+        <a:defRPr sz="1400" kern="1200">
           <a:solidFill>
-            <a:schemeClr val="bg2">
-              <a:lumMod val="75000"/>
-            </a:schemeClr>
+            <a:schemeClr val="tx1"/>
           </a:solidFill>
-          <a:effectLst/>
           <a:latin typeface="+mn-lt"/>
           <a:ea typeface="+mn-ea"/>
           <a:cs typeface="+mn-cs"/>
         </a:defRPr>
       </a:lvl3pPr>
-      <a:lvl4pPr marL="1543050" indent="-171450" algn="l" defTabSz="457200" rtl="0" eaLnBrk="1" latinLnBrk="0" hangingPunct="1">
+      <a:lvl4pPr marL="1600200" indent="-228600" algn="l" defTabSz="457200" rtl="0" eaLnBrk="1" latinLnBrk="0" hangingPunct="1">
         <a:spcBef>
           <a:spcPct val="20000"/>
         </a:spcBef>
@@ -5114,24 +5159,20 @@
           <a:spcPts val="600"/>
         </a:spcAft>
         <a:buClr>
-          <a:schemeClr val="tx1"/>
+          <a:schemeClr val="accent1"/>
         </a:buClr>
-        <a:buSzPct val="80000"/>
-        <a:buFont typeface="Wingdings 3" panose="05040102010807070707" pitchFamily="18" charset="2"/>
-        <a:buChar char=""/>
-        <a:defRPr sz="1400" kern="1200" cap="none">
+        <a:buFont typeface="Wingdings 2" charset="2"/>
+        <a:buChar char=""/>
+        <a:defRPr sz="1200" kern="1200">
           <a:solidFill>
-            <a:schemeClr val="bg2">
-              <a:lumMod val="75000"/>
-            </a:schemeClr>
+            <a:schemeClr val="tx1"/>
           </a:solidFill>
-          <a:effectLst/>
           <a:latin typeface="+mn-lt"/>
           <a:ea typeface="+mn-ea"/>
           <a:cs typeface="+mn-cs"/>
         </a:defRPr>
       </a:lvl4pPr>
-      <a:lvl5pPr marL="2000250" indent="-171450" algn="l" defTabSz="457200" rtl="0" eaLnBrk="1" latinLnBrk="0" hangingPunct="1">
+      <a:lvl5pPr marL="2057400" indent="-228600" algn="l" defTabSz="457200" rtl="0" eaLnBrk="1" latinLnBrk="0" hangingPunct="1">
         <a:spcBef>
           <a:spcPct val="20000"/>
         </a:spcBef>
@@ -5139,24 +5180,20 @@
           <a:spcPts val="600"/>
         </a:spcAft>
         <a:buClr>
-          <a:schemeClr val="tx1"/>
+          <a:schemeClr val="accent1"/>
         </a:buClr>
-        <a:buSzPct val="80000"/>
-        <a:buFont typeface="Wingdings 3" panose="05040102010807070707" pitchFamily="18" charset="2"/>
-        <a:buChar char=""/>
-        <a:defRPr sz="1400" kern="1200" cap="none">
+        <a:buFont typeface="Wingdings 2" charset="2"/>
+        <a:buChar char=""/>
+        <a:defRPr sz="1200" kern="1200">
           <a:solidFill>
-            <a:schemeClr val="bg2">
-              <a:lumMod val="75000"/>
-            </a:schemeClr>
+            <a:schemeClr val="tx1"/>
           </a:solidFill>
-          <a:effectLst/>
           <a:latin typeface="+mn-lt"/>
           <a:ea typeface="+mn-ea"/>
           <a:cs typeface="+mn-cs"/>
         </a:defRPr>
       </a:lvl5pPr>
-      <a:lvl6pPr marL="2514600" indent="-228600" algn="l" defTabSz="457200" rtl="0" eaLnBrk="1" latinLnBrk="0" hangingPunct="1">
+      <a:lvl6pPr marL="2400000" indent="-228600" algn="l" defTabSz="457200" rtl="0" eaLnBrk="1" latinLnBrk="0" hangingPunct="1">
         <a:spcBef>
           <a:spcPct val="20000"/>
         </a:spcBef>
@@ -5164,24 +5201,20 @@
           <a:spcPts val="600"/>
         </a:spcAft>
         <a:buClr>
-          <a:schemeClr val="tx1"/>
+          <a:schemeClr val="accent1"/>
         </a:buClr>
-        <a:buSzPct val="80000"/>
-        <a:buFont typeface="Wingdings 3" panose="05040102010807070707" pitchFamily="18" charset="2"/>
-        <a:buChar char=""/>
-        <a:defRPr sz="1400" kern="1200" cap="none">
+        <a:buFont typeface="Wingdings 2" charset="2"/>
+        <a:buChar char=""/>
+        <a:defRPr sz="1200" kern="1200">
           <a:solidFill>
-            <a:schemeClr val="bg2">
-              <a:lumMod val="75000"/>
-            </a:schemeClr>
+            <a:schemeClr val="tx1"/>
           </a:solidFill>
-          <a:effectLst/>
           <a:latin typeface="+mn-lt"/>
           <a:ea typeface="+mn-ea"/>
           <a:cs typeface="+mn-cs"/>
         </a:defRPr>
       </a:lvl6pPr>
-      <a:lvl7pPr marL="2971800" indent="-228600" algn="l" defTabSz="457200" rtl="0" eaLnBrk="1" latinLnBrk="0" hangingPunct="1">
+      <a:lvl7pPr marL="2800000" indent="-228600" algn="l" defTabSz="457200" rtl="0" eaLnBrk="1" latinLnBrk="0" hangingPunct="1">
         <a:spcBef>
           <a:spcPct val="20000"/>
         </a:spcBef>
@@ -5189,24 +5222,20 @@
           <a:spcPts val="600"/>
         </a:spcAft>
         <a:buClr>
-          <a:schemeClr val="tx1"/>
+          <a:schemeClr val="accent1"/>
         </a:buClr>
-        <a:buSzPct val="80000"/>
-        <a:buFont typeface="Wingdings 3" panose="05040102010807070707" pitchFamily="18" charset="2"/>
-        <a:buChar char=""/>
-        <a:defRPr sz="1400" kern="1200" cap="none">
+        <a:buFont typeface="Wingdings 2" charset="2"/>
+        <a:buChar char=""/>
+        <a:defRPr sz="1200" kern="1200">
           <a:solidFill>
-            <a:schemeClr val="bg2">
-              <a:lumMod val="75000"/>
-            </a:schemeClr>
+            <a:schemeClr val="tx1"/>
           </a:solidFill>
-          <a:effectLst/>
           <a:latin typeface="+mn-lt"/>
           <a:ea typeface="+mn-ea"/>
           <a:cs typeface="+mn-cs"/>
         </a:defRPr>
       </a:lvl7pPr>
-      <a:lvl8pPr marL="3429000" indent="-228600" algn="l" defTabSz="457200" rtl="0" eaLnBrk="1" latinLnBrk="0" hangingPunct="1">
+      <a:lvl8pPr marL="3200000" indent="-228600" algn="l" defTabSz="457200" rtl="0" eaLnBrk="1" latinLnBrk="0" hangingPunct="1">
         <a:spcBef>
           <a:spcPct val="20000"/>
         </a:spcBef>
@@ -5214,24 +5243,20 @@
           <a:spcPts val="600"/>
         </a:spcAft>
         <a:buClr>
-          <a:schemeClr val="tx1"/>
+          <a:schemeClr val="accent1"/>
         </a:buClr>
-        <a:buSzPct val="80000"/>
-        <a:buFont typeface="Wingdings 3" panose="05040102010807070707" pitchFamily="18" charset="2"/>
-        <a:buChar char=""/>
-        <a:defRPr sz="1400" kern="1200" cap="none">
+        <a:buFont typeface="Wingdings 2" charset="2"/>
+        <a:buChar char=""/>
+        <a:defRPr sz="1200" kern="1200">
           <a:solidFill>
-            <a:schemeClr val="bg2">
-              <a:lumMod val="75000"/>
-            </a:schemeClr>
+            <a:schemeClr val="tx1"/>
           </a:solidFill>
-          <a:effectLst/>
           <a:latin typeface="+mn-lt"/>
           <a:ea typeface="+mn-ea"/>
           <a:cs typeface="+mn-cs"/>
         </a:defRPr>
       </a:lvl8pPr>
-      <a:lvl9pPr marL="3886200" indent="-228600" algn="l" defTabSz="457200" rtl="0" eaLnBrk="1" latinLnBrk="0" hangingPunct="1">
+      <a:lvl9pPr marL="3600000" indent="-228600" algn="l" defTabSz="457200" rtl="0" eaLnBrk="1" latinLnBrk="0" hangingPunct="1">
         <a:spcBef>
           <a:spcPct val="20000"/>
         </a:spcBef>
@@ -5239,18 +5264,14 @@
           <a:spcPts val="600"/>
         </a:spcAft>
         <a:buClr>
-          <a:schemeClr val="tx1"/>
+          <a:schemeClr val="accent1"/>
         </a:buClr>
-        <a:buSzPct val="80000"/>
-        <a:buFont typeface="Wingdings 3" panose="05040102010807070707" pitchFamily="18" charset="2"/>
-        <a:buChar char=""/>
-        <a:defRPr sz="1400" kern="1200" cap="none">
+        <a:buFont typeface="Wingdings 2" charset="2"/>
+        <a:buChar char=""/>
+        <a:defRPr sz="1200" kern="1200">
           <a:solidFill>
-            <a:schemeClr val="bg2">
-              <a:lumMod val="75000"/>
-            </a:schemeClr>
+            <a:schemeClr val="tx1"/>
           </a:solidFill>
-          <a:effectLst/>
           <a:latin typeface="+mn-lt"/>
           <a:ea typeface="+mn-ea"/>
           <a:cs typeface="+mn-cs"/>
@@ -5390,7 +5411,9 @@
           </a:xfrm>
         </p:spPr>
         <p:txBody>
-          <a:bodyPr/>
+          <a:bodyPr>
+            <a:normAutofit fontScale="90000"/>
+          </a:bodyPr>
           <a:lstStyle/>
           <a:p>
             <a:r>
@@ -5413,17 +5436,19 @@
         </p:nvSpPr>
         <p:spPr>
           <a:xfrm>
-            <a:off x="5621972" y="4692952"/>
+            <a:off x="5791200" y="3425854"/>
             <a:ext cx="6400800" cy="1947333"/>
           </a:xfrm>
         </p:spPr>
         <p:txBody>
-          <a:bodyPr/>
+          <a:bodyPr>
+            <a:normAutofit/>
+          </a:bodyPr>
           <a:lstStyle/>
           <a:p>
             <a:pPr algn="r"/>
             <a:r>
-              <a:rPr lang="pt-BR" dirty="0" err="1" smtClean="0">
+              <a:rPr lang="pt-BR" sz="2400" dirty="0" err="1" smtClean="0">
                 <a:solidFill>
                   <a:schemeClr val="bg1"/>
                 </a:solidFill>
@@ -5431,7 +5456,7 @@
               <a:t>Alezi</a:t>
             </a:r>
             <a:r>
-              <a:rPr lang="pt-BR" dirty="0" smtClean="0">
+              <a:rPr lang="pt-BR" sz="2400" dirty="0" smtClean="0">
                 <a:solidFill>
                   <a:schemeClr val="bg1"/>
                 </a:solidFill>
@@ -5442,7 +5467,7 @@
           <a:p>
             <a:pPr algn="r"/>
             <a:r>
-              <a:rPr lang="pt-BR" dirty="0" smtClean="0">
+              <a:rPr lang="pt-BR" sz="2400" dirty="0" smtClean="0">
                 <a:solidFill>
                   <a:schemeClr val="bg1"/>
                 </a:solidFill>
@@ -5453,14 +5478,14 @@
           <a:p>
             <a:pPr algn="r"/>
             <a:r>
-              <a:rPr lang="pt-BR" dirty="0" smtClean="0">
+              <a:rPr lang="pt-BR" sz="2400" dirty="0" smtClean="0">
                 <a:solidFill>
                   <a:schemeClr val="bg1"/>
                 </a:solidFill>
               </a:rPr>
               <a:t>Rodrigo E. Fonseca.</a:t>
             </a:r>
-            <a:endParaRPr lang="pt-BR" dirty="0">
+            <a:endParaRPr lang="pt-BR" sz="2400" dirty="0">
               <a:solidFill>
                 <a:schemeClr val="bg1"/>
               </a:solidFill>
@@ -5516,7 +5541,7 @@
         </p:spPr>
         <p:txBody>
           <a:bodyPr>
-            <a:normAutofit/>
+            <a:normAutofit fontScale="90000"/>
           </a:bodyPr>
           <a:lstStyle/>
           <a:p>
@@ -5690,7 +5715,9 @@
           </a:xfrm>
         </p:spPr>
         <p:txBody>
-          <a:bodyPr/>
+          <a:bodyPr>
+            <a:normAutofit fontScale="90000"/>
+          </a:bodyPr>
           <a:lstStyle/>
           <a:p>
             <a:r>
@@ -6109,36 +6136,287 @@
       </p:grpSpPr>
       <p:sp>
         <p:nvSpPr>
-          <p:cNvPr id="2" name="Título 1"/>
-          <p:cNvSpPr>
-            <a:spLocks noGrp="1"/>
-          </p:cNvSpPr>
-          <p:nvPr>
-            <p:ph type="title"/>
+          <p:cNvPr id="3" name="Subtítulo 2"/>
+          <p:cNvSpPr>
+            <a:spLocks noGrp="1"/>
+          </p:cNvSpPr>
+          <p:nvPr>
+            <p:ph type="subTitle" idx="1"/>
           </p:nvPr>
         </p:nvSpPr>
         <p:spPr>
           <a:xfrm>
-            <a:off x="684211" y="535578"/>
-            <a:ext cx="11189925" cy="5458822"/>
+            <a:off x="1402670" y="1802675"/>
+            <a:ext cx="6400800" cy="4262846"/>
           </a:xfrm>
         </p:spPr>
         <p:txBody>
-          <a:bodyPr>
+          <a:bodyPr/>
+          <a:lstStyle/>
+          <a:p>
+            <a:r>
+              <a:rPr lang="pt-BR" dirty="0" smtClean="0"/>
+              <a:t>.</a:t>
+            </a:r>
+            <a:endParaRPr lang="pt-BR" dirty="0"/>
+          </a:p>
+        </p:txBody>
+      </p:sp>
+      <p:sp>
+        <p:nvSpPr>
+          <p:cNvPr id="4" name="Subtítulo 2"/>
+          <p:cNvSpPr txBox="1">
+            <a:spLocks/>
+          </p:cNvSpPr>
+          <p:nvPr/>
+        </p:nvSpPr>
+        <p:spPr>
+          <a:xfrm>
+            <a:off x="1280748" y="1928949"/>
+            <a:ext cx="9326291" cy="4262846"/>
+          </a:xfrm>
+          <a:prstGeom prst="rect">
+            <a:avLst/>
+          </a:prstGeom>
+        </p:spPr>
+        <p:txBody>
+          <a:bodyPr vert="horz" lIns="91440" tIns="45720" rIns="91440" bIns="45720" rtlCol="0" anchor="t">
             <a:normAutofit/>
           </a:bodyPr>
-          <a:lstStyle/>
-          <a:p>
-            <a:pPr>
-              <a:lnSpc>
-                <a:spcPct val="100000"/>
-              </a:lnSpc>
+          <a:lstStyle>
+            <a:lvl1pPr marL="0" indent="0" algn="l" defTabSz="457200" rtl="0" eaLnBrk="1" latinLnBrk="0" hangingPunct="1">
               <a:spcBef>
-                <a:spcPts val="561"/>
+                <a:spcPct val="20000"/>
               </a:spcBef>
+              <a:spcAft>
+                <a:spcPts val="600"/>
+              </a:spcAft>
+              <a:buClr>
+                <a:schemeClr val="tx1"/>
+              </a:buClr>
+              <a:buSzPct val="80000"/>
+              <a:buFont typeface="Wingdings 3" panose="05040102010807070707" pitchFamily="18" charset="2"/>
+              <a:buNone/>
+              <a:defRPr sz="2100" kern="1200" cap="none">
+                <a:solidFill>
+                  <a:schemeClr val="bg2">
+                    <a:lumMod val="75000"/>
+                  </a:schemeClr>
+                </a:solidFill>
+                <a:effectLst/>
+                <a:latin typeface="+mn-lt"/>
+                <a:ea typeface="+mn-ea"/>
+                <a:cs typeface="+mn-cs"/>
+              </a:defRPr>
+            </a:lvl1pPr>
+            <a:lvl2pPr marL="457200" indent="0" algn="ctr" defTabSz="457200" rtl="0" eaLnBrk="1" latinLnBrk="0" hangingPunct="1">
+              <a:spcBef>
+                <a:spcPct val="20000"/>
+              </a:spcBef>
+              <a:spcAft>
+                <a:spcPts val="600"/>
+              </a:spcAft>
+              <a:buClr>
+                <a:schemeClr val="tx1"/>
+              </a:buClr>
+              <a:buSzPct val="80000"/>
+              <a:buFont typeface="Wingdings 3" panose="05040102010807070707" pitchFamily="18" charset="2"/>
+              <a:buNone/>
+              <a:defRPr sz="1800" kern="1200" cap="none">
+                <a:solidFill>
+                  <a:schemeClr val="tx1">
+                    <a:tint val="75000"/>
+                  </a:schemeClr>
+                </a:solidFill>
+                <a:effectLst/>
+                <a:latin typeface="+mn-lt"/>
+                <a:ea typeface="+mn-ea"/>
+                <a:cs typeface="+mn-cs"/>
+              </a:defRPr>
+            </a:lvl2pPr>
+            <a:lvl3pPr marL="914400" indent="0" algn="ctr" defTabSz="457200" rtl="0" eaLnBrk="1" latinLnBrk="0" hangingPunct="1">
+              <a:spcBef>
+                <a:spcPct val="20000"/>
+              </a:spcBef>
+              <a:spcAft>
+                <a:spcPts val="600"/>
+              </a:spcAft>
+              <a:buClr>
+                <a:schemeClr val="tx1"/>
+              </a:buClr>
+              <a:buSzPct val="80000"/>
+              <a:buFont typeface="Wingdings 3" panose="05040102010807070707" pitchFamily="18" charset="2"/>
+              <a:buNone/>
+              <a:defRPr sz="1600" kern="1200" cap="none">
+                <a:solidFill>
+                  <a:schemeClr val="tx1">
+                    <a:tint val="75000"/>
+                  </a:schemeClr>
+                </a:solidFill>
+                <a:effectLst/>
+                <a:latin typeface="+mn-lt"/>
+                <a:ea typeface="+mn-ea"/>
+                <a:cs typeface="+mn-cs"/>
+              </a:defRPr>
+            </a:lvl3pPr>
+            <a:lvl4pPr marL="1371600" indent="0" algn="ctr" defTabSz="457200" rtl="0" eaLnBrk="1" latinLnBrk="0" hangingPunct="1">
+              <a:spcBef>
+                <a:spcPct val="20000"/>
+              </a:spcBef>
+              <a:spcAft>
+                <a:spcPts val="600"/>
+              </a:spcAft>
+              <a:buClr>
+                <a:schemeClr val="tx1"/>
+              </a:buClr>
+              <a:buSzPct val="80000"/>
+              <a:buFont typeface="Wingdings 3" panose="05040102010807070707" pitchFamily="18" charset="2"/>
+              <a:buNone/>
+              <a:defRPr sz="1400" kern="1200" cap="none">
+                <a:solidFill>
+                  <a:schemeClr val="tx1">
+                    <a:tint val="75000"/>
+                  </a:schemeClr>
+                </a:solidFill>
+                <a:effectLst/>
+                <a:latin typeface="+mn-lt"/>
+                <a:ea typeface="+mn-ea"/>
+                <a:cs typeface="+mn-cs"/>
+              </a:defRPr>
+            </a:lvl4pPr>
+            <a:lvl5pPr marL="1828800" indent="0" algn="ctr" defTabSz="457200" rtl="0" eaLnBrk="1" latinLnBrk="0" hangingPunct="1">
+              <a:spcBef>
+                <a:spcPct val="20000"/>
+              </a:spcBef>
+              <a:spcAft>
+                <a:spcPts val="600"/>
+              </a:spcAft>
+              <a:buClr>
+                <a:schemeClr val="tx1"/>
+              </a:buClr>
+              <a:buSzPct val="80000"/>
+              <a:buFont typeface="Wingdings 3" panose="05040102010807070707" pitchFamily="18" charset="2"/>
+              <a:buNone/>
+              <a:defRPr sz="1400" kern="1200" cap="none">
+                <a:solidFill>
+                  <a:schemeClr val="tx1">
+                    <a:tint val="75000"/>
+                  </a:schemeClr>
+                </a:solidFill>
+                <a:effectLst/>
+                <a:latin typeface="+mn-lt"/>
+                <a:ea typeface="+mn-ea"/>
+                <a:cs typeface="+mn-cs"/>
+              </a:defRPr>
+            </a:lvl5pPr>
+            <a:lvl6pPr marL="2286000" indent="0" algn="ctr" defTabSz="457200" rtl="0" eaLnBrk="1" latinLnBrk="0" hangingPunct="1">
+              <a:spcBef>
+                <a:spcPct val="20000"/>
+              </a:spcBef>
+              <a:spcAft>
+                <a:spcPts val="600"/>
+              </a:spcAft>
+              <a:buClr>
+                <a:schemeClr val="tx1"/>
+              </a:buClr>
+              <a:buSzPct val="80000"/>
+              <a:buFont typeface="Wingdings 3" panose="05040102010807070707" pitchFamily="18" charset="2"/>
+              <a:buNone/>
+              <a:defRPr sz="1400" kern="1200" cap="none">
+                <a:solidFill>
+                  <a:schemeClr val="tx1">
+                    <a:tint val="75000"/>
+                  </a:schemeClr>
+                </a:solidFill>
+                <a:effectLst/>
+                <a:latin typeface="+mn-lt"/>
+                <a:ea typeface="+mn-ea"/>
+                <a:cs typeface="+mn-cs"/>
+              </a:defRPr>
+            </a:lvl6pPr>
+            <a:lvl7pPr marL="2743200" indent="0" algn="ctr" defTabSz="457200" rtl="0" eaLnBrk="1" latinLnBrk="0" hangingPunct="1">
+              <a:spcBef>
+                <a:spcPct val="20000"/>
+              </a:spcBef>
+              <a:spcAft>
+                <a:spcPts val="600"/>
+              </a:spcAft>
+              <a:buClr>
+                <a:schemeClr val="tx1"/>
+              </a:buClr>
+              <a:buSzPct val="80000"/>
+              <a:buFont typeface="Wingdings 3" panose="05040102010807070707" pitchFamily="18" charset="2"/>
+              <a:buNone/>
+              <a:defRPr sz="1400" kern="1200" cap="none">
+                <a:solidFill>
+                  <a:schemeClr val="tx1">
+                    <a:tint val="75000"/>
+                  </a:schemeClr>
+                </a:solidFill>
+                <a:effectLst/>
+                <a:latin typeface="+mn-lt"/>
+                <a:ea typeface="+mn-ea"/>
+                <a:cs typeface="+mn-cs"/>
+              </a:defRPr>
+            </a:lvl7pPr>
+            <a:lvl8pPr marL="3200400" indent="0" algn="ctr" defTabSz="457200" rtl="0" eaLnBrk="1" latinLnBrk="0" hangingPunct="1">
+              <a:spcBef>
+                <a:spcPct val="20000"/>
+              </a:spcBef>
+              <a:spcAft>
+                <a:spcPts val="600"/>
+              </a:spcAft>
+              <a:buClr>
+                <a:schemeClr val="tx1"/>
+              </a:buClr>
+              <a:buSzPct val="80000"/>
+              <a:buFont typeface="Wingdings 3" panose="05040102010807070707" pitchFamily="18" charset="2"/>
+              <a:buNone/>
+              <a:defRPr sz="1400" kern="1200" cap="none">
+                <a:solidFill>
+                  <a:schemeClr val="tx1">
+                    <a:tint val="75000"/>
+                  </a:schemeClr>
+                </a:solidFill>
+                <a:effectLst/>
+                <a:latin typeface="+mn-lt"/>
+                <a:ea typeface="+mn-ea"/>
+                <a:cs typeface="+mn-cs"/>
+              </a:defRPr>
+            </a:lvl8pPr>
+            <a:lvl9pPr marL="3657600" indent="0" algn="ctr" defTabSz="457200" rtl="0" eaLnBrk="1" latinLnBrk="0" hangingPunct="1">
+              <a:spcBef>
+                <a:spcPct val="20000"/>
+              </a:spcBef>
+              <a:spcAft>
+                <a:spcPts val="600"/>
+              </a:spcAft>
+              <a:buClr>
+                <a:schemeClr val="tx1"/>
+              </a:buClr>
+              <a:buSzPct val="80000"/>
+              <a:buFont typeface="Wingdings 3" panose="05040102010807070707" pitchFamily="18" charset="2"/>
+              <a:buNone/>
+              <a:defRPr sz="1400" kern="1200" cap="none">
+                <a:solidFill>
+                  <a:schemeClr val="tx1">
+                    <a:tint val="75000"/>
+                  </a:schemeClr>
+                </a:solidFill>
+                <a:effectLst/>
+                <a:latin typeface="+mn-lt"/>
+                <a:ea typeface="+mn-ea"/>
+                <a:cs typeface="+mn-cs"/>
+              </a:defRPr>
+            </a:lvl9pPr>
+          </a:lstStyle>
+          <a:p>
+            <a:pPr marL="342900" indent="-342900">
+              <a:buFont typeface="Arial" panose="020B0604020202020204" pitchFamily="34" charset="0"/>
+              <a:buChar char="•"/>
             </a:pPr>
             <a:r>
-              <a:rPr lang="ru-RU" b="1" spc="-1" dirty="0">
+              <a:rPr lang="ru-RU" sz="3600" b="1" spc="-1" dirty="0">
                 <a:solidFill>
                   <a:schemeClr val="bg1"/>
                 </a:solidFill>
@@ -6147,7 +6425,7 @@
               <a:t>“Não é a mais forte das espécies que sobrevive, nem a mais inteligente, mas a mais sensível à mudança.”</a:t>
             </a:r>
             <a:br>
-              <a:rPr lang="ru-RU" b="1" spc="-1" dirty="0">
+              <a:rPr lang="ru-RU" sz="3600" b="1" spc="-1" dirty="0">
                 <a:solidFill>
                   <a:schemeClr val="bg1"/>
                 </a:solidFill>
@@ -6155,57 +6433,70 @@
               </a:rPr>
             </a:br>
             <a:r>
-              <a:rPr lang="pt-BR" b="1" spc="-1" dirty="0" smtClean="0">
+              <a:rPr lang="pt-BR" sz="3600" b="1" spc="-1" dirty="0">
                 <a:solidFill>
                   <a:schemeClr val="bg1"/>
                 </a:solidFill>
                 <a:latin typeface="Arial"/>
               </a:rPr>
-              <a:t>														</a:t>
-            </a:r>
-            <a:r>
-              <a:rPr lang="ru-RU" b="1" spc="-1" dirty="0" smtClean="0">
+              <a:t>			</a:t>
+            </a:r>
+            <a:r>
+              <a:rPr lang="pt-BR" sz="3600" b="1" spc="-1" dirty="0" smtClean="0">
                 <a:solidFill>
                   <a:schemeClr val="bg1"/>
                 </a:solidFill>
                 <a:latin typeface="Arial"/>
               </a:rPr>
-              <a:t>(</a:t>
-            </a:r>
-            <a:r>
-              <a:rPr lang="ru-RU" b="1" spc="-1" dirty="0">
+              <a:t>	</a:t>
+            </a:r>
+            <a:r>
+              <a:rPr lang="pt-BR" sz="3600" b="1" spc="-1" dirty="0">
                 <a:solidFill>
                   <a:schemeClr val="bg1"/>
                 </a:solidFill>
                 <a:latin typeface="Arial"/>
               </a:rPr>
-              <a:t>Charles Darwin)</a:t>
-            </a:r>
-            <a:r>
-              <a:rPr lang="ru-RU" spc="-1" dirty="0">
-                <a:solidFill>
-                  <a:srgbClr val="DDDDDD"/>
+              <a:t>								</a:t>
+            </a:r>
+            <a:r>
+              <a:rPr lang="ru-RU" sz="3600" b="1" spc="-1" dirty="0">
+                <a:solidFill>
+                  <a:schemeClr val="bg1"/>
+                </a:solidFill>
+                <a:latin typeface="Arial"/>
+              </a:rPr>
+              <a:t>(Charles Darwin)</a:t>
+            </a:r>
+            <a:r>
+              <a:rPr lang="ru-RU" sz="3600" spc="-1" dirty="0">
+                <a:solidFill>
+                  <a:schemeClr val="bg1"/>
                 </a:solidFill>
                 <a:latin typeface="Arial"/>
               </a:rPr>
               <a:t/>
             </a:r>
             <a:br>
-              <a:rPr lang="ru-RU" spc="-1" dirty="0">
-                <a:solidFill>
-                  <a:srgbClr val="DDDDDD"/>
+              <a:rPr lang="ru-RU" sz="3600" spc="-1" dirty="0">
+                <a:solidFill>
+                  <a:schemeClr val="bg1"/>
                 </a:solidFill>
                 <a:latin typeface="Arial"/>
               </a:rPr>
             </a:br>
-            <a:endParaRPr lang="pt-BR" dirty="0"/>
+            <a:endParaRPr lang="pt-BR" sz="2800" dirty="0">
+              <a:solidFill>
+                <a:schemeClr val="bg1"/>
+              </a:solidFill>
+            </a:endParaRPr>
           </a:p>
         </p:txBody>
       </p:sp>
     </p:spTree>
     <p:extLst>
       <p:ext uri="{BB962C8B-B14F-4D97-AF65-F5344CB8AC3E}">
-        <p14:creationId xmlns:p14="http://schemas.microsoft.com/office/powerpoint/2010/main" val="928166572"/>
+        <p14:creationId xmlns:p14="http://schemas.microsoft.com/office/powerpoint/2010/main" val="3959928143"/>
       </p:ext>
     </p:extLst>
   </p:cSld>
@@ -6249,7 +6540,9 @@
           </a:xfrm>
         </p:spPr>
         <p:txBody>
-          <a:bodyPr/>
+          <a:bodyPr>
+            <a:normAutofit fontScale="90000"/>
+          </a:bodyPr>
           <a:lstStyle/>
           <a:p>
             <a:r>
@@ -6520,7 +6813,7 @@
         </p:spPr>
         <p:txBody>
           <a:bodyPr>
-            <a:normAutofit/>
+            <a:normAutofit fontScale="90000"/>
           </a:bodyPr>
           <a:lstStyle/>
           <a:p>
@@ -6985,7 +7278,7 @@
         </p:spPr>
         <p:txBody>
           <a:bodyPr>
-            <a:normAutofit/>
+            <a:normAutofit fontScale="90000"/>
           </a:bodyPr>
           <a:lstStyle/>
           <a:p>
@@ -7103,7 +7396,7 @@
         </p:spPr>
         <p:txBody>
           <a:bodyPr>
-            <a:normAutofit/>
+            <a:normAutofit fontScale="90000"/>
           </a:bodyPr>
           <a:lstStyle/>
           <a:p>
@@ -7187,9 +7480,9 @@
 </file>
 
 <file path=ppt/theme/theme1.xml><?xml version="1.0" encoding="utf-8"?>
-<a:theme xmlns:a="http://schemas.openxmlformats.org/drawingml/2006/main" name="Fatia">
+<a:theme xmlns:a="http://schemas.openxmlformats.org/drawingml/2006/main" name="Citável">
   <a:themeElements>
-    <a:clrScheme name="Fatia">
+    <a:clrScheme name="Citável">
       <a:dk1>
         <a:sysClr val="windowText" lastClr="000000"/>
       </a:dk1>
@@ -7197,45 +7490,45 @@
         <a:sysClr val="window" lastClr="FFFFFF"/>
       </a:lt1>
       <a:dk2>
-        <a:srgbClr val="146194"/>
+        <a:srgbClr val="212121"/>
       </a:dk2>
       <a:lt2>
-        <a:srgbClr val="76DBF4"/>
+        <a:srgbClr val="636363"/>
       </a:lt2>
       <a:accent1>
-        <a:srgbClr val="052F61"/>
+        <a:srgbClr val="00C6BB"/>
       </a:accent1>
       <a:accent2>
-        <a:srgbClr val="A50E82"/>
+        <a:srgbClr val="6FEBA0"/>
       </a:accent2>
       <a:accent3>
-        <a:srgbClr val="14967C"/>
+        <a:srgbClr val="B6DF5E"/>
       </a:accent3>
       <a:accent4>
-        <a:srgbClr val="6A9E1F"/>
+        <a:srgbClr val="EFB251"/>
       </a:accent4>
       <a:accent5>
-        <a:srgbClr val="E87D37"/>
+        <a:srgbClr val="EF755F"/>
       </a:accent5>
       <a:accent6>
-        <a:srgbClr val="C62324"/>
+        <a:srgbClr val="ED515C"/>
       </a:accent6>
       <a:hlink>
-        <a:srgbClr val="0D2E46"/>
+        <a:srgbClr val="8F8F8F"/>
       </a:hlink>
       <a:folHlink>
-        <a:srgbClr val="356A95"/>
+        <a:srgbClr val="A5A5A5"/>
       </a:folHlink>
     </a:clrScheme>
-    <a:fontScheme name="Fatia">
+    <a:fontScheme name="Citável">
       <a:majorFont>
         <a:latin typeface="Century Gothic" panose="020B0502020202020204"/>
         <a:ea typeface=""/>
         <a:cs typeface=""/>
-        <a:font script="Jpan" typeface="メイリオ"/>
-        <a:font script="Hang" typeface="HY중고딕"/>
-        <a:font script="Hans" typeface="幼圆"/>
-        <a:font script="Hant" typeface="微軟正黑體"/>
+        <a:font script="Jpan" typeface="ＭＳ ゴシック"/>
+        <a:font script="Hang" typeface="맑은 고딕"/>
+        <a:font script="Hans" typeface="宋体"/>
+        <a:font script="Hant" typeface="新細明體"/>
         <a:font script="Arab" typeface="Tahoma"/>
         <a:font script="Hebr" typeface="Gisha"/>
         <a:font script="Thai" typeface="DilleniaUPC"/>
@@ -7267,10 +7560,10 @@
         <a:latin typeface="Century Gothic" panose="020B0502020202020204"/>
         <a:ea typeface=""/>
         <a:cs typeface=""/>
-        <a:font script="Jpan" typeface="メイリオ"/>
-        <a:font script="Hang" typeface="HY중고딕"/>
-        <a:font script="Hans" typeface="幼圆"/>
-        <a:font script="Hant" typeface="微軟正黑體"/>
+        <a:font script="Jpan" typeface="ＭＳ ゴシック"/>
+        <a:font script="Hang" typeface="맑은 고딕"/>
+        <a:font script="Hans" typeface="宋体"/>
+        <a:font script="Hant" typeface="新細明體"/>
         <a:font script="Arab" typeface="Tahoma"/>
         <a:font script="Hebr" typeface="Gisha"/>
         <a:font script="Thai" typeface="DilleniaUPC"/>
@@ -7294,12 +7587,12 @@
         <a:font script="Laoo" typeface="DokChampa"/>
         <a:font script="Sinh" typeface="Iskoola Pota"/>
         <a:font script="Mong" typeface="Mongolian Baiti"/>
-        <a:font script="Viet" typeface="Tahoma"/>
+        <a:font script="Viet" typeface="Verdana"/>
         <a:font script="Uigh" typeface="Microsoft Uighur"/>
         <a:font script="Geor" typeface="Sylfaen"/>
       </a:minorFont>
     </a:fontScheme>
-    <a:fmtScheme name="Fatia">
+    <a:fmtScheme name="Citável">
       <a:fillStyleLst>
         <a:solidFill>
           <a:schemeClr val="phClr"/>
@@ -7308,61 +7601,48 @@
           <a:gsLst>
             <a:gs pos="0">
               <a:schemeClr val="phClr">
-                <a:tint val="62000"/>
-                <a:hueMod val="94000"/>
-                <a:satMod val="140000"/>
-                <a:lumMod val="110000"/>
+                <a:tint val="80000"/>
+                <a:lumMod val="105000"/>
               </a:schemeClr>
             </a:gs>
             <a:gs pos="100000">
               <a:schemeClr val="phClr">
-                <a:tint val="84000"/>
-                <a:satMod val="160000"/>
+                <a:tint val="90000"/>
               </a:schemeClr>
             </a:gs>
           </a:gsLst>
           <a:lin ang="5400000" scaled="0"/>
         </a:gradFill>
-        <a:gradFill rotWithShape="1">
-          <a:gsLst>
-            <a:gs pos="0">
+        <a:blipFill rotWithShape="1">
+          <a:blip xmlns:r="http://schemas.openxmlformats.org/officeDocument/2006/relationships" r:embed="rId1">
+            <a:duotone>
               <a:schemeClr val="phClr">
                 <a:tint val="98000"/>
-                <a:hueMod val="94000"/>
-                <a:satMod val="130000"/>
-                <a:lumMod val="128000"/>
+                <a:lumMod val="102000"/>
               </a:schemeClr>
-            </a:gs>
-            <a:gs pos="100000">
               <a:schemeClr val="phClr">
-                <a:shade val="94000"/>
-                <a:lumMod val="88000"/>
+                <a:shade val="98000"/>
+                <a:lumMod val="98000"/>
               </a:schemeClr>
-            </a:gs>
-          </a:gsLst>
-          <a:lin ang="5400000" scaled="0"/>
-        </a:gradFill>
+            </a:duotone>
+          </a:blip>
+          <a:tile tx="0" ty="0" sx="100000" sy="100000" flip="none" algn="tl"/>
+        </a:blipFill>
       </a:fillStyleLst>
       <a:lnStyleLst>
         <a:ln w="9525" cap="rnd" cmpd="sng" algn="ctr">
           <a:solidFill>
-            <a:schemeClr val="phClr">
-              <a:tint val="76000"/>
-              <a:alpha val="60000"/>
-              <a:hueMod val="94000"/>
-            </a:schemeClr>
+            <a:schemeClr val="phClr"/>
           </a:solidFill>
           <a:prstDash val="solid"/>
         </a:ln>
         <a:ln w="15875" cap="rnd" cmpd="sng" algn="ctr">
           <a:solidFill>
-            <a:schemeClr val="phClr">
-              <a:hueMod val="94000"/>
-            </a:schemeClr>
+            <a:schemeClr val="phClr"/>
           </a:solidFill>
           <a:prstDash val="solid"/>
         </a:ln>
-        <a:ln w="28575" cap="rnd" cmpd="sng" algn="ctr">
+        <a:ln w="25400" cap="rnd" cmpd="sng" algn="ctr">
           <a:solidFill>
             <a:schemeClr val="phClr"/>
           </a:solidFill>
@@ -7374,31 +7654,16 @@
           <a:effectLst/>
         </a:effectStyle>
         <a:effectStyle>
+          <a:effectLst/>
+        </a:effectStyle>
+        <a:effectStyle>
           <a:effectLst>
-            <a:innerShdw blurRad="25400" dist="12700" dir="13500000">
+            <a:innerShdw blurRad="63500" dist="25400" dir="13500000">
               <a:srgbClr val="000000">
-                <a:alpha val="45000"/>
+                <a:alpha val="75000"/>
               </a:srgbClr>
             </a:innerShdw>
           </a:effectLst>
-        </a:effectStyle>
-        <a:effectStyle>
-          <a:effectLst>
-            <a:outerShdw blurRad="50800" dist="38100" dir="5400000" rotWithShape="0">
-              <a:srgbClr val="000000">
-                <a:alpha val="46000"/>
-              </a:srgbClr>
-            </a:outerShdw>
-          </a:effectLst>
-          <a:scene3d>
-            <a:camera prst="orthographicFront">
-              <a:rot lat="0" lon="0" rev="0"/>
-            </a:camera>
-            <a:lightRig rig="threePt" dir="t"/>
-          </a:scene3d>
-          <a:sp3d prstMaterial="plastic">
-            <a:bevelT w="25400" h="25400"/>
-          </a:sp3d>
         </a:effectStyle>
       </a:effectStyleLst>
       <a:bgFillStyleLst>
@@ -7407,45 +7672,36 @@
         </a:solidFill>
         <a:gradFill rotWithShape="1">
           <a:gsLst>
-            <a:gs pos="10000">
+            <a:gs pos="0">
               <a:schemeClr val="phClr">
-                <a:tint val="97000"/>
-                <a:hueMod val="92000"/>
-                <a:satMod val="169000"/>
-                <a:lumMod val="164000"/>
+                <a:tint val="100000"/>
               </a:schemeClr>
             </a:gs>
             <a:gs pos="100000">
               <a:schemeClr val="phClr">
-                <a:shade val="96000"/>
-                <a:satMod val="120000"/>
+                <a:tint val="84000"/>
+                <a:shade val="84000"/>
                 <a:lumMod val="90000"/>
               </a:schemeClr>
             </a:gs>
           </a:gsLst>
-          <a:lin ang="6120000" scaled="1"/>
+          <a:lin ang="5400000" scaled="0"/>
         </a:gradFill>
         <a:gradFill rotWithShape="1">
           <a:gsLst>
             <a:gs pos="0">
               <a:schemeClr val="phClr">
-                <a:tint val="97000"/>
-                <a:hueMod val="92000"/>
-                <a:satMod val="169000"/>
-                <a:lumMod val="164000"/>
-              </a:schemeClr>
-            </a:gs>
-            <a:gs pos="100000">
-              <a:schemeClr val="phClr">
-                <a:shade val="96000"/>
+                <a:tint val="84000"/>
+                <a:shade val="90000"/>
                 <a:satMod val="120000"/>
                 <a:lumMod val="90000"/>
               </a:schemeClr>
             </a:gs>
+            <a:gs pos="100000">
+              <a:schemeClr val="phClr"/>
+            </a:gs>
           </a:gsLst>
-          <a:path path="circle">
-            <a:fillToRect b="100000"/>
-          </a:path>
+          <a:lin ang="5400000" scaled="0"/>
         </a:gradFill>
       </a:bgFillStyleLst>
     </a:fmtScheme>
@@ -7454,7 +7710,7 @@
   <a:extraClrSchemeLst/>
   <a:extLst>
     <a:ext uri="{05A4C25C-085E-4340-85A3-A5531E510DB2}">
-      <thm15:themeFamily xmlns:thm15="http://schemas.microsoft.com/office/thememl/2012/main" name="Slice" id="{0507925B-6AC9-4358-8E18-C330545D08F8}" vid="{13FEC7C6-62A9-40C4-99D2-581AACACAA2F}"/>
+      <thm15:themeFamily xmlns:thm15="http://schemas.microsoft.com/office/thememl/2012/main" name="Quotable" id="{39EC5628-30ED-4578-ACD8-9820EDB8E15A}" vid="{6F3559E9-1A4C-49D8-94D4-F41003531C49}"/>
     </a:ext>
   </a:extLst>
 </a:theme>
